--- a/Vanko Martin Predikcia zlyhania srdca.pptx
+++ b/Vanko Martin Predikcia zlyhania srdca.pptx
@@ -12,7 +12,22 @@
     <p:sldId id="261" r:id="rId6"/>
     <p:sldId id="262" r:id="rId7"/>
     <p:sldId id="263" r:id="rId8"/>
-    <p:sldId id="259" r:id="rId9"/>
+    <p:sldId id="264" r:id="rId9"/>
+    <p:sldId id="265" r:id="rId10"/>
+    <p:sldId id="273" r:id="rId11"/>
+    <p:sldId id="274" r:id="rId12"/>
+    <p:sldId id="275" r:id="rId13"/>
+    <p:sldId id="276" r:id="rId14"/>
+    <p:sldId id="277" r:id="rId15"/>
+    <p:sldId id="266" r:id="rId16"/>
+    <p:sldId id="267" r:id="rId17"/>
+    <p:sldId id="268" r:id="rId18"/>
+    <p:sldId id="269" r:id="rId19"/>
+    <p:sldId id="270" r:id="rId20"/>
+    <p:sldId id="271" r:id="rId21"/>
+    <p:sldId id="272" r:id="rId22"/>
+    <p:sldId id="259" r:id="rId23"/>
+    <p:sldId id="278" r:id="rId24"/>
   </p:sldIdLst>
   <p:sldSz cx="12192000" cy="6858000"/>
   <p:notesSz cx="6858000" cy="9144000"/>
@@ -111,6 +126,11 @@
       </a:defRPr>
     </a:lvl9pPr>
   </p:defaultTextStyle>
+  <p:extLst>
+    <p:ext uri="{EFAFB233-063F-42B5-8137-9DF3F51BA10A}">
+      <p15:sldGuideLst xmlns:p15="http://schemas.microsoft.com/office/powerpoint/2012/main"/>
+    </p:ext>
+  </p:extLst>
 </p:presentation>
 </file>
 
@@ -282,7 +302,7 @@
           <a:p>
             <a:fld id="{D6558542-6885-4348-8962-46B0F24B88CC}" type="datetimeFigureOut">
               <a:rPr lang="sk-SK" smtClean="0"/>
-              <a:t>30. 4. 2021</a:t>
+              <a:t>2. 5. 2021</a:t>
             </a:fld>
             <a:endParaRPr lang="sk-SK"/>
           </a:p>
@@ -510,7 +530,7 @@
           <a:p>
             <a:fld id="{D6558542-6885-4348-8962-46B0F24B88CC}" type="datetimeFigureOut">
               <a:rPr lang="sk-SK" smtClean="0"/>
-              <a:t>30. 4. 2021</a:t>
+              <a:t>2. 5. 2021</a:t>
             </a:fld>
             <a:endParaRPr lang="sk-SK"/>
           </a:p>
@@ -690,7 +710,7 @@
           <a:p>
             <a:fld id="{D6558542-6885-4348-8962-46B0F24B88CC}" type="datetimeFigureOut">
               <a:rPr lang="sk-SK" smtClean="0"/>
-              <a:t>30. 4. 2021</a:t>
+              <a:t>2. 5. 2021</a:t>
             </a:fld>
             <a:endParaRPr lang="sk-SK"/>
           </a:p>
@@ -860,7 +880,7 @@
           <a:p>
             <a:fld id="{D6558542-6885-4348-8962-46B0F24B88CC}" type="datetimeFigureOut">
               <a:rPr lang="sk-SK" smtClean="0"/>
-              <a:t>30. 4. 2021</a:t>
+              <a:t>2. 5. 2021</a:t>
             </a:fld>
             <a:endParaRPr lang="sk-SK"/>
           </a:p>
@@ -1114,7 +1134,7 @@
           <a:p>
             <a:fld id="{D6558542-6885-4348-8962-46B0F24B88CC}" type="datetimeFigureOut">
               <a:rPr lang="sk-SK" smtClean="0"/>
-              <a:t>30. 4. 2021</a:t>
+              <a:t>2. 5. 2021</a:t>
             </a:fld>
             <a:endParaRPr lang="sk-SK"/>
           </a:p>
@@ -1440,7 +1460,7 @@
           <a:p>
             <a:fld id="{D6558542-6885-4348-8962-46B0F24B88CC}" type="datetimeFigureOut">
               <a:rPr lang="sk-SK" smtClean="0"/>
-              <a:t>30. 4. 2021</a:t>
+              <a:t>2. 5. 2021</a:t>
             </a:fld>
             <a:endParaRPr lang="sk-SK"/>
           </a:p>
@@ -1891,7 +1911,7 @@
           <a:p>
             <a:fld id="{D6558542-6885-4348-8962-46B0F24B88CC}" type="datetimeFigureOut">
               <a:rPr lang="sk-SK" smtClean="0"/>
-              <a:t>30. 4. 2021</a:t>
+              <a:t>2. 5. 2021</a:t>
             </a:fld>
             <a:endParaRPr lang="sk-SK"/>
           </a:p>
@@ -2009,7 +2029,7 @@
           <a:p>
             <a:fld id="{D6558542-6885-4348-8962-46B0F24B88CC}" type="datetimeFigureOut">
               <a:rPr lang="sk-SK" smtClean="0"/>
-              <a:t>30. 4. 2021</a:t>
+              <a:t>2. 5. 2021</a:t>
             </a:fld>
             <a:endParaRPr lang="sk-SK"/>
           </a:p>
@@ -2104,7 +2124,7 @@
           <a:p>
             <a:fld id="{D6558542-6885-4348-8962-46B0F24B88CC}" type="datetimeFigureOut">
               <a:rPr lang="sk-SK" smtClean="0"/>
-              <a:t>30. 4. 2021</a:t>
+              <a:t>2. 5. 2021</a:t>
             </a:fld>
             <a:endParaRPr lang="sk-SK"/>
           </a:p>
@@ -2391,7 +2411,7 @@
           <a:p>
             <a:fld id="{D6558542-6885-4348-8962-46B0F24B88CC}" type="datetimeFigureOut">
               <a:rPr lang="sk-SK" smtClean="0"/>
-              <a:t>30. 4. 2021</a:t>
+              <a:t>2. 5. 2021</a:t>
             </a:fld>
             <a:endParaRPr lang="sk-SK"/>
           </a:p>
@@ -2716,7 +2736,7 @@
           <a:p>
             <a:fld id="{D6558542-6885-4348-8962-46B0F24B88CC}" type="datetimeFigureOut">
               <a:rPr lang="sk-SK" smtClean="0"/>
-              <a:t>30. 4. 2021</a:t>
+              <a:t>2. 5. 2021</a:t>
             </a:fld>
             <a:endParaRPr lang="sk-SK"/>
           </a:p>
@@ -2970,7 +2990,7 @@
           <a:p>
             <a:fld id="{D6558542-6885-4348-8962-46B0F24B88CC}" type="datetimeFigureOut">
               <a:rPr lang="sk-SK" smtClean="0"/>
-              <a:t>30. 4. 2021</a:t>
+              <a:t>2. 5. 2021</a:t>
             </a:fld>
             <a:endParaRPr lang="sk-SK"/>
           </a:p>
@@ -3527,6 +3547,1089 @@
 </p:sld>
 </file>
 
+<file path=ppt/slides/slide10.xml><?xml version="1.0" encoding="utf-8"?>
+<p:sld xmlns:a="http://schemas.openxmlformats.org/drawingml/2006/main" xmlns:r="http://schemas.openxmlformats.org/officeDocument/2006/relationships" xmlns:p="http://schemas.openxmlformats.org/presentationml/2006/main">
+  <p:cSld>
+    <p:spTree>
+      <p:nvGrpSpPr>
+        <p:cNvPr id="1" name=""/>
+        <p:cNvGrpSpPr/>
+        <p:nvPr/>
+      </p:nvGrpSpPr>
+      <p:grpSpPr>
+        <a:xfrm>
+          <a:off x="0" y="0"/>
+          <a:ext cx="0" cy="0"/>
+          <a:chOff x="0" y="0"/>
+          <a:chExt cx="0" cy="0"/>
+        </a:xfrm>
+      </p:grpSpPr>
+      <p:sp>
+        <p:nvSpPr>
+          <p:cNvPr id="2" name="Nadpis 1">
+            <a:extLst>
+              <a:ext uri="{FF2B5EF4-FFF2-40B4-BE49-F238E27FC236}">
+                <a16:creationId xmlns:a16="http://schemas.microsoft.com/office/drawing/2014/main" id="{5F013DF0-133A-4CD2-8CF0-7D47E817A283}"/>
+              </a:ext>
+            </a:extLst>
+          </p:cNvPr>
+          <p:cNvSpPr>
+            <a:spLocks noGrp="1"/>
+          </p:cNvSpPr>
+          <p:nvPr>
+            <p:ph type="title"/>
+          </p:nvPr>
+        </p:nvSpPr>
+        <p:spPr/>
+        <p:txBody>
+          <a:bodyPr/>
+          <a:lstStyle/>
+          <a:p>
+            <a:r>
+              <a:rPr lang="sk-SK" dirty="0"/>
+              <a:t>Vizualizácia dát: Pohlavie-Úmrtie</a:t>
+            </a:r>
+          </a:p>
+        </p:txBody>
+      </p:sp>
+      <p:pic>
+        <p:nvPicPr>
+          <p:cNvPr id="5" name="Obrázok 4">
+            <a:extLst>
+              <a:ext uri="{FF2B5EF4-FFF2-40B4-BE49-F238E27FC236}">
+                <a16:creationId xmlns:a16="http://schemas.microsoft.com/office/drawing/2014/main" id="{C9EA3971-B19D-4F7A-B40D-5768160CF160}"/>
+              </a:ext>
+            </a:extLst>
+          </p:cNvPr>
+          <p:cNvPicPr>
+            <a:picLocks noChangeAspect="1"/>
+          </p:cNvPicPr>
+          <p:nvPr/>
+        </p:nvPicPr>
+        <p:blipFill>
+          <a:blip r:embed="rId2"/>
+          <a:stretch>
+            <a:fillRect/>
+          </a:stretch>
+        </p:blipFill>
+        <p:spPr>
+          <a:xfrm>
+            <a:off x="710167" y="1879416"/>
+            <a:ext cx="5201376" cy="4105848"/>
+          </a:xfrm>
+          <a:prstGeom prst="rect">
+            <a:avLst/>
+          </a:prstGeom>
+        </p:spPr>
+      </p:pic>
+      <p:sp>
+        <p:nvSpPr>
+          <p:cNvPr id="6" name="BlokTextu 5">
+            <a:extLst>
+              <a:ext uri="{FF2B5EF4-FFF2-40B4-BE49-F238E27FC236}">
+                <a16:creationId xmlns:a16="http://schemas.microsoft.com/office/drawing/2014/main" id="{947EED39-3756-43CF-828D-4A44FCA2E9B3}"/>
+              </a:ext>
+            </a:extLst>
+          </p:cNvPr>
+          <p:cNvSpPr txBox="1"/>
+          <p:nvPr/>
+        </p:nvSpPr>
+        <p:spPr>
+          <a:xfrm>
+            <a:off x="6390968" y="2054942"/>
+            <a:ext cx="4100051" cy="646331"/>
+          </a:xfrm>
+          <a:prstGeom prst="rect">
+            <a:avLst/>
+          </a:prstGeom>
+          <a:noFill/>
+        </p:spPr>
+        <p:txBody>
+          <a:bodyPr wrap="square" rtlCol="0">
+            <a:spAutoFit/>
+          </a:bodyPr>
+          <a:lstStyle/>
+          <a:p>
+            <a:r>
+              <a:rPr lang="sk-SK" dirty="0"/>
+              <a:t>Z grafu vyplýva, že väčšina pacientov, ktorý zomreli boli muži. </a:t>
+            </a:r>
+          </a:p>
+        </p:txBody>
+      </p:sp>
+    </p:spTree>
+    <p:extLst>
+      <p:ext uri="{BB962C8B-B14F-4D97-AF65-F5344CB8AC3E}">
+        <p14:creationId xmlns:p14="http://schemas.microsoft.com/office/powerpoint/2010/main" val="564796745"/>
+      </p:ext>
+    </p:extLst>
+  </p:cSld>
+  <p:clrMapOvr>
+    <a:masterClrMapping/>
+  </p:clrMapOvr>
+</p:sld>
+</file>
+
+<file path=ppt/slides/slide11.xml><?xml version="1.0" encoding="utf-8"?>
+<p:sld xmlns:a="http://schemas.openxmlformats.org/drawingml/2006/main" xmlns:r="http://schemas.openxmlformats.org/officeDocument/2006/relationships" xmlns:p="http://schemas.openxmlformats.org/presentationml/2006/main">
+  <p:cSld>
+    <p:spTree>
+      <p:nvGrpSpPr>
+        <p:cNvPr id="1" name=""/>
+        <p:cNvGrpSpPr/>
+        <p:nvPr/>
+      </p:nvGrpSpPr>
+      <p:grpSpPr>
+        <a:xfrm>
+          <a:off x="0" y="0"/>
+          <a:ext cx="0" cy="0"/>
+          <a:chOff x="0" y="0"/>
+          <a:chExt cx="0" cy="0"/>
+        </a:xfrm>
+      </p:grpSpPr>
+      <p:sp>
+        <p:nvSpPr>
+          <p:cNvPr id="2" name="Nadpis 1">
+            <a:extLst>
+              <a:ext uri="{FF2B5EF4-FFF2-40B4-BE49-F238E27FC236}">
+                <a16:creationId xmlns:a16="http://schemas.microsoft.com/office/drawing/2014/main" id="{53564A4D-22DB-408B-8A3A-6E5D1A09451A}"/>
+              </a:ext>
+            </a:extLst>
+          </p:cNvPr>
+          <p:cNvSpPr>
+            <a:spLocks noGrp="1"/>
+          </p:cNvSpPr>
+          <p:nvPr>
+            <p:ph type="title"/>
+          </p:nvPr>
+        </p:nvSpPr>
+        <p:spPr/>
+        <p:txBody>
+          <a:bodyPr/>
+          <a:lstStyle/>
+          <a:p>
+            <a:r>
+              <a:rPr lang="sk-SK" dirty="0"/>
+              <a:t>Vizualizácia dát: </a:t>
+            </a:r>
+            <a:r>
+              <a:rPr lang="sk-SK" dirty="0" err="1"/>
+              <a:t>Chudokrvnosť</a:t>
+            </a:r>
+            <a:r>
+              <a:rPr lang="sk-SK" dirty="0"/>
+              <a:t> - Úmrtie </a:t>
+            </a:r>
+          </a:p>
+        </p:txBody>
+      </p:sp>
+      <p:pic>
+        <p:nvPicPr>
+          <p:cNvPr id="5" name="Obrázok 4">
+            <a:extLst>
+              <a:ext uri="{FF2B5EF4-FFF2-40B4-BE49-F238E27FC236}">
+                <a16:creationId xmlns:a16="http://schemas.microsoft.com/office/drawing/2014/main" id="{93720DDD-59B3-4C10-8034-1AB28D1E97F8}"/>
+              </a:ext>
+            </a:extLst>
+          </p:cNvPr>
+          <p:cNvPicPr>
+            <a:picLocks noChangeAspect="1"/>
+          </p:cNvPicPr>
+          <p:nvPr/>
+        </p:nvPicPr>
+        <p:blipFill>
+          <a:blip r:embed="rId2"/>
+          <a:stretch>
+            <a:fillRect/>
+          </a:stretch>
+        </p:blipFill>
+        <p:spPr>
+          <a:xfrm>
+            <a:off x="811972" y="2031554"/>
+            <a:ext cx="5182323" cy="4086795"/>
+          </a:xfrm>
+          <a:prstGeom prst="rect">
+            <a:avLst/>
+          </a:prstGeom>
+        </p:spPr>
+      </p:pic>
+      <p:sp>
+        <p:nvSpPr>
+          <p:cNvPr id="7" name="BlokTextu 6">
+            <a:extLst>
+              <a:ext uri="{FF2B5EF4-FFF2-40B4-BE49-F238E27FC236}">
+                <a16:creationId xmlns:a16="http://schemas.microsoft.com/office/drawing/2014/main" id="{02AF27BC-5D4D-49F0-9CD7-F5FC86D0C505}"/>
+              </a:ext>
+            </a:extLst>
+          </p:cNvPr>
+          <p:cNvSpPr txBox="1"/>
+          <p:nvPr/>
+        </p:nvSpPr>
+        <p:spPr>
+          <a:xfrm>
+            <a:off x="6390968" y="2054942"/>
+            <a:ext cx="4100051" cy="923330"/>
+          </a:xfrm>
+          <a:prstGeom prst="rect">
+            <a:avLst/>
+          </a:prstGeom>
+          <a:noFill/>
+        </p:spPr>
+        <p:txBody>
+          <a:bodyPr wrap="square" rtlCol="0">
+            <a:spAutoFit/>
+          </a:bodyPr>
+          <a:lstStyle/>
+          <a:p>
+            <a:r>
+              <a:rPr lang="sk-SK" dirty="0"/>
+              <a:t>Z grafu vyplýva, že väčšina pacientov, ktorý zomreli netrpela </a:t>
+            </a:r>
+            <a:r>
+              <a:rPr lang="sk-SK" dirty="0" err="1"/>
+              <a:t>chudokrvnosťou</a:t>
+            </a:r>
+            <a:r>
+              <a:rPr lang="sk-SK" dirty="0"/>
+              <a:t>.</a:t>
+            </a:r>
+          </a:p>
+        </p:txBody>
+      </p:sp>
+    </p:spTree>
+    <p:extLst>
+      <p:ext uri="{BB962C8B-B14F-4D97-AF65-F5344CB8AC3E}">
+        <p14:creationId xmlns:p14="http://schemas.microsoft.com/office/powerpoint/2010/main" val="2690546963"/>
+      </p:ext>
+    </p:extLst>
+  </p:cSld>
+  <p:clrMapOvr>
+    <a:masterClrMapping/>
+  </p:clrMapOvr>
+</p:sld>
+</file>
+
+<file path=ppt/slides/slide12.xml><?xml version="1.0" encoding="utf-8"?>
+<p:sld xmlns:a="http://schemas.openxmlformats.org/drawingml/2006/main" xmlns:r="http://schemas.openxmlformats.org/officeDocument/2006/relationships" xmlns:p="http://schemas.openxmlformats.org/presentationml/2006/main">
+  <p:cSld>
+    <p:spTree>
+      <p:nvGrpSpPr>
+        <p:cNvPr id="1" name=""/>
+        <p:cNvGrpSpPr/>
+        <p:nvPr/>
+      </p:nvGrpSpPr>
+      <p:grpSpPr>
+        <a:xfrm>
+          <a:off x="0" y="0"/>
+          <a:ext cx="0" cy="0"/>
+          <a:chOff x="0" y="0"/>
+          <a:chExt cx="0" cy="0"/>
+        </a:xfrm>
+      </p:grpSpPr>
+      <p:sp>
+        <p:nvSpPr>
+          <p:cNvPr id="2" name="Nadpis 1">
+            <a:extLst>
+              <a:ext uri="{FF2B5EF4-FFF2-40B4-BE49-F238E27FC236}">
+                <a16:creationId xmlns:a16="http://schemas.microsoft.com/office/drawing/2014/main" id="{B844CC03-78AE-4F89-8B89-B7F3C0F10429}"/>
+              </a:ext>
+            </a:extLst>
+          </p:cNvPr>
+          <p:cNvSpPr>
+            <a:spLocks noGrp="1"/>
+          </p:cNvSpPr>
+          <p:nvPr>
+            <p:ph type="title"/>
+          </p:nvPr>
+        </p:nvSpPr>
+        <p:spPr/>
+        <p:txBody>
+          <a:bodyPr/>
+          <a:lstStyle/>
+          <a:p>
+            <a:r>
+              <a:rPr lang="sk-SK" dirty="0"/>
+              <a:t>Vizualizácia dát: Cukrovka - Úmrtie</a:t>
+            </a:r>
+          </a:p>
+        </p:txBody>
+      </p:sp>
+      <p:pic>
+        <p:nvPicPr>
+          <p:cNvPr id="5" name="Obrázok 4">
+            <a:extLst>
+              <a:ext uri="{FF2B5EF4-FFF2-40B4-BE49-F238E27FC236}">
+                <a16:creationId xmlns:a16="http://schemas.microsoft.com/office/drawing/2014/main" id="{E86FABF3-FE3C-48B5-853D-D210289A7FC2}"/>
+              </a:ext>
+            </a:extLst>
+          </p:cNvPr>
+          <p:cNvPicPr>
+            <a:picLocks noChangeAspect="1"/>
+          </p:cNvPicPr>
+          <p:nvPr/>
+        </p:nvPicPr>
+        <p:blipFill>
+          <a:blip r:embed="rId2"/>
+          <a:stretch>
+            <a:fillRect/>
+          </a:stretch>
+        </p:blipFill>
+        <p:spPr>
+          <a:xfrm>
+            <a:off x="856405" y="2266233"/>
+            <a:ext cx="5210902" cy="4020111"/>
+          </a:xfrm>
+          <a:prstGeom prst="rect">
+            <a:avLst/>
+          </a:prstGeom>
+        </p:spPr>
+      </p:pic>
+      <p:sp>
+        <p:nvSpPr>
+          <p:cNvPr id="7" name="BlokTextu 6">
+            <a:extLst>
+              <a:ext uri="{FF2B5EF4-FFF2-40B4-BE49-F238E27FC236}">
+                <a16:creationId xmlns:a16="http://schemas.microsoft.com/office/drawing/2014/main" id="{8646AF38-8509-4B84-B4D9-0933EB2C22EC}"/>
+              </a:ext>
+            </a:extLst>
+          </p:cNvPr>
+          <p:cNvSpPr txBox="1"/>
+          <p:nvPr/>
+        </p:nvSpPr>
+        <p:spPr>
+          <a:xfrm>
+            <a:off x="6390968" y="2054942"/>
+            <a:ext cx="4100051" cy="923330"/>
+          </a:xfrm>
+          <a:prstGeom prst="rect">
+            <a:avLst/>
+          </a:prstGeom>
+          <a:noFill/>
+        </p:spPr>
+        <p:txBody>
+          <a:bodyPr wrap="square" rtlCol="0">
+            <a:spAutoFit/>
+          </a:bodyPr>
+          <a:lstStyle/>
+          <a:p>
+            <a:r>
+              <a:rPr lang="sk-SK" dirty="0"/>
+              <a:t>Z grafu vyplýva, že väčšina pacientov, ktorý zomreli neboli diabetici. </a:t>
+            </a:r>
+          </a:p>
+        </p:txBody>
+      </p:sp>
+    </p:spTree>
+    <p:extLst>
+      <p:ext uri="{BB962C8B-B14F-4D97-AF65-F5344CB8AC3E}">
+        <p14:creationId xmlns:p14="http://schemas.microsoft.com/office/powerpoint/2010/main" val="2052619254"/>
+      </p:ext>
+    </p:extLst>
+  </p:cSld>
+  <p:clrMapOvr>
+    <a:masterClrMapping/>
+  </p:clrMapOvr>
+</p:sld>
+</file>
+
+<file path=ppt/slides/slide13.xml><?xml version="1.0" encoding="utf-8"?>
+<p:sld xmlns:a="http://schemas.openxmlformats.org/drawingml/2006/main" xmlns:r="http://schemas.openxmlformats.org/officeDocument/2006/relationships" xmlns:p="http://schemas.openxmlformats.org/presentationml/2006/main">
+  <p:cSld>
+    <p:spTree>
+      <p:nvGrpSpPr>
+        <p:cNvPr id="1" name=""/>
+        <p:cNvGrpSpPr/>
+        <p:nvPr/>
+      </p:nvGrpSpPr>
+      <p:grpSpPr>
+        <a:xfrm>
+          <a:off x="0" y="0"/>
+          <a:ext cx="0" cy="0"/>
+          <a:chOff x="0" y="0"/>
+          <a:chExt cx="0" cy="0"/>
+        </a:xfrm>
+      </p:grpSpPr>
+      <p:sp>
+        <p:nvSpPr>
+          <p:cNvPr id="2" name="Nadpis 1">
+            <a:extLst>
+              <a:ext uri="{FF2B5EF4-FFF2-40B4-BE49-F238E27FC236}">
+                <a16:creationId xmlns:a16="http://schemas.microsoft.com/office/drawing/2014/main" id="{CFA31645-91DD-4180-8C0F-128964239E90}"/>
+              </a:ext>
+            </a:extLst>
+          </p:cNvPr>
+          <p:cNvSpPr>
+            <a:spLocks noGrp="1"/>
+          </p:cNvSpPr>
+          <p:nvPr>
+            <p:ph type="title"/>
+          </p:nvPr>
+        </p:nvSpPr>
+        <p:spPr/>
+        <p:txBody>
+          <a:bodyPr/>
+          <a:lstStyle/>
+          <a:p>
+            <a:r>
+              <a:rPr lang="sk-SK" dirty="0"/>
+              <a:t>Vizualizácia dát: Vysoký krvný tlak - Úmrtie</a:t>
+            </a:r>
+          </a:p>
+        </p:txBody>
+      </p:sp>
+      <p:pic>
+        <p:nvPicPr>
+          <p:cNvPr id="5" name="Obrázok 4">
+            <a:extLst>
+              <a:ext uri="{FF2B5EF4-FFF2-40B4-BE49-F238E27FC236}">
+                <a16:creationId xmlns:a16="http://schemas.microsoft.com/office/drawing/2014/main" id="{35CC62D2-114C-497F-85D5-7C9F575C2E5C}"/>
+              </a:ext>
+            </a:extLst>
+          </p:cNvPr>
+          <p:cNvPicPr>
+            <a:picLocks noChangeAspect="1"/>
+          </p:cNvPicPr>
+          <p:nvPr/>
+        </p:nvPicPr>
+        <p:blipFill>
+          <a:blip r:embed="rId2"/>
+          <a:stretch>
+            <a:fillRect/>
+          </a:stretch>
+        </p:blipFill>
+        <p:spPr>
+          <a:xfrm>
+            <a:off x="480039" y="2213837"/>
+            <a:ext cx="5191850" cy="4124901"/>
+          </a:xfrm>
+          <a:prstGeom prst="rect">
+            <a:avLst/>
+          </a:prstGeom>
+        </p:spPr>
+      </p:pic>
+      <p:sp>
+        <p:nvSpPr>
+          <p:cNvPr id="6" name="BlokTextu 5">
+            <a:extLst>
+              <a:ext uri="{FF2B5EF4-FFF2-40B4-BE49-F238E27FC236}">
+                <a16:creationId xmlns:a16="http://schemas.microsoft.com/office/drawing/2014/main" id="{0D751449-8D81-41ED-81C4-8CC63F353BF0}"/>
+              </a:ext>
+            </a:extLst>
+          </p:cNvPr>
+          <p:cNvSpPr txBox="1"/>
+          <p:nvPr/>
+        </p:nvSpPr>
+        <p:spPr>
+          <a:xfrm>
+            <a:off x="6390968" y="2054942"/>
+            <a:ext cx="4100051" cy="923330"/>
+          </a:xfrm>
+          <a:prstGeom prst="rect">
+            <a:avLst/>
+          </a:prstGeom>
+          <a:noFill/>
+        </p:spPr>
+        <p:txBody>
+          <a:bodyPr wrap="square" rtlCol="0">
+            <a:spAutoFit/>
+          </a:bodyPr>
+          <a:lstStyle/>
+          <a:p>
+            <a:r>
+              <a:rPr lang="sk-SK" dirty="0"/>
+              <a:t>Z grafu vyplýva, že väčšina pacientov, ktorý zomreli nemali vysoký krvný tlak. </a:t>
+            </a:r>
+          </a:p>
+        </p:txBody>
+      </p:sp>
+    </p:spTree>
+    <p:extLst>
+      <p:ext uri="{BB962C8B-B14F-4D97-AF65-F5344CB8AC3E}">
+        <p14:creationId xmlns:p14="http://schemas.microsoft.com/office/powerpoint/2010/main" val="3284595962"/>
+      </p:ext>
+    </p:extLst>
+  </p:cSld>
+  <p:clrMapOvr>
+    <a:masterClrMapping/>
+  </p:clrMapOvr>
+</p:sld>
+</file>
+
+<file path=ppt/slides/slide14.xml><?xml version="1.0" encoding="utf-8"?>
+<p:sld xmlns:a="http://schemas.openxmlformats.org/drawingml/2006/main" xmlns:r="http://schemas.openxmlformats.org/officeDocument/2006/relationships" xmlns:p="http://schemas.openxmlformats.org/presentationml/2006/main">
+  <p:cSld>
+    <p:spTree>
+      <p:nvGrpSpPr>
+        <p:cNvPr id="1" name=""/>
+        <p:cNvGrpSpPr/>
+        <p:nvPr/>
+      </p:nvGrpSpPr>
+      <p:grpSpPr>
+        <a:xfrm>
+          <a:off x="0" y="0"/>
+          <a:ext cx="0" cy="0"/>
+          <a:chOff x="0" y="0"/>
+          <a:chExt cx="0" cy="0"/>
+        </a:xfrm>
+      </p:grpSpPr>
+      <p:sp>
+        <p:nvSpPr>
+          <p:cNvPr id="2" name="Nadpis 1">
+            <a:extLst>
+              <a:ext uri="{FF2B5EF4-FFF2-40B4-BE49-F238E27FC236}">
+                <a16:creationId xmlns:a16="http://schemas.microsoft.com/office/drawing/2014/main" id="{071D27D6-7E61-42E4-B59F-090009653485}"/>
+              </a:ext>
+            </a:extLst>
+          </p:cNvPr>
+          <p:cNvSpPr>
+            <a:spLocks noGrp="1"/>
+          </p:cNvSpPr>
+          <p:nvPr>
+            <p:ph type="title"/>
+          </p:nvPr>
+        </p:nvSpPr>
+        <p:spPr/>
+        <p:txBody>
+          <a:bodyPr/>
+          <a:lstStyle/>
+          <a:p>
+            <a:r>
+              <a:rPr lang="sk-SK" dirty="0"/>
+              <a:t>Vizualizácia dát: Fajčenie - Úmrtie</a:t>
+            </a:r>
+          </a:p>
+        </p:txBody>
+      </p:sp>
+      <p:pic>
+        <p:nvPicPr>
+          <p:cNvPr id="5" name="Obrázok 4">
+            <a:extLst>
+              <a:ext uri="{FF2B5EF4-FFF2-40B4-BE49-F238E27FC236}">
+                <a16:creationId xmlns:a16="http://schemas.microsoft.com/office/drawing/2014/main" id="{7D5F7018-B391-48E9-86C5-27436B315191}"/>
+              </a:ext>
+            </a:extLst>
+          </p:cNvPr>
+          <p:cNvPicPr>
+            <a:picLocks noChangeAspect="1"/>
+          </p:cNvPicPr>
+          <p:nvPr/>
+        </p:nvPicPr>
+        <p:blipFill>
+          <a:blip r:embed="rId2"/>
+          <a:stretch>
+            <a:fillRect/>
+          </a:stretch>
+        </p:blipFill>
+        <p:spPr>
+          <a:xfrm>
+            <a:off x="525823" y="2300002"/>
+            <a:ext cx="5268060" cy="4086795"/>
+          </a:xfrm>
+          <a:prstGeom prst="rect">
+            <a:avLst/>
+          </a:prstGeom>
+        </p:spPr>
+      </p:pic>
+      <p:sp>
+        <p:nvSpPr>
+          <p:cNvPr id="6" name="BlokTextu 5">
+            <a:extLst>
+              <a:ext uri="{FF2B5EF4-FFF2-40B4-BE49-F238E27FC236}">
+                <a16:creationId xmlns:a16="http://schemas.microsoft.com/office/drawing/2014/main" id="{11B2EA38-2EE9-4DB4-AD31-571288F014B1}"/>
+              </a:ext>
+            </a:extLst>
+          </p:cNvPr>
+          <p:cNvSpPr txBox="1"/>
+          <p:nvPr/>
+        </p:nvSpPr>
+        <p:spPr>
+          <a:xfrm>
+            <a:off x="6390968" y="2054942"/>
+            <a:ext cx="4100051" cy="923330"/>
+          </a:xfrm>
+          <a:prstGeom prst="rect">
+            <a:avLst/>
+          </a:prstGeom>
+          <a:noFill/>
+        </p:spPr>
+        <p:txBody>
+          <a:bodyPr wrap="square" rtlCol="0">
+            <a:spAutoFit/>
+          </a:bodyPr>
+          <a:lstStyle/>
+          <a:p>
+            <a:r>
+              <a:rPr lang="sk-SK" dirty="0"/>
+              <a:t>Z grafu vyplýva, že väčšina pacientov, ktorý zomreli neboli fajčiari. </a:t>
+            </a:r>
+          </a:p>
+        </p:txBody>
+      </p:sp>
+    </p:spTree>
+    <p:extLst>
+      <p:ext uri="{BB962C8B-B14F-4D97-AF65-F5344CB8AC3E}">
+        <p14:creationId xmlns:p14="http://schemas.microsoft.com/office/powerpoint/2010/main" val="2909821456"/>
+      </p:ext>
+    </p:extLst>
+  </p:cSld>
+  <p:clrMapOvr>
+    <a:masterClrMapping/>
+  </p:clrMapOvr>
+</p:sld>
+</file>
+
+<file path=ppt/slides/slide15.xml><?xml version="1.0" encoding="utf-8"?>
+<p:sld xmlns:a="http://schemas.openxmlformats.org/drawingml/2006/main" xmlns:r="http://schemas.openxmlformats.org/officeDocument/2006/relationships" xmlns:p="http://schemas.openxmlformats.org/presentationml/2006/main">
+  <p:cSld>
+    <p:spTree>
+      <p:nvGrpSpPr>
+        <p:cNvPr id="1" name=""/>
+        <p:cNvGrpSpPr/>
+        <p:nvPr/>
+      </p:nvGrpSpPr>
+      <p:grpSpPr>
+        <a:xfrm>
+          <a:off x="0" y="0"/>
+          <a:ext cx="0" cy="0"/>
+          <a:chOff x="0" y="0"/>
+          <a:chExt cx="0" cy="0"/>
+        </a:xfrm>
+      </p:grpSpPr>
+      <p:sp>
+        <p:nvSpPr>
+          <p:cNvPr id="2" name="Nadpis 1">
+            <a:extLst>
+              <a:ext uri="{FF2B5EF4-FFF2-40B4-BE49-F238E27FC236}">
+                <a16:creationId xmlns:a16="http://schemas.microsoft.com/office/drawing/2014/main" id="{CF557225-E019-48C2-9F1B-A63E5B7D00FC}"/>
+              </a:ext>
+            </a:extLst>
+          </p:cNvPr>
+          <p:cNvSpPr>
+            <a:spLocks noGrp="1"/>
+          </p:cNvSpPr>
+          <p:nvPr>
+            <p:ph type="title"/>
+          </p:nvPr>
+        </p:nvSpPr>
+        <p:spPr/>
+        <p:txBody>
+          <a:bodyPr/>
+          <a:lstStyle/>
+          <a:p>
+            <a:r>
+              <a:rPr lang="sk-SK" dirty="0"/>
+              <a:t>Vizualizácia dát: Vek - Úmrtie</a:t>
+            </a:r>
+          </a:p>
+        </p:txBody>
+      </p:sp>
+      <p:pic>
+        <p:nvPicPr>
+          <p:cNvPr id="5" name="Obrázok 4">
+            <a:extLst>
+              <a:ext uri="{FF2B5EF4-FFF2-40B4-BE49-F238E27FC236}">
+                <a16:creationId xmlns:a16="http://schemas.microsoft.com/office/drawing/2014/main" id="{24C935FD-2D45-4437-84DF-72096DC4F86A}"/>
+              </a:ext>
+            </a:extLst>
+          </p:cNvPr>
+          <p:cNvPicPr>
+            <a:picLocks noChangeAspect="1"/>
+          </p:cNvPicPr>
+          <p:nvPr/>
+        </p:nvPicPr>
+        <p:blipFill>
+          <a:blip r:embed="rId2"/>
+          <a:stretch>
+            <a:fillRect/>
+          </a:stretch>
+        </p:blipFill>
+        <p:spPr>
+          <a:xfrm>
+            <a:off x="617402" y="2086369"/>
+            <a:ext cx="6544588" cy="4363059"/>
+          </a:xfrm>
+          <a:prstGeom prst="rect">
+            <a:avLst/>
+          </a:prstGeom>
+        </p:spPr>
+      </p:pic>
+      <p:sp>
+        <p:nvSpPr>
+          <p:cNvPr id="6" name="BlokTextu 5">
+            <a:extLst>
+              <a:ext uri="{FF2B5EF4-FFF2-40B4-BE49-F238E27FC236}">
+                <a16:creationId xmlns:a16="http://schemas.microsoft.com/office/drawing/2014/main" id="{730C1057-2AE3-46DF-982B-E3C28F2B99DA}"/>
+              </a:ext>
+            </a:extLst>
+          </p:cNvPr>
+          <p:cNvSpPr txBox="1"/>
+          <p:nvPr/>
+        </p:nvSpPr>
+        <p:spPr>
+          <a:xfrm>
+            <a:off x="7281644" y="2390862"/>
+            <a:ext cx="3657600" cy="1754326"/>
+          </a:xfrm>
+          <a:prstGeom prst="rect">
+            <a:avLst/>
+          </a:prstGeom>
+          <a:noFill/>
+        </p:spPr>
+        <p:txBody>
+          <a:bodyPr wrap="square" rtlCol="0">
+            <a:spAutoFit/>
+          </a:bodyPr>
+          <a:lstStyle/>
+          <a:p>
+            <a:r>
+              <a:rPr lang="sk-SK" dirty="0"/>
+              <a:t>Podľa grafu vidíme, že hodnota mediánu kedy nenastala smrť je 60 rokov.</a:t>
+            </a:r>
+          </a:p>
+          <a:p>
+            <a:endParaRPr lang="sk-SK" dirty="0"/>
+          </a:p>
+          <a:p>
+            <a:r>
+              <a:rPr lang="sk-SK" dirty="0"/>
+              <a:t>Medián pre pacientov u ktorých nastala smrť je 65 rokov.</a:t>
+            </a:r>
+          </a:p>
+        </p:txBody>
+      </p:sp>
+    </p:spTree>
+    <p:extLst>
+      <p:ext uri="{BB962C8B-B14F-4D97-AF65-F5344CB8AC3E}">
+        <p14:creationId xmlns:p14="http://schemas.microsoft.com/office/powerpoint/2010/main" val="224484545"/>
+      </p:ext>
+    </p:extLst>
+  </p:cSld>
+  <p:clrMapOvr>
+    <a:masterClrMapping/>
+  </p:clrMapOvr>
+</p:sld>
+</file>
+
+<file path=ppt/slides/slide16.xml><?xml version="1.0" encoding="utf-8"?>
+<p:sld xmlns:a="http://schemas.openxmlformats.org/drawingml/2006/main" xmlns:r="http://schemas.openxmlformats.org/officeDocument/2006/relationships" xmlns:p="http://schemas.openxmlformats.org/presentationml/2006/main">
+  <p:cSld>
+    <p:spTree>
+      <p:nvGrpSpPr>
+        <p:cNvPr id="1" name=""/>
+        <p:cNvGrpSpPr/>
+        <p:nvPr/>
+      </p:nvGrpSpPr>
+      <p:grpSpPr>
+        <a:xfrm>
+          <a:off x="0" y="0"/>
+          <a:ext cx="0" cy="0"/>
+          <a:chOff x="0" y="0"/>
+          <a:chExt cx="0" cy="0"/>
+        </a:xfrm>
+      </p:grpSpPr>
+      <p:sp>
+        <p:nvSpPr>
+          <p:cNvPr id="2" name="Nadpis 1">
+            <a:extLst>
+              <a:ext uri="{FF2B5EF4-FFF2-40B4-BE49-F238E27FC236}">
+                <a16:creationId xmlns:a16="http://schemas.microsoft.com/office/drawing/2014/main" id="{8DF3C734-647F-46E7-A646-335F825E0D03}"/>
+              </a:ext>
+            </a:extLst>
+          </p:cNvPr>
+          <p:cNvSpPr>
+            <a:spLocks noGrp="1"/>
+          </p:cNvSpPr>
+          <p:nvPr>
+            <p:ph type="title"/>
+          </p:nvPr>
+        </p:nvSpPr>
+        <p:spPr/>
+        <p:txBody>
+          <a:bodyPr/>
+          <a:lstStyle/>
+          <a:p>
+            <a:endParaRPr lang="sk-SK"/>
+          </a:p>
+        </p:txBody>
+      </p:sp>
+      <p:sp>
+        <p:nvSpPr>
+          <p:cNvPr id="3" name="Zástupný objekt pre obsah 2">
+            <a:extLst>
+              <a:ext uri="{FF2B5EF4-FFF2-40B4-BE49-F238E27FC236}">
+                <a16:creationId xmlns:a16="http://schemas.microsoft.com/office/drawing/2014/main" id="{118CC351-CD02-4434-A51A-86E3C4258A13}"/>
+              </a:ext>
+            </a:extLst>
+          </p:cNvPr>
+          <p:cNvSpPr>
+            <a:spLocks noGrp="1"/>
+          </p:cNvSpPr>
+          <p:nvPr>
+            <p:ph idx="1"/>
+          </p:nvPr>
+        </p:nvSpPr>
+        <p:spPr/>
+        <p:txBody>
+          <a:bodyPr/>
+          <a:lstStyle/>
+          <a:p>
+            <a:endParaRPr lang="sk-SK"/>
+          </a:p>
+        </p:txBody>
+      </p:sp>
+    </p:spTree>
+    <p:extLst>
+      <p:ext uri="{BB962C8B-B14F-4D97-AF65-F5344CB8AC3E}">
+        <p14:creationId xmlns:p14="http://schemas.microsoft.com/office/powerpoint/2010/main" val="3715124628"/>
+      </p:ext>
+    </p:extLst>
+  </p:cSld>
+  <p:clrMapOvr>
+    <a:masterClrMapping/>
+  </p:clrMapOvr>
+</p:sld>
+</file>
+
+<file path=ppt/slides/slide17.xml><?xml version="1.0" encoding="utf-8"?>
+<p:sld xmlns:a="http://schemas.openxmlformats.org/drawingml/2006/main" xmlns:r="http://schemas.openxmlformats.org/officeDocument/2006/relationships" xmlns:p="http://schemas.openxmlformats.org/presentationml/2006/main">
+  <p:cSld>
+    <p:spTree>
+      <p:nvGrpSpPr>
+        <p:cNvPr id="1" name=""/>
+        <p:cNvGrpSpPr/>
+        <p:nvPr/>
+      </p:nvGrpSpPr>
+      <p:grpSpPr>
+        <a:xfrm>
+          <a:off x="0" y="0"/>
+          <a:ext cx="0" cy="0"/>
+          <a:chOff x="0" y="0"/>
+          <a:chExt cx="0" cy="0"/>
+        </a:xfrm>
+      </p:grpSpPr>
+      <p:sp>
+        <p:nvSpPr>
+          <p:cNvPr id="2" name="Nadpis 1">
+            <a:extLst>
+              <a:ext uri="{FF2B5EF4-FFF2-40B4-BE49-F238E27FC236}">
+                <a16:creationId xmlns:a16="http://schemas.microsoft.com/office/drawing/2014/main" id="{B2021FA4-FC91-4BC4-A133-6E07EBE995C6}"/>
+              </a:ext>
+            </a:extLst>
+          </p:cNvPr>
+          <p:cNvSpPr>
+            <a:spLocks noGrp="1"/>
+          </p:cNvSpPr>
+          <p:nvPr>
+            <p:ph type="title"/>
+          </p:nvPr>
+        </p:nvSpPr>
+        <p:spPr/>
+        <p:txBody>
+          <a:bodyPr/>
+          <a:lstStyle/>
+          <a:p>
+            <a:endParaRPr lang="sk-SK"/>
+          </a:p>
+        </p:txBody>
+      </p:sp>
+      <p:sp>
+        <p:nvSpPr>
+          <p:cNvPr id="3" name="Zástupný objekt pre obsah 2">
+            <a:extLst>
+              <a:ext uri="{FF2B5EF4-FFF2-40B4-BE49-F238E27FC236}">
+                <a16:creationId xmlns:a16="http://schemas.microsoft.com/office/drawing/2014/main" id="{F440DA9B-8D00-475C-9BFD-B1F4CF7C09E7}"/>
+              </a:ext>
+            </a:extLst>
+          </p:cNvPr>
+          <p:cNvSpPr>
+            <a:spLocks noGrp="1"/>
+          </p:cNvSpPr>
+          <p:nvPr>
+            <p:ph idx="1"/>
+          </p:nvPr>
+        </p:nvSpPr>
+        <p:spPr/>
+        <p:txBody>
+          <a:bodyPr/>
+          <a:lstStyle/>
+          <a:p>
+            <a:endParaRPr lang="sk-SK"/>
+          </a:p>
+        </p:txBody>
+      </p:sp>
+    </p:spTree>
+    <p:extLst>
+      <p:ext uri="{BB962C8B-B14F-4D97-AF65-F5344CB8AC3E}">
+        <p14:creationId xmlns:p14="http://schemas.microsoft.com/office/powerpoint/2010/main" val="2142754134"/>
+      </p:ext>
+    </p:extLst>
+  </p:cSld>
+  <p:clrMapOvr>
+    <a:masterClrMapping/>
+  </p:clrMapOvr>
+</p:sld>
+</file>
+
+<file path=ppt/slides/slide18.xml><?xml version="1.0" encoding="utf-8"?>
+<p:sld xmlns:a="http://schemas.openxmlformats.org/drawingml/2006/main" xmlns:r="http://schemas.openxmlformats.org/officeDocument/2006/relationships" xmlns:p="http://schemas.openxmlformats.org/presentationml/2006/main">
+  <p:cSld>
+    <p:spTree>
+      <p:nvGrpSpPr>
+        <p:cNvPr id="1" name=""/>
+        <p:cNvGrpSpPr/>
+        <p:nvPr/>
+      </p:nvGrpSpPr>
+      <p:grpSpPr>
+        <a:xfrm>
+          <a:off x="0" y="0"/>
+          <a:ext cx="0" cy="0"/>
+          <a:chOff x="0" y="0"/>
+          <a:chExt cx="0" cy="0"/>
+        </a:xfrm>
+      </p:grpSpPr>
+      <p:sp>
+        <p:nvSpPr>
+          <p:cNvPr id="2" name="Nadpis 1">
+            <a:extLst>
+              <a:ext uri="{FF2B5EF4-FFF2-40B4-BE49-F238E27FC236}">
+                <a16:creationId xmlns:a16="http://schemas.microsoft.com/office/drawing/2014/main" id="{B5B384D4-5050-4FBC-AE5D-07ECC282C355}"/>
+              </a:ext>
+            </a:extLst>
+          </p:cNvPr>
+          <p:cNvSpPr>
+            <a:spLocks noGrp="1"/>
+          </p:cNvSpPr>
+          <p:nvPr>
+            <p:ph type="title"/>
+          </p:nvPr>
+        </p:nvSpPr>
+        <p:spPr/>
+        <p:txBody>
+          <a:bodyPr/>
+          <a:lstStyle/>
+          <a:p>
+            <a:endParaRPr lang="sk-SK"/>
+          </a:p>
+        </p:txBody>
+      </p:sp>
+      <p:sp>
+        <p:nvSpPr>
+          <p:cNvPr id="3" name="Zástupný objekt pre obsah 2">
+            <a:extLst>
+              <a:ext uri="{FF2B5EF4-FFF2-40B4-BE49-F238E27FC236}">
+                <a16:creationId xmlns:a16="http://schemas.microsoft.com/office/drawing/2014/main" id="{29E6CC8C-9069-44BC-AD57-040858D35B20}"/>
+              </a:ext>
+            </a:extLst>
+          </p:cNvPr>
+          <p:cNvSpPr>
+            <a:spLocks noGrp="1"/>
+          </p:cNvSpPr>
+          <p:nvPr>
+            <p:ph idx="1"/>
+          </p:nvPr>
+        </p:nvSpPr>
+        <p:spPr/>
+        <p:txBody>
+          <a:bodyPr/>
+          <a:lstStyle/>
+          <a:p>
+            <a:endParaRPr lang="sk-SK"/>
+          </a:p>
+        </p:txBody>
+      </p:sp>
+    </p:spTree>
+    <p:extLst>
+      <p:ext uri="{BB962C8B-B14F-4D97-AF65-F5344CB8AC3E}">
+        <p14:creationId xmlns:p14="http://schemas.microsoft.com/office/powerpoint/2010/main" val="181495358"/>
+      </p:ext>
+    </p:extLst>
+  </p:cSld>
+  <p:clrMapOvr>
+    <a:masterClrMapping/>
+  </p:clrMapOvr>
+</p:sld>
+</file>
+
+<file path=ppt/slides/slide19.xml><?xml version="1.0" encoding="utf-8"?>
+<p:sld xmlns:a="http://schemas.openxmlformats.org/drawingml/2006/main" xmlns:r="http://schemas.openxmlformats.org/officeDocument/2006/relationships" xmlns:p="http://schemas.openxmlformats.org/presentationml/2006/main">
+  <p:cSld>
+    <p:spTree>
+      <p:nvGrpSpPr>
+        <p:cNvPr id="1" name=""/>
+        <p:cNvGrpSpPr/>
+        <p:nvPr/>
+      </p:nvGrpSpPr>
+      <p:grpSpPr>
+        <a:xfrm>
+          <a:off x="0" y="0"/>
+          <a:ext cx="0" cy="0"/>
+          <a:chOff x="0" y="0"/>
+          <a:chExt cx="0" cy="0"/>
+        </a:xfrm>
+      </p:grpSpPr>
+      <p:sp>
+        <p:nvSpPr>
+          <p:cNvPr id="2" name="Nadpis 1">
+            <a:extLst>
+              <a:ext uri="{FF2B5EF4-FFF2-40B4-BE49-F238E27FC236}">
+                <a16:creationId xmlns:a16="http://schemas.microsoft.com/office/drawing/2014/main" id="{B6CE04E9-8E31-4115-8868-D8CFDD2EA7ED}"/>
+              </a:ext>
+            </a:extLst>
+          </p:cNvPr>
+          <p:cNvSpPr>
+            <a:spLocks noGrp="1"/>
+          </p:cNvSpPr>
+          <p:nvPr>
+            <p:ph type="title"/>
+          </p:nvPr>
+        </p:nvSpPr>
+        <p:spPr/>
+        <p:txBody>
+          <a:bodyPr/>
+          <a:lstStyle/>
+          <a:p>
+            <a:endParaRPr lang="sk-SK"/>
+          </a:p>
+        </p:txBody>
+      </p:sp>
+      <p:sp>
+        <p:nvSpPr>
+          <p:cNvPr id="3" name="Zástupný objekt pre obsah 2">
+            <a:extLst>
+              <a:ext uri="{FF2B5EF4-FFF2-40B4-BE49-F238E27FC236}">
+                <a16:creationId xmlns:a16="http://schemas.microsoft.com/office/drawing/2014/main" id="{A7B80447-8677-43BD-92C8-126AE4D34CBD}"/>
+              </a:ext>
+            </a:extLst>
+          </p:cNvPr>
+          <p:cNvSpPr>
+            <a:spLocks noGrp="1"/>
+          </p:cNvSpPr>
+          <p:nvPr>
+            <p:ph idx="1"/>
+          </p:nvPr>
+        </p:nvSpPr>
+        <p:spPr/>
+        <p:txBody>
+          <a:bodyPr/>
+          <a:lstStyle/>
+          <a:p>
+            <a:endParaRPr lang="sk-SK"/>
+          </a:p>
+        </p:txBody>
+      </p:sp>
+    </p:spTree>
+    <p:extLst>
+      <p:ext uri="{BB962C8B-B14F-4D97-AF65-F5344CB8AC3E}">
+        <p14:creationId xmlns:p14="http://schemas.microsoft.com/office/powerpoint/2010/main" val="4178312160"/>
+      </p:ext>
+    </p:extLst>
+  </p:cSld>
+  <p:clrMapOvr>
+    <a:masterClrMapping/>
+  </p:clrMapOvr>
+</p:sld>
+</file>
+
 <file path=ppt/slides/slide2.xml><?xml version="1.0" encoding="utf-8"?>
 <p:sld xmlns:a="http://schemas.openxmlformats.org/drawingml/2006/main" xmlns:r="http://schemas.openxmlformats.org/officeDocument/2006/relationships" xmlns:p="http://schemas.openxmlformats.org/presentationml/2006/main">
   <p:cSld>
@@ -3622,6 +4725,344 @@
     <p:extLst>
       <p:ext uri="{BB962C8B-B14F-4D97-AF65-F5344CB8AC3E}">
         <p14:creationId xmlns:p14="http://schemas.microsoft.com/office/powerpoint/2010/main" val="1481503550"/>
+      </p:ext>
+    </p:extLst>
+  </p:cSld>
+  <p:clrMapOvr>
+    <a:masterClrMapping/>
+  </p:clrMapOvr>
+</p:sld>
+</file>
+
+<file path=ppt/slides/slide20.xml><?xml version="1.0" encoding="utf-8"?>
+<p:sld xmlns:a="http://schemas.openxmlformats.org/drawingml/2006/main" xmlns:r="http://schemas.openxmlformats.org/officeDocument/2006/relationships" xmlns:p="http://schemas.openxmlformats.org/presentationml/2006/main">
+  <p:cSld>
+    <p:spTree>
+      <p:nvGrpSpPr>
+        <p:cNvPr id="1" name=""/>
+        <p:cNvGrpSpPr/>
+        <p:nvPr/>
+      </p:nvGrpSpPr>
+      <p:grpSpPr>
+        <a:xfrm>
+          <a:off x="0" y="0"/>
+          <a:ext cx="0" cy="0"/>
+          <a:chOff x="0" y="0"/>
+          <a:chExt cx="0" cy="0"/>
+        </a:xfrm>
+      </p:grpSpPr>
+      <p:sp>
+        <p:nvSpPr>
+          <p:cNvPr id="2" name="Nadpis 1">
+            <a:extLst>
+              <a:ext uri="{FF2B5EF4-FFF2-40B4-BE49-F238E27FC236}">
+                <a16:creationId xmlns:a16="http://schemas.microsoft.com/office/drawing/2014/main" id="{F3E2FFBB-0CC9-4F66-B428-741DE0BBC382}"/>
+              </a:ext>
+            </a:extLst>
+          </p:cNvPr>
+          <p:cNvSpPr>
+            <a:spLocks noGrp="1"/>
+          </p:cNvSpPr>
+          <p:nvPr>
+            <p:ph type="title"/>
+          </p:nvPr>
+        </p:nvSpPr>
+        <p:spPr/>
+        <p:txBody>
+          <a:bodyPr/>
+          <a:lstStyle/>
+          <a:p>
+            <a:r>
+              <a:rPr lang="sk-SK" dirty="0"/>
+              <a:t>Predikcia – klasifikácia dát</a:t>
+            </a:r>
+          </a:p>
+        </p:txBody>
+      </p:sp>
+      <p:sp>
+        <p:nvSpPr>
+          <p:cNvPr id="3" name="Zástupný objekt pre obsah 2">
+            <a:extLst>
+              <a:ext uri="{FF2B5EF4-FFF2-40B4-BE49-F238E27FC236}">
+                <a16:creationId xmlns:a16="http://schemas.microsoft.com/office/drawing/2014/main" id="{3E327589-D403-4B32-A924-62D73A4EF035}"/>
+              </a:ext>
+            </a:extLst>
+          </p:cNvPr>
+          <p:cNvSpPr>
+            <a:spLocks noGrp="1"/>
+          </p:cNvSpPr>
+          <p:nvPr>
+            <p:ph idx="1"/>
+          </p:nvPr>
+        </p:nvSpPr>
+        <p:spPr/>
+        <p:txBody>
+          <a:bodyPr/>
+          <a:lstStyle/>
+          <a:p>
+            <a:r>
+              <a:rPr lang="sk-SK" dirty="0"/>
+              <a:t>Dáta v </a:t>
+            </a:r>
+            <a:r>
+              <a:rPr lang="sk-SK" dirty="0" err="1"/>
+              <a:t>datasete</a:t>
+            </a:r>
+            <a:r>
+              <a:rPr lang="sk-SK" dirty="0"/>
+              <a:t> sú numerické alebo kategorické</a:t>
+            </a:r>
+          </a:p>
+          <a:p>
+            <a:endParaRPr lang="sk-SK" dirty="0"/>
+          </a:p>
+        </p:txBody>
+      </p:sp>
+    </p:spTree>
+    <p:extLst>
+      <p:ext uri="{BB962C8B-B14F-4D97-AF65-F5344CB8AC3E}">
+        <p14:creationId xmlns:p14="http://schemas.microsoft.com/office/powerpoint/2010/main" val="2253649810"/>
+      </p:ext>
+    </p:extLst>
+  </p:cSld>
+  <p:clrMapOvr>
+    <a:masterClrMapping/>
+  </p:clrMapOvr>
+</p:sld>
+</file>
+
+<file path=ppt/slides/slide21.xml><?xml version="1.0" encoding="utf-8"?>
+<p:sld xmlns:a="http://schemas.openxmlformats.org/drawingml/2006/main" xmlns:r="http://schemas.openxmlformats.org/officeDocument/2006/relationships" xmlns:p="http://schemas.openxmlformats.org/presentationml/2006/main">
+  <p:cSld>
+    <p:spTree>
+      <p:nvGrpSpPr>
+        <p:cNvPr id="1" name=""/>
+        <p:cNvGrpSpPr/>
+        <p:nvPr/>
+      </p:nvGrpSpPr>
+      <p:grpSpPr>
+        <a:xfrm>
+          <a:off x="0" y="0"/>
+          <a:ext cx="0" cy="0"/>
+          <a:chOff x="0" y="0"/>
+          <a:chExt cx="0" cy="0"/>
+        </a:xfrm>
+      </p:grpSpPr>
+      <p:sp>
+        <p:nvSpPr>
+          <p:cNvPr id="2" name="Nadpis 1">
+            <a:extLst>
+              <a:ext uri="{FF2B5EF4-FFF2-40B4-BE49-F238E27FC236}">
+                <a16:creationId xmlns:a16="http://schemas.microsoft.com/office/drawing/2014/main" id="{6C9BEA93-655C-4A0C-843D-138FFC13FC05}"/>
+              </a:ext>
+            </a:extLst>
+          </p:cNvPr>
+          <p:cNvSpPr>
+            <a:spLocks noGrp="1"/>
+          </p:cNvSpPr>
+          <p:nvPr>
+            <p:ph type="title"/>
+          </p:nvPr>
+        </p:nvSpPr>
+        <p:spPr/>
+        <p:txBody>
+          <a:bodyPr/>
+          <a:lstStyle/>
+          <a:p>
+            <a:endParaRPr lang="sk-SK"/>
+          </a:p>
+        </p:txBody>
+      </p:sp>
+      <p:sp>
+        <p:nvSpPr>
+          <p:cNvPr id="3" name="Zástupný objekt pre obsah 2">
+            <a:extLst>
+              <a:ext uri="{FF2B5EF4-FFF2-40B4-BE49-F238E27FC236}">
+                <a16:creationId xmlns:a16="http://schemas.microsoft.com/office/drawing/2014/main" id="{1EBF287F-BD79-4AE2-9FCF-D3E36269E5AD}"/>
+              </a:ext>
+            </a:extLst>
+          </p:cNvPr>
+          <p:cNvSpPr>
+            <a:spLocks noGrp="1"/>
+          </p:cNvSpPr>
+          <p:nvPr>
+            <p:ph idx="1"/>
+          </p:nvPr>
+        </p:nvSpPr>
+        <p:spPr/>
+        <p:txBody>
+          <a:bodyPr/>
+          <a:lstStyle/>
+          <a:p>
+            <a:endParaRPr lang="sk-SK"/>
+          </a:p>
+        </p:txBody>
+      </p:sp>
+    </p:spTree>
+    <p:extLst>
+      <p:ext uri="{BB962C8B-B14F-4D97-AF65-F5344CB8AC3E}">
+        <p14:creationId xmlns:p14="http://schemas.microsoft.com/office/powerpoint/2010/main" val="1241328556"/>
+      </p:ext>
+    </p:extLst>
+  </p:cSld>
+  <p:clrMapOvr>
+    <a:masterClrMapping/>
+  </p:clrMapOvr>
+</p:sld>
+</file>
+
+<file path=ppt/slides/slide22.xml><?xml version="1.0" encoding="utf-8"?>
+<p:sld xmlns:a="http://schemas.openxmlformats.org/drawingml/2006/main" xmlns:r="http://schemas.openxmlformats.org/officeDocument/2006/relationships" xmlns:p="http://schemas.openxmlformats.org/presentationml/2006/main">
+  <p:cSld>
+    <p:spTree>
+      <p:nvGrpSpPr>
+        <p:cNvPr id="1" name=""/>
+        <p:cNvGrpSpPr/>
+        <p:nvPr/>
+      </p:nvGrpSpPr>
+      <p:grpSpPr>
+        <a:xfrm>
+          <a:off x="0" y="0"/>
+          <a:ext cx="0" cy="0"/>
+          <a:chOff x="0" y="0"/>
+          <a:chExt cx="0" cy="0"/>
+        </a:xfrm>
+      </p:grpSpPr>
+      <p:sp>
+        <p:nvSpPr>
+          <p:cNvPr id="3" name="Zástupný objekt pre obsah 2">
+            <a:extLst>
+              <a:ext uri="{FF2B5EF4-FFF2-40B4-BE49-F238E27FC236}">
+                <a16:creationId xmlns:a16="http://schemas.microsoft.com/office/drawing/2014/main" id="{5A4D4779-50F0-4D79-AECD-82F546F91B2C}"/>
+              </a:ext>
+            </a:extLst>
+          </p:cNvPr>
+          <p:cNvSpPr>
+            <a:spLocks noGrp="1"/>
+          </p:cNvSpPr>
+          <p:nvPr>
+            <p:ph idx="1"/>
+          </p:nvPr>
+        </p:nvSpPr>
+        <p:spPr>
+          <a:xfrm>
+            <a:off x="838200" y="1884348"/>
+            <a:ext cx="10515600" cy="4351338"/>
+          </a:xfrm>
+        </p:spPr>
+        <p:txBody>
+          <a:bodyPr/>
+          <a:lstStyle/>
+          <a:p>
+            <a:pPr marL="0" indent="0" algn="ctr">
+              <a:buNone/>
+            </a:pPr>
+            <a:endParaRPr lang="sk-SK" dirty="0"/>
+          </a:p>
+          <a:p>
+            <a:pPr marL="0" indent="0" algn="ctr">
+              <a:buNone/>
+            </a:pPr>
+            <a:endParaRPr lang="sk-SK" dirty="0"/>
+          </a:p>
+          <a:p>
+            <a:pPr marL="0" indent="0" algn="ctr">
+              <a:buNone/>
+            </a:pPr>
+            <a:r>
+              <a:rPr lang="sk-SK" sz="3500" b="1" dirty="0"/>
+              <a:t>Ďakujem za pozornosť!</a:t>
+            </a:r>
+          </a:p>
+        </p:txBody>
+      </p:sp>
+    </p:spTree>
+    <p:extLst>
+      <p:ext uri="{BB962C8B-B14F-4D97-AF65-F5344CB8AC3E}">
+        <p14:creationId xmlns:p14="http://schemas.microsoft.com/office/powerpoint/2010/main" val="724914022"/>
+      </p:ext>
+    </p:extLst>
+  </p:cSld>
+  <p:clrMapOvr>
+    <a:masterClrMapping/>
+  </p:clrMapOvr>
+</p:sld>
+</file>
+
+<file path=ppt/slides/slide23.xml><?xml version="1.0" encoding="utf-8"?>
+<p:sld xmlns:a="http://schemas.openxmlformats.org/drawingml/2006/main" xmlns:r="http://schemas.openxmlformats.org/officeDocument/2006/relationships" xmlns:p="http://schemas.openxmlformats.org/presentationml/2006/main">
+  <p:cSld>
+    <p:spTree>
+      <p:nvGrpSpPr>
+        <p:cNvPr id="1" name=""/>
+        <p:cNvGrpSpPr/>
+        <p:nvPr/>
+      </p:nvGrpSpPr>
+      <p:grpSpPr>
+        <a:xfrm>
+          <a:off x="0" y="0"/>
+          <a:ext cx="0" cy="0"/>
+          <a:chOff x="0" y="0"/>
+          <a:chExt cx="0" cy="0"/>
+        </a:xfrm>
+      </p:grpSpPr>
+      <p:sp>
+        <p:nvSpPr>
+          <p:cNvPr id="2" name="Nadpis 1">
+            <a:extLst>
+              <a:ext uri="{FF2B5EF4-FFF2-40B4-BE49-F238E27FC236}">
+                <a16:creationId xmlns:a16="http://schemas.microsoft.com/office/drawing/2014/main" id="{F4431FF2-85D1-47AB-A7DA-B452A996EA7D}"/>
+              </a:ext>
+            </a:extLst>
+          </p:cNvPr>
+          <p:cNvSpPr>
+            <a:spLocks noGrp="1"/>
+          </p:cNvSpPr>
+          <p:nvPr>
+            <p:ph type="title"/>
+          </p:nvPr>
+        </p:nvSpPr>
+        <p:spPr/>
+        <p:txBody>
+          <a:bodyPr/>
+          <a:lstStyle/>
+          <a:p>
+            <a:r>
+              <a:rPr lang="sk-SK" dirty="0"/>
+              <a:t>Zoznam bibliografických odkazov</a:t>
+            </a:r>
+          </a:p>
+        </p:txBody>
+      </p:sp>
+      <p:sp>
+        <p:nvSpPr>
+          <p:cNvPr id="3" name="Zástupný objekt pre obsah 2">
+            <a:extLst>
+              <a:ext uri="{FF2B5EF4-FFF2-40B4-BE49-F238E27FC236}">
+                <a16:creationId xmlns:a16="http://schemas.microsoft.com/office/drawing/2014/main" id="{1A7AAD3B-DEA0-4DE7-896E-6E3BD27FF607}"/>
+              </a:ext>
+            </a:extLst>
+          </p:cNvPr>
+          <p:cNvSpPr>
+            <a:spLocks noGrp="1"/>
+          </p:cNvSpPr>
+          <p:nvPr>
+            <p:ph idx="1"/>
+          </p:nvPr>
+        </p:nvSpPr>
+        <p:spPr/>
+        <p:txBody>
+          <a:bodyPr/>
+          <a:lstStyle/>
+          <a:p>
+            <a:endParaRPr lang="sk-SK"/>
+          </a:p>
+        </p:txBody>
+      </p:sp>
+    </p:spTree>
+    <p:extLst>
+      <p:ext uri="{BB962C8B-B14F-4D97-AF65-F5344CB8AC3E}">
+        <p14:creationId xmlns:p14="http://schemas.microsoft.com/office/powerpoint/2010/main" val="4284597954"/>
       </p:ext>
     </p:extLst>
   </p:cSld>
@@ -3727,7 +5168,7 @@
           <a:p>
             <a:r>
               <a:rPr lang="sk-SK" dirty="0"/>
-              <a:t>Niektoré číselné vyjadrenia predstavujú boolean hodnoty</a:t>
+              <a:t>Záznamy sa delia na numerické(číselné vyjadrenie) a kategorické (0 alebo 1)</a:t>
             </a:r>
           </a:p>
           <a:p>
@@ -3749,7 +5190,7 @@
 </file>
 
 <file path=ppt/slides/slide4.xml><?xml version="1.0" encoding="utf-8"?>
-<p:sld xmlns:a="http://schemas.openxmlformats.org/drawingml/2006/main" xmlns:r="http://schemas.openxmlformats.org/officeDocument/2006/relationships" xmlns:p="http://schemas.openxmlformats.org/presentationml/2006/main">
+<p:sld xmlns:a="http://schemas.openxmlformats.org/drawingml/2006/main" xmlns:r="http://schemas.openxmlformats.org/officeDocument/2006/relationships" xmlns:p="http://schemas.openxmlformats.org/presentationml/2006/main" showMasterSp="0">
   <p:cSld>
     <p:spTree>
       <p:nvGrpSpPr>
@@ -3780,14 +5221,14 @@
           <p:nvPr>
             <p:extLst>
               <p:ext uri="{D42A27DB-BD31-4B8C-83A1-F6EECF244321}">
-                <p14:modId xmlns:p14="http://schemas.microsoft.com/office/powerpoint/2010/main" val="1096650397"/>
+                <p14:modId xmlns:p14="http://schemas.microsoft.com/office/powerpoint/2010/main" val="659293472"/>
               </p:ext>
             </p:extLst>
           </p:nvPr>
         </p:nvGraphicFramePr>
         <p:xfrm>
-          <a:off x="438092" y="234892"/>
-          <a:ext cx="10685710" cy="6411474"/>
+          <a:off x="110288" y="112144"/>
+          <a:ext cx="11966695" cy="6652969"/>
         </p:xfrm>
         <a:graphic>
           <a:graphicData uri="http://schemas.openxmlformats.org/drawingml/2006/table">
@@ -3796,35 +5237,35 @@
                 <a:tableStyleId>{5C22544A-7EE6-4342-B048-85BDC9FD1C3A}</a:tableStyleId>
               </a:tblPr>
               <a:tblGrid>
-                <a:gridCol w="2137142">
+                <a:gridCol w="2393339">
                   <a:extLst>
                     <a:ext uri="{9D8B030D-6E8A-4147-A177-3AD203B41FA5}">
                       <a16:colId xmlns:a16="http://schemas.microsoft.com/office/drawing/2014/main" val="843914870"/>
                     </a:ext>
                   </a:extLst>
                 </a:gridCol>
-                <a:gridCol w="2137142">
+                <a:gridCol w="2393339">
                   <a:extLst>
                     <a:ext uri="{9D8B030D-6E8A-4147-A177-3AD203B41FA5}">
                       <a16:colId xmlns:a16="http://schemas.microsoft.com/office/drawing/2014/main" val="1091452545"/>
                     </a:ext>
                   </a:extLst>
                 </a:gridCol>
-                <a:gridCol w="2137142">
+                <a:gridCol w="2393339">
                   <a:extLst>
                     <a:ext uri="{9D8B030D-6E8A-4147-A177-3AD203B41FA5}">
                       <a16:colId xmlns:a16="http://schemas.microsoft.com/office/drawing/2014/main" val="250839539"/>
                     </a:ext>
                   </a:extLst>
                 </a:gridCol>
-                <a:gridCol w="2137142">
+                <a:gridCol w="2393339">
                   <a:extLst>
                     <a:ext uri="{9D8B030D-6E8A-4147-A177-3AD203B41FA5}">
                       <a16:colId xmlns:a16="http://schemas.microsoft.com/office/drawing/2014/main" val="4122784280"/>
                     </a:ext>
                   </a:extLst>
                 </a:gridCol>
-                <a:gridCol w="2137142">
+                <a:gridCol w="2393339">
                   <a:extLst>
                     <a:ext uri="{9D8B030D-6E8A-4147-A177-3AD203B41FA5}">
                       <a16:colId xmlns:a16="http://schemas.microsoft.com/office/drawing/2014/main" val="2535052696"/>
@@ -3972,7 +5413,7 @@
                     <a:p>
                       <a:r>
                         <a:rPr lang="sk-SK" sz="1200" dirty="0"/>
-                        <a:t>Vek pacienta</a:t>
+                        <a:t>Vek pacienta v rokoch</a:t>
                       </a:r>
                     </a:p>
                   </a:txBody>
@@ -4175,7 +5616,18 @@
                     <a:bodyPr/>
                     <a:lstStyle/>
                     <a:p>
-                      <a:endParaRPr lang="sk-SK" sz="1200" dirty="0"/>
+                      <a:r>
+                        <a:rPr lang="sk-SK" sz="1200" dirty="0"/>
+                        <a:t>Výška enzýmu CPK v krvi (</a:t>
+                      </a:r>
+                      <a:r>
+                        <a:rPr lang="sk-SK" sz="1200" dirty="0" err="1"/>
+                        <a:t>mcg</a:t>
+                      </a:r>
+                      <a:r>
+                        <a:rPr lang="sk-SK" sz="1200" dirty="0"/>
+                        <a:t>/L)</a:t>
+                      </a:r>
                     </a:p>
                   </a:txBody>
                   <a:tcPr/>
@@ -4342,7 +5794,10 @@
                     <a:bodyPr/>
                     <a:lstStyle/>
                     <a:p>
-                      <a:endParaRPr lang="sk-SK" sz="1200" dirty="0"/>
+                      <a:r>
+                        <a:rPr lang="sk-SK" sz="1200" dirty="0"/>
+                        <a:t>Počet % krvi, ktorú vytlačí ľavá srdcová komora (%)</a:t>
+                      </a:r>
                     </a:p>
                   </a:txBody>
                   <a:tcPr/>
@@ -4496,7 +5951,54 @@
                     <a:bodyPr/>
                     <a:lstStyle/>
                     <a:p>
-                      <a:endParaRPr lang="sk-SK" sz="1200" dirty="0"/>
+                      <a:r>
+                        <a:rPr lang="sk-SK" sz="1200" dirty="0"/>
+                        <a:t>Množstvo krvných doštičiek v krvi (</a:t>
+                      </a:r>
+                      <a:r>
+                        <a:rPr lang="sk-SK" sz="1200" kern="1200" dirty="0" err="1">
+                          <a:solidFill>
+                            <a:schemeClr val="dk1"/>
+                          </a:solidFill>
+                          <a:latin typeface="+mn-lt"/>
+                          <a:ea typeface="+mn-ea"/>
+                          <a:cs typeface="+mn-cs"/>
+                        </a:rPr>
+                        <a:t>kiloplatelets</a:t>
+                      </a:r>
+                      <a:r>
+                        <a:rPr lang="sk-SK" sz="1200" kern="1200" dirty="0">
+                          <a:solidFill>
+                            <a:schemeClr val="dk1"/>
+                          </a:solidFill>
+                          <a:latin typeface="+mn-lt"/>
+                          <a:ea typeface="+mn-ea"/>
+                          <a:cs typeface="+mn-cs"/>
+                        </a:rPr>
+                        <a:t>/</a:t>
+                      </a:r>
+                      <a:r>
+                        <a:rPr lang="sk-SK" sz="1200" kern="1200" dirty="0" err="1">
+                          <a:solidFill>
+                            <a:schemeClr val="dk1"/>
+                          </a:solidFill>
+                          <a:latin typeface="+mn-lt"/>
+                          <a:ea typeface="+mn-ea"/>
+                          <a:cs typeface="+mn-cs"/>
+                        </a:rPr>
+                        <a:t>mL</a:t>
+                      </a:r>
+                      <a:r>
+                        <a:rPr lang="sk-SK" sz="1200" kern="1200" dirty="0">
+                          <a:solidFill>
+                            <a:schemeClr val="dk1"/>
+                          </a:solidFill>
+                          <a:latin typeface="+mn-lt"/>
+                          <a:ea typeface="+mn-ea"/>
+                          <a:cs typeface="+mn-cs"/>
+                        </a:rPr>
+                        <a:t>)</a:t>
+                      </a:r>
                     </a:p>
                   </a:txBody>
                   <a:tcPr/>
@@ -4568,7 +6070,39 @@
                     <a:bodyPr/>
                     <a:lstStyle/>
                     <a:p>
-                      <a:endParaRPr lang="sk-SK" sz="1200" dirty="0"/>
+                      <a:r>
+                        <a:rPr lang="sk-SK" sz="1200" kern="1200" dirty="0">
+                          <a:solidFill>
+                            <a:schemeClr val="dk1"/>
+                          </a:solidFill>
+                          <a:latin typeface="+mn-lt"/>
+                          <a:ea typeface="+mn-ea"/>
+                          <a:cs typeface="+mn-cs"/>
+                        </a:rPr>
+                        <a:t>Výška kreatinínu v krvi (mg/</a:t>
+                      </a:r>
+                      <a:r>
+                        <a:rPr lang="sk-SK" sz="1200" kern="1200" dirty="0" err="1">
+                          <a:solidFill>
+                            <a:schemeClr val="dk1"/>
+                          </a:solidFill>
+                          <a:latin typeface="+mn-lt"/>
+                          <a:ea typeface="+mn-ea"/>
+                          <a:cs typeface="+mn-cs"/>
+                        </a:rPr>
+                        <a:t>dL</a:t>
+                      </a:r>
+                      <a:r>
+                        <a:rPr lang="sk-SK" sz="1200" kern="1200" dirty="0">
+                          <a:solidFill>
+                            <a:schemeClr val="dk1"/>
+                          </a:solidFill>
+                          <a:latin typeface="+mn-lt"/>
+                          <a:ea typeface="+mn-ea"/>
+                          <a:cs typeface="+mn-cs"/>
+                        </a:rPr>
+                        <a:t>)</a:t>
+                      </a:r>
                     </a:p>
                   </a:txBody>
                   <a:tcPr/>
@@ -4640,7 +6174,18 @@
                     <a:bodyPr/>
                     <a:lstStyle/>
                     <a:p>
-                      <a:endParaRPr lang="sk-SK" sz="1200" dirty="0"/>
+                      <a:r>
+                        <a:rPr lang="sk-SK" sz="1200" dirty="0"/>
+                        <a:t>Výška sodíku v krvi (</a:t>
+                      </a:r>
+                      <a:r>
+                        <a:rPr lang="sk-SK" sz="1200" dirty="0" err="1"/>
+                        <a:t>mEq</a:t>
+                      </a:r>
+                      <a:r>
+                        <a:rPr lang="sk-SK" sz="1200" dirty="0"/>
+                        <a:t>/L)</a:t>
+                      </a:r>
                     </a:p>
                   </a:txBody>
                   <a:tcPr/>
@@ -4880,7 +6425,10 @@
                     <a:bodyPr/>
                     <a:lstStyle/>
                     <a:p>
-                      <a:endParaRPr lang="sk-SK" sz="1200"/>
+                      <a:r>
+                        <a:rPr lang="sk-SK" sz="1200" dirty="0"/>
+                        <a:t>Reprezentácia postupnosti času v dňoch</a:t>
+                      </a:r>
                     </a:p>
                   </a:txBody>
                   <a:tcPr/>
@@ -5030,32 +6578,154 @@
           <a:bodyPr/>
           <a:lstStyle/>
           <a:p>
-            <a:endParaRPr lang="sk-SK"/>
-          </a:p>
-        </p:txBody>
-      </p:sp>
-      <p:sp>
-        <p:nvSpPr>
-          <p:cNvPr id="3" name="Zástupný objekt pre obsah 2">
+            <a:r>
+              <a:rPr lang="sk-SK" dirty="0"/>
+              <a:t>Vizualizácia dát: Pohlavie</a:t>
+            </a:r>
+          </a:p>
+        </p:txBody>
+      </p:sp>
+      <p:pic>
+        <p:nvPicPr>
+          <p:cNvPr id="5" name="Obrázok 4">
             <a:extLst>
               <a:ext uri="{FF2B5EF4-FFF2-40B4-BE49-F238E27FC236}">
-                <a16:creationId xmlns:a16="http://schemas.microsoft.com/office/drawing/2014/main" id="{9E092BCF-0DC3-4573-94F2-A010BEE8D30F}"/>
+                <a16:creationId xmlns:a16="http://schemas.microsoft.com/office/drawing/2014/main" id="{1998F037-68BF-4468-9486-40AD7042F747}"/>
               </a:ext>
             </a:extLst>
           </p:cNvPr>
-          <p:cNvSpPr>
-            <a:spLocks noGrp="1"/>
-          </p:cNvSpPr>
-          <p:nvPr>
-            <p:ph idx="1"/>
-          </p:nvPr>
-        </p:nvSpPr>
-        <p:spPr/>
-        <p:txBody>
-          <a:bodyPr/>
-          <a:lstStyle/>
-          <a:p>
-            <a:endParaRPr lang="sk-SK"/>
+          <p:cNvPicPr>
+            <a:picLocks noChangeAspect="1"/>
+          </p:cNvPicPr>
+          <p:nvPr/>
+        </p:nvPicPr>
+        <p:blipFill>
+          <a:blip r:embed="rId2"/>
+          <a:stretch>
+            <a:fillRect/>
+          </a:stretch>
+        </p:blipFill>
+        <p:spPr>
+          <a:xfrm>
+            <a:off x="3365270" y="1872000"/>
+            <a:ext cx="3515216" cy="3829584"/>
+          </a:xfrm>
+          <a:prstGeom prst="rect">
+            <a:avLst/>
+          </a:prstGeom>
+        </p:spPr>
+      </p:pic>
+      <p:pic>
+        <p:nvPicPr>
+          <p:cNvPr id="7" name="Obrázok 6">
+            <a:extLst>
+              <a:ext uri="{FF2B5EF4-FFF2-40B4-BE49-F238E27FC236}">
+                <a16:creationId xmlns:a16="http://schemas.microsoft.com/office/drawing/2014/main" id="{F7126BD8-7B61-49F9-BFFB-F13EB743C0C4}"/>
+              </a:ext>
+            </a:extLst>
+          </p:cNvPr>
+          <p:cNvPicPr>
+            <a:picLocks noChangeAspect="1"/>
+          </p:cNvPicPr>
+          <p:nvPr/>
+        </p:nvPicPr>
+        <p:blipFill>
+          <a:blip r:embed="rId3"/>
+          <a:stretch>
+            <a:fillRect/>
+          </a:stretch>
+        </p:blipFill>
+        <p:spPr>
+          <a:xfrm>
+            <a:off x="7469391" y="2796773"/>
+            <a:ext cx="1867161" cy="543001"/>
+          </a:xfrm>
+          <a:prstGeom prst="rect">
+            <a:avLst/>
+          </a:prstGeom>
+        </p:spPr>
+      </p:pic>
+      <p:sp>
+        <p:nvSpPr>
+          <p:cNvPr id="8" name="BlokTextu 7">
+            <a:extLst>
+              <a:ext uri="{FF2B5EF4-FFF2-40B4-BE49-F238E27FC236}">
+                <a16:creationId xmlns:a16="http://schemas.microsoft.com/office/drawing/2014/main" id="{EA3A0FF8-35D7-4CE0-9185-8FE227BB9786}"/>
+              </a:ext>
+            </a:extLst>
+          </p:cNvPr>
+          <p:cNvSpPr txBox="1"/>
+          <p:nvPr/>
+        </p:nvSpPr>
+        <p:spPr>
+          <a:xfrm>
+            <a:off x="7382312" y="3456264"/>
+            <a:ext cx="2306971" cy="923330"/>
+          </a:xfrm>
+          <a:prstGeom prst="rect">
+            <a:avLst/>
+          </a:prstGeom>
+          <a:noFill/>
+        </p:spPr>
+        <p:txBody>
+          <a:bodyPr wrap="square" rtlCol="0">
+            <a:spAutoFit/>
+          </a:bodyPr>
+          <a:lstStyle/>
+          <a:p>
+            <a:r>
+              <a:rPr lang="sk-SK" dirty="0"/>
+              <a:t>Pohlavie pacientov:</a:t>
+            </a:r>
+            <a:br>
+              <a:rPr lang="sk-SK" dirty="0"/>
+            </a:br>
+            <a:r>
+              <a:rPr lang="sk-SK" dirty="0"/>
+              <a:t>Žien je </a:t>
+            </a:r>
+            <a:r>
+              <a:rPr lang="sk-SK" dirty="0">
+                <a:solidFill>
+                  <a:srgbClr val="202122"/>
+                </a:solidFill>
+                <a:latin typeface="Arial" panose="020B0604020202020204" pitchFamily="34" charset="0"/>
+              </a:rPr>
+              <a:t>≐</a:t>
+            </a:r>
+            <a:r>
+              <a:rPr lang="sk-SK" b="0" i="0" dirty="0">
+                <a:solidFill>
+                  <a:srgbClr val="202122"/>
+                </a:solidFill>
+                <a:effectLst/>
+                <a:latin typeface="Arial" panose="020B0604020202020204" pitchFamily="34" charset="0"/>
+              </a:rPr>
+              <a:t> </a:t>
+            </a:r>
+            <a:r>
+              <a:rPr lang="sk-SK" dirty="0"/>
+              <a:t>35,1%</a:t>
+            </a:r>
+          </a:p>
+          <a:p>
+            <a:r>
+              <a:rPr lang="sk-SK" dirty="0"/>
+              <a:t>Mužov je </a:t>
+            </a:r>
+            <a:r>
+              <a:rPr lang="sk-SK" dirty="0">
+                <a:solidFill>
+                  <a:srgbClr val="202122"/>
+                </a:solidFill>
+                <a:latin typeface="Arial" panose="020B0604020202020204" pitchFamily="34" charset="0"/>
+              </a:rPr>
+              <a:t>≐</a:t>
+            </a:r>
+            <a:r>
+              <a:rPr lang="sk-SK" dirty="0"/>
+              <a:t> 64,9%</a:t>
+            </a:r>
           </a:p>
         </p:txBody>
       </p:sp>
@@ -5110,32 +6780,143 @@
           <a:bodyPr/>
           <a:lstStyle/>
           <a:p>
-            <a:endParaRPr lang="sk-SK"/>
-          </a:p>
-        </p:txBody>
-      </p:sp>
-      <p:sp>
-        <p:nvSpPr>
-          <p:cNvPr id="3" name="Zástupný objekt pre obsah 2">
+            <a:r>
+              <a:rPr lang="sk-SK" dirty="0"/>
+              <a:t>Vizualizácia dát: Úmrtia </a:t>
+            </a:r>
+          </a:p>
+        </p:txBody>
+      </p:sp>
+      <p:pic>
+        <p:nvPicPr>
+          <p:cNvPr id="5" name="Obrázok 4">
             <a:extLst>
               <a:ext uri="{FF2B5EF4-FFF2-40B4-BE49-F238E27FC236}">
-                <a16:creationId xmlns:a16="http://schemas.microsoft.com/office/drawing/2014/main" id="{06354BDF-9E2B-4981-9D6C-E42F53A09B72}"/>
+                <a16:creationId xmlns:a16="http://schemas.microsoft.com/office/drawing/2014/main" id="{020D6072-CACA-42E9-9B25-C0FA9C4C018C}"/>
               </a:ext>
             </a:extLst>
           </p:cNvPr>
-          <p:cNvSpPr>
-            <a:spLocks noGrp="1"/>
-          </p:cNvSpPr>
-          <p:nvPr>
-            <p:ph idx="1"/>
-          </p:nvPr>
-        </p:nvSpPr>
-        <p:spPr/>
-        <p:txBody>
-          <a:bodyPr/>
-          <a:lstStyle/>
-          <a:p>
-            <a:endParaRPr lang="sk-SK"/>
+          <p:cNvPicPr>
+            <a:picLocks noChangeAspect="1"/>
+          </p:cNvPicPr>
+          <p:nvPr/>
+        </p:nvPicPr>
+        <p:blipFill>
+          <a:blip r:embed="rId2"/>
+          <a:stretch>
+            <a:fillRect/>
+          </a:stretch>
+        </p:blipFill>
+        <p:spPr>
+          <a:xfrm>
+            <a:off x="3366000" y="1872000"/>
+            <a:ext cx="3572374" cy="3743847"/>
+          </a:xfrm>
+          <a:prstGeom prst="rect">
+            <a:avLst/>
+          </a:prstGeom>
+        </p:spPr>
+      </p:pic>
+      <p:pic>
+        <p:nvPicPr>
+          <p:cNvPr id="7" name="Obrázok 6">
+            <a:extLst>
+              <a:ext uri="{FF2B5EF4-FFF2-40B4-BE49-F238E27FC236}">
+                <a16:creationId xmlns:a16="http://schemas.microsoft.com/office/drawing/2014/main" id="{4A5FA2B3-43DB-4EBA-8703-89774F8C8806}"/>
+              </a:ext>
+            </a:extLst>
+          </p:cNvPr>
+          <p:cNvPicPr>
+            <a:picLocks noChangeAspect="1"/>
+          </p:cNvPicPr>
+          <p:nvPr/>
+        </p:nvPicPr>
+        <p:blipFill>
+          <a:blip r:embed="rId3"/>
+          <a:stretch>
+            <a:fillRect/>
+          </a:stretch>
+        </p:blipFill>
+        <p:spPr>
+          <a:xfrm>
+            <a:off x="7588976" y="2331753"/>
+            <a:ext cx="2534004" cy="533474"/>
+          </a:xfrm>
+          <a:prstGeom prst="rect">
+            <a:avLst/>
+          </a:prstGeom>
+        </p:spPr>
+      </p:pic>
+      <p:sp>
+        <p:nvSpPr>
+          <p:cNvPr id="8" name="BlokTextu 7">
+            <a:extLst>
+              <a:ext uri="{FF2B5EF4-FFF2-40B4-BE49-F238E27FC236}">
+                <a16:creationId xmlns:a16="http://schemas.microsoft.com/office/drawing/2014/main" id="{F7930D6C-A051-4386-A33F-9442B6EE4EAC}"/>
+              </a:ext>
+            </a:extLst>
+          </p:cNvPr>
+          <p:cNvSpPr txBox="1"/>
+          <p:nvPr/>
+        </p:nvSpPr>
+        <p:spPr>
+          <a:xfrm>
+            <a:off x="7600426" y="3137483"/>
+            <a:ext cx="2634143" cy="923330"/>
+          </a:xfrm>
+          <a:prstGeom prst="rect">
+            <a:avLst/>
+          </a:prstGeom>
+          <a:noFill/>
+        </p:spPr>
+        <p:txBody>
+          <a:bodyPr wrap="square" rtlCol="0">
+            <a:spAutoFit/>
+          </a:bodyPr>
+          <a:lstStyle/>
+          <a:p>
+            <a:r>
+              <a:rPr lang="sk-SK" dirty="0"/>
+              <a:t>Úmrtia pacientov:</a:t>
+            </a:r>
+          </a:p>
+          <a:p>
+            <a:r>
+              <a:rPr lang="sk-SK" dirty="0"/>
+              <a:t>Prežilo </a:t>
+            </a:r>
+            <a:r>
+              <a:rPr lang="sk-SK" dirty="0">
+                <a:solidFill>
+                  <a:srgbClr val="202122"/>
+                </a:solidFill>
+                <a:latin typeface="Arial" panose="020B0604020202020204" pitchFamily="34" charset="0"/>
+              </a:rPr>
+              <a:t>≐</a:t>
+            </a:r>
+            <a:r>
+              <a:rPr lang="sk-SK" dirty="0"/>
+              <a:t> 67,9%</a:t>
+            </a:r>
+          </a:p>
+          <a:p>
+            <a:r>
+              <a:rPr lang="sk-SK" dirty="0"/>
+              <a:t>Zomrelo </a:t>
+            </a:r>
+            <a:r>
+              <a:rPr lang="sk-SK" dirty="0">
+                <a:solidFill>
+                  <a:srgbClr val="202122"/>
+                </a:solidFill>
+                <a:latin typeface="Arial" panose="020B0604020202020204" pitchFamily="34" charset="0"/>
+              </a:rPr>
+              <a:t>≐</a:t>
+            </a:r>
+            <a:r>
+              <a:rPr lang="sk-SK" dirty="0"/>
+              <a:t> 32,1%</a:t>
+            </a:r>
           </a:p>
         </p:txBody>
       </p:sp>
@@ -5190,32 +6971,132 @@
           <a:bodyPr/>
           <a:lstStyle/>
           <a:p>
-            <a:endParaRPr lang="sk-SK"/>
-          </a:p>
-        </p:txBody>
-      </p:sp>
-      <p:sp>
-        <p:nvSpPr>
-          <p:cNvPr id="3" name="Zástupný objekt pre obsah 2">
+            <a:r>
+              <a:rPr lang="sk-SK" dirty="0"/>
+              <a:t>Vizualizácia dát: Fajčenie</a:t>
+            </a:r>
+          </a:p>
+        </p:txBody>
+      </p:sp>
+      <p:pic>
+        <p:nvPicPr>
+          <p:cNvPr id="5" name="Obrázok 4">
             <a:extLst>
               <a:ext uri="{FF2B5EF4-FFF2-40B4-BE49-F238E27FC236}">
-                <a16:creationId xmlns:a16="http://schemas.microsoft.com/office/drawing/2014/main" id="{0BD1E3A7-CD43-4BEC-B5CC-0AB7DC0AF8C0}"/>
+                <a16:creationId xmlns:a16="http://schemas.microsoft.com/office/drawing/2014/main" id="{D419028C-5BD1-458D-A708-880419AC3F0C}"/>
               </a:ext>
             </a:extLst>
           </p:cNvPr>
-          <p:cNvSpPr>
-            <a:spLocks noGrp="1"/>
-          </p:cNvSpPr>
-          <p:nvPr>
-            <p:ph idx="1"/>
-          </p:nvPr>
-        </p:nvSpPr>
-        <p:spPr/>
-        <p:txBody>
-          <a:bodyPr/>
-          <a:lstStyle/>
-          <a:p>
-            <a:endParaRPr lang="sk-SK"/>
+          <p:cNvPicPr>
+            <a:picLocks noChangeAspect="1"/>
+          </p:cNvPicPr>
+          <p:nvPr/>
+        </p:nvPicPr>
+        <p:blipFill>
+          <a:blip r:embed="rId2"/>
+          <a:stretch>
+            <a:fillRect/>
+          </a:stretch>
+        </p:blipFill>
+        <p:spPr>
+          <a:xfrm>
+            <a:off x="3366000" y="1872000"/>
+            <a:ext cx="3610479" cy="3667637"/>
+          </a:xfrm>
+          <a:prstGeom prst="rect">
+            <a:avLst/>
+          </a:prstGeom>
+        </p:spPr>
+      </p:pic>
+      <p:pic>
+        <p:nvPicPr>
+          <p:cNvPr id="7" name="Obrázok 6">
+            <a:extLst>
+              <a:ext uri="{FF2B5EF4-FFF2-40B4-BE49-F238E27FC236}">
+                <a16:creationId xmlns:a16="http://schemas.microsoft.com/office/drawing/2014/main" id="{78296460-C37B-4618-9536-8DDB9846DB79}"/>
+              </a:ext>
+            </a:extLst>
+          </p:cNvPr>
+          <p:cNvPicPr>
+            <a:picLocks noChangeAspect="1"/>
+          </p:cNvPicPr>
+          <p:nvPr/>
+        </p:nvPicPr>
+        <p:blipFill>
+          <a:blip r:embed="rId3"/>
+          <a:stretch>
+            <a:fillRect/>
+          </a:stretch>
+        </p:blipFill>
+        <p:spPr>
+          <a:xfrm>
+            <a:off x="7133764" y="2191414"/>
+            <a:ext cx="2219635" cy="495369"/>
+          </a:xfrm>
+          <a:prstGeom prst="rect">
+            <a:avLst/>
+          </a:prstGeom>
+        </p:spPr>
+      </p:pic>
+      <p:sp>
+        <p:nvSpPr>
+          <p:cNvPr id="8" name="BlokTextu 7">
+            <a:extLst>
+              <a:ext uri="{FF2B5EF4-FFF2-40B4-BE49-F238E27FC236}">
+                <a16:creationId xmlns:a16="http://schemas.microsoft.com/office/drawing/2014/main" id="{8E7EAC0B-C56A-4292-865B-808ADC20F77E}"/>
+              </a:ext>
+            </a:extLst>
+          </p:cNvPr>
+          <p:cNvSpPr txBox="1"/>
+          <p:nvPr/>
+        </p:nvSpPr>
+        <p:spPr>
+          <a:xfrm>
+            <a:off x="7130642" y="2978092"/>
+            <a:ext cx="3045204" cy="923330"/>
+          </a:xfrm>
+          <a:prstGeom prst="rect">
+            <a:avLst/>
+          </a:prstGeom>
+          <a:noFill/>
+        </p:spPr>
+        <p:txBody>
+          <a:bodyPr wrap="square" rtlCol="0">
+            <a:spAutoFit/>
+          </a:bodyPr>
+          <a:lstStyle/>
+          <a:p>
+            <a:r>
+              <a:rPr lang="sk-SK" dirty="0"/>
+              <a:t>Fajčiaci pacienti:</a:t>
+            </a:r>
+          </a:p>
+          <a:p>
+            <a:r>
+              <a:rPr lang="sk-SK" dirty="0"/>
+              <a:t>Nefajčiari </a:t>
+            </a:r>
+            <a:r>
+              <a:rPr lang="sk-SK" dirty="0">
+                <a:solidFill>
+                  <a:srgbClr val="202122"/>
+                </a:solidFill>
+                <a:latin typeface="Arial" panose="020B0604020202020204" pitchFamily="34" charset="0"/>
+              </a:rPr>
+              <a:t>≐ 67,9%</a:t>
+            </a:r>
+          </a:p>
+          <a:p>
+            <a:r>
+              <a:rPr lang="sk-SK" dirty="0">
+                <a:solidFill>
+                  <a:srgbClr val="202122"/>
+                </a:solidFill>
+                <a:latin typeface="Arial" panose="020B0604020202020204" pitchFamily="34" charset="0"/>
+              </a:rPr>
+              <a:t>Fajčiari ≐ 32,1%</a:t>
+            </a:r>
+            <a:endParaRPr lang="sk-SK" dirty="0"/>
           </a:p>
         </p:txBody>
       </p:sp>
@@ -5251,10 +7132,10 @@
       </p:grpSpPr>
       <p:sp>
         <p:nvSpPr>
-          <p:cNvPr id="3" name="Zástupný objekt pre obsah 2">
+          <p:cNvPr id="2" name="Nadpis 1">
             <a:extLst>
               <a:ext uri="{FF2B5EF4-FFF2-40B4-BE49-F238E27FC236}">
-                <a16:creationId xmlns:a16="http://schemas.microsoft.com/office/drawing/2014/main" id="{5A4D4779-50F0-4D79-AECD-82F546F91B2C}"/>
+                <a16:creationId xmlns:a16="http://schemas.microsoft.com/office/drawing/2014/main" id="{CD30759D-1BB2-47F7-87EA-1221867E19EC}"/>
               </a:ext>
             </a:extLst>
           </p:cNvPr>
@@ -5262,37 +7143,124 @@
             <a:spLocks noGrp="1"/>
           </p:cNvSpPr>
           <p:nvPr>
-            <p:ph idx="1"/>
-          </p:nvPr>
-        </p:nvSpPr>
+            <p:ph type="title"/>
+          </p:nvPr>
+        </p:nvSpPr>
+        <p:spPr/>
+        <p:txBody>
+          <a:bodyPr/>
+          <a:lstStyle/>
+          <a:p>
+            <a:r>
+              <a:rPr lang="sk-SK" dirty="0"/>
+              <a:t>Vizualizácia dát: Cukrovka</a:t>
+            </a:r>
+          </a:p>
+        </p:txBody>
+      </p:sp>
+      <p:pic>
+        <p:nvPicPr>
+          <p:cNvPr id="5" name="Obrázok 4">
+            <a:extLst>
+              <a:ext uri="{FF2B5EF4-FFF2-40B4-BE49-F238E27FC236}">
+                <a16:creationId xmlns:a16="http://schemas.microsoft.com/office/drawing/2014/main" id="{20998CC6-0E8C-4C13-8F8E-EEE4CD031549}"/>
+              </a:ext>
+            </a:extLst>
+          </p:cNvPr>
+          <p:cNvPicPr>
+            <a:picLocks noChangeAspect="1"/>
+          </p:cNvPicPr>
+          <p:nvPr/>
+        </p:nvPicPr>
+        <p:blipFill>
+          <a:blip r:embed="rId2"/>
+          <a:stretch>
+            <a:fillRect/>
+          </a:stretch>
+        </p:blipFill>
         <p:spPr>
           <a:xfrm>
-            <a:off x="838200" y="1884348"/>
-            <a:ext cx="10515600" cy="4351338"/>
+            <a:off x="3366000" y="1872000"/>
+            <a:ext cx="3696216" cy="3905795"/>
           </a:xfrm>
+          <a:prstGeom prst="rect">
+            <a:avLst/>
+          </a:prstGeom>
         </p:spPr>
-        <p:txBody>
-          <a:bodyPr/>
-          <a:lstStyle/>
-          <a:p>
-            <a:pPr marL="0" indent="0" algn="ctr">
-              <a:buNone/>
-            </a:pPr>
-            <a:endParaRPr lang="sk-SK" dirty="0"/>
-          </a:p>
-          <a:p>
-            <a:pPr marL="0" indent="0" algn="ctr">
-              <a:buNone/>
-            </a:pPr>
-            <a:endParaRPr lang="sk-SK" dirty="0"/>
-          </a:p>
-          <a:p>
-            <a:pPr marL="0" indent="0" algn="ctr">
-              <a:buNone/>
-            </a:pPr>
-            <a:r>
-              <a:rPr lang="sk-SK" sz="3500" b="1" dirty="0"/>
-              <a:t>Ďakujem za pozornosť!</a:t>
+      </p:pic>
+      <p:pic>
+        <p:nvPicPr>
+          <p:cNvPr id="7" name="Obrázok 6">
+            <a:extLst>
+              <a:ext uri="{FF2B5EF4-FFF2-40B4-BE49-F238E27FC236}">
+                <a16:creationId xmlns:a16="http://schemas.microsoft.com/office/drawing/2014/main" id="{8CFE63CF-C94E-4FBD-9508-5E69BBEFD9AD}"/>
+              </a:ext>
+            </a:extLst>
+          </p:cNvPr>
+          <p:cNvPicPr>
+            <a:picLocks noChangeAspect="1"/>
+          </p:cNvPicPr>
+          <p:nvPr/>
+        </p:nvPicPr>
+        <p:blipFill>
+          <a:blip r:embed="rId3"/>
+          <a:stretch>
+            <a:fillRect/>
+          </a:stretch>
+        </p:blipFill>
+        <p:spPr>
+          <a:xfrm>
+            <a:off x="7261164" y="2142218"/>
+            <a:ext cx="2333951" cy="476316"/>
+          </a:xfrm>
+          <a:prstGeom prst="rect">
+            <a:avLst/>
+          </a:prstGeom>
+        </p:spPr>
+      </p:pic>
+      <p:sp>
+        <p:nvSpPr>
+          <p:cNvPr id="9" name="BlokTextu 8">
+            <a:extLst>
+              <a:ext uri="{FF2B5EF4-FFF2-40B4-BE49-F238E27FC236}">
+                <a16:creationId xmlns:a16="http://schemas.microsoft.com/office/drawing/2014/main" id="{8033DBEC-26C3-462F-BF47-AF8660FF2E51}"/>
+              </a:ext>
+            </a:extLst>
+          </p:cNvPr>
+          <p:cNvSpPr txBox="1"/>
+          <p:nvPr/>
+        </p:nvSpPr>
+        <p:spPr>
+          <a:xfrm>
+            <a:off x="7248087" y="2860646"/>
+            <a:ext cx="2818702" cy="923330"/>
+          </a:xfrm>
+          <a:prstGeom prst="rect">
+            <a:avLst/>
+          </a:prstGeom>
+          <a:noFill/>
+        </p:spPr>
+        <p:txBody>
+          <a:bodyPr wrap="square" rtlCol="0">
+            <a:spAutoFit/>
+          </a:bodyPr>
+          <a:lstStyle/>
+          <a:p>
+            <a:r>
+              <a:rPr lang="sk-SK" dirty="0"/>
+              <a:t>Pacienti s cukrovkou:</a:t>
+            </a:r>
+          </a:p>
+          <a:p>
+            <a:r>
+              <a:rPr lang="sk-SK" dirty="0"/>
+              <a:t>Má cukrovku ≐ 58,2%</a:t>
+            </a:r>
+          </a:p>
+          <a:p>
+            <a:r>
+              <a:rPr lang="sk-SK" dirty="0"/>
+              <a:t>Nemá cukrovku ≐ 41,8%</a:t>
             </a:r>
           </a:p>
         </p:txBody>
@@ -5300,7 +7268,172 @@
     </p:spTree>
     <p:extLst>
       <p:ext uri="{BB962C8B-B14F-4D97-AF65-F5344CB8AC3E}">
-        <p14:creationId xmlns:p14="http://schemas.microsoft.com/office/powerpoint/2010/main" val="724914022"/>
+        <p14:creationId xmlns:p14="http://schemas.microsoft.com/office/powerpoint/2010/main" val="3228357685"/>
+      </p:ext>
+    </p:extLst>
+  </p:cSld>
+  <p:clrMapOvr>
+    <a:masterClrMapping/>
+  </p:clrMapOvr>
+</p:sld>
+</file>
+
+<file path=ppt/slides/slide9.xml><?xml version="1.0" encoding="utf-8"?>
+<p:sld xmlns:a="http://schemas.openxmlformats.org/drawingml/2006/main" xmlns:r="http://schemas.openxmlformats.org/officeDocument/2006/relationships" xmlns:p="http://schemas.openxmlformats.org/presentationml/2006/main">
+  <p:cSld>
+    <p:spTree>
+      <p:nvGrpSpPr>
+        <p:cNvPr id="1" name=""/>
+        <p:cNvGrpSpPr/>
+        <p:nvPr/>
+      </p:nvGrpSpPr>
+      <p:grpSpPr>
+        <a:xfrm>
+          <a:off x="0" y="0"/>
+          <a:ext cx="0" cy="0"/>
+          <a:chOff x="0" y="0"/>
+          <a:chExt cx="0" cy="0"/>
+        </a:xfrm>
+      </p:grpSpPr>
+      <p:sp>
+        <p:nvSpPr>
+          <p:cNvPr id="2" name="Nadpis 1">
+            <a:extLst>
+              <a:ext uri="{FF2B5EF4-FFF2-40B4-BE49-F238E27FC236}">
+                <a16:creationId xmlns:a16="http://schemas.microsoft.com/office/drawing/2014/main" id="{9E2AB213-05FD-4202-BF52-C4DACAD0FBB7}"/>
+              </a:ext>
+            </a:extLst>
+          </p:cNvPr>
+          <p:cNvSpPr>
+            <a:spLocks noGrp="1"/>
+          </p:cNvSpPr>
+          <p:nvPr>
+            <p:ph type="title"/>
+          </p:nvPr>
+        </p:nvSpPr>
+        <p:spPr/>
+        <p:txBody>
+          <a:bodyPr/>
+          <a:lstStyle/>
+          <a:p>
+            <a:r>
+              <a:rPr lang="sk-SK" dirty="0"/>
+              <a:t>Vizualizácia dát: Vysoký krvný tlak</a:t>
+            </a:r>
+          </a:p>
+        </p:txBody>
+      </p:sp>
+      <p:pic>
+        <p:nvPicPr>
+          <p:cNvPr id="5" name="Obrázok 4">
+            <a:extLst>
+              <a:ext uri="{FF2B5EF4-FFF2-40B4-BE49-F238E27FC236}">
+                <a16:creationId xmlns:a16="http://schemas.microsoft.com/office/drawing/2014/main" id="{3EC1E3E1-44A3-4E60-81E0-9940B8418A5A}"/>
+              </a:ext>
+            </a:extLst>
+          </p:cNvPr>
+          <p:cNvPicPr>
+            <a:picLocks noChangeAspect="1"/>
+          </p:cNvPicPr>
+          <p:nvPr/>
+        </p:nvPicPr>
+        <p:blipFill>
+          <a:blip r:embed="rId2"/>
+          <a:stretch>
+            <a:fillRect/>
+          </a:stretch>
+        </p:blipFill>
+        <p:spPr>
+          <a:xfrm>
+            <a:off x="3366000" y="1872000"/>
+            <a:ext cx="3524742" cy="3715268"/>
+          </a:xfrm>
+          <a:prstGeom prst="rect">
+            <a:avLst/>
+          </a:prstGeom>
+        </p:spPr>
+      </p:pic>
+      <p:pic>
+        <p:nvPicPr>
+          <p:cNvPr id="7" name="Obrázok 6">
+            <a:extLst>
+              <a:ext uri="{FF2B5EF4-FFF2-40B4-BE49-F238E27FC236}">
+                <a16:creationId xmlns:a16="http://schemas.microsoft.com/office/drawing/2014/main" id="{762891F0-43F3-44B1-98AE-AC32D83A1998}"/>
+              </a:ext>
+            </a:extLst>
+          </p:cNvPr>
+          <p:cNvPicPr>
+            <a:picLocks noChangeAspect="1"/>
+          </p:cNvPicPr>
+          <p:nvPr/>
+        </p:nvPicPr>
+        <p:blipFill>
+          <a:blip r:embed="rId3"/>
+          <a:stretch>
+            <a:fillRect/>
+          </a:stretch>
+        </p:blipFill>
+        <p:spPr>
+          <a:xfrm>
+            <a:off x="7446936" y="2265778"/>
+            <a:ext cx="3086531" cy="514422"/>
+          </a:xfrm>
+          <a:prstGeom prst="rect">
+            <a:avLst/>
+          </a:prstGeom>
+        </p:spPr>
+      </p:pic>
+      <p:sp>
+        <p:nvSpPr>
+          <p:cNvPr id="8" name="BlokTextu 7">
+            <a:extLst>
+              <a:ext uri="{FF2B5EF4-FFF2-40B4-BE49-F238E27FC236}">
+                <a16:creationId xmlns:a16="http://schemas.microsoft.com/office/drawing/2014/main" id="{F5800575-9A3E-47E1-A1C6-1DE8038A5156}"/>
+              </a:ext>
+            </a:extLst>
+          </p:cNvPr>
+          <p:cNvSpPr txBox="1"/>
+          <p:nvPr/>
+        </p:nvSpPr>
+        <p:spPr>
+          <a:xfrm>
+            <a:off x="7415868" y="3045204"/>
+            <a:ext cx="3489820" cy="923330"/>
+          </a:xfrm>
+          <a:prstGeom prst="rect">
+            <a:avLst/>
+          </a:prstGeom>
+          <a:noFill/>
+        </p:spPr>
+        <p:txBody>
+          <a:bodyPr wrap="square" rtlCol="0">
+            <a:spAutoFit/>
+          </a:bodyPr>
+          <a:lstStyle/>
+          <a:p>
+            <a:r>
+              <a:rPr lang="sk-SK" dirty="0"/>
+              <a:t>Vysoký krvný tlak u pacientov:</a:t>
+            </a:r>
+          </a:p>
+          <a:p>
+            <a:r>
+              <a:rPr lang="sk-SK" dirty="0"/>
+              <a:t>Má VKT ≐ 64,9%</a:t>
+            </a:r>
+          </a:p>
+          <a:p>
+            <a:r>
+              <a:rPr lang="sk-SK" dirty="0"/>
+              <a:t>Nemá VKT ≐ 35,1%</a:t>
+            </a:r>
+          </a:p>
+        </p:txBody>
+      </p:sp>
+    </p:spTree>
+    <p:extLst>
+      <p:ext uri="{BB962C8B-B14F-4D97-AF65-F5344CB8AC3E}">
+        <p14:creationId xmlns:p14="http://schemas.microsoft.com/office/powerpoint/2010/main" val="3833575052"/>
       </p:ext>
     </p:extLst>
   </p:cSld>

--- a/Vanko Martin Predikcia zlyhania srdca.pptx
+++ b/Vanko Martin Predikcia zlyhania srdca.pptx
@@ -25,9 +25,13 @@
     <p:sldId id="269" r:id="rId19"/>
     <p:sldId id="270" r:id="rId20"/>
     <p:sldId id="271" r:id="rId21"/>
-    <p:sldId id="272" r:id="rId22"/>
-    <p:sldId id="259" r:id="rId23"/>
-    <p:sldId id="278" r:id="rId24"/>
+    <p:sldId id="280" r:id="rId22"/>
+    <p:sldId id="281" r:id="rId23"/>
+    <p:sldId id="282" r:id="rId24"/>
+    <p:sldId id="272" r:id="rId25"/>
+    <p:sldId id="279" r:id="rId26"/>
+    <p:sldId id="259" r:id="rId27"/>
+    <p:sldId id="278" r:id="rId28"/>
   </p:sldIdLst>
   <p:sldSz cx="12192000" cy="6858000"/>
   <p:notesSz cx="6858000" cy="9144000"/>
@@ -302,7 +306,7 @@
           <a:p>
             <a:fld id="{D6558542-6885-4348-8962-46B0F24B88CC}" type="datetimeFigureOut">
               <a:rPr lang="sk-SK" smtClean="0"/>
-              <a:t>2. 5. 2021</a:t>
+              <a:t>5. 5. 2021</a:t>
             </a:fld>
             <a:endParaRPr lang="sk-SK"/>
           </a:p>
@@ -530,7 +534,7 @@
           <a:p>
             <a:fld id="{D6558542-6885-4348-8962-46B0F24B88CC}" type="datetimeFigureOut">
               <a:rPr lang="sk-SK" smtClean="0"/>
-              <a:t>2. 5. 2021</a:t>
+              <a:t>5. 5. 2021</a:t>
             </a:fld>
             <a:endParaRPr lang="sk-SK"/>
           </a:p>
@@ -710,7 +714,7 @@
           <a:p>
             <a:fld id="{D6558542-6885-4348-8962-46B0F24B88CC}" type="datetimeFigureOut">
               <a:rPr lang="sk-SK" smtClean="0"/>
-              <a:t>2. 5. 2021</a:t>
+              <a:t>5. 5. 2021</a:t>
             </a:fld>
             <a:endParaRPr lang="sk-SK"/>
           </a:p>
@@ -880,7 +884,7 @@
           <a:p>
             <a:fld id="{D6558542-6885-4348-8962-46B0F24B88CC}" type="datetimeFigureOut">
               <a:rPr lang="sk-SK" smtClean="0"/>
-              <a:t>2. 5. 2021</a:t>
+              <a:t>5. 5. 2021</a:t>
             </a:fld>
             <a:endParaRPr lang="sk-SK"/>
           </a:p>
@@ -1134,7 +1138,7 @@
           <a:p>
             <a:fld id="{D6558542-6885-4348-8962-46B0F24B88CC}" type="datetimeFigureOut">
               <a:rPr lang="sk-SK" smtClean="0"/>
-              <a:t>2. 5. 2021</a:t>
+              <a:t>5. 5. 2021</a:t>
             </a:fld>
             <a:endParaRPr lang="sk-SK"/>
           </a:p>
@@ -1460,7 +1464,7 @@
           <a:p>
             <a:fld id="{D6558542-6885-4348-8962-46B0F24B88CC}" type="datetimeFigureOut">
               <a:rPr lang="sk-SK" smtClean="0"/>
-              <a:t>2. 5. 2021</a:t>
+              <a:t>5. 5. 2021</a:t>
             </a:fld>
             <a:endParaRPr lang="sk-SK"/>
           </a:p>
@@ -1911,7 +1915,7 @@
           <a:p>
             <a:fld id="{D6558542-6885-4348-8962-46B0F24B88CC}" type="datetimeFigureOut">
               <a:rPr lang="sk-SK" smtClean="0"/>
-              <a:t>2. 5. 2021</a:t>
+              <a:t>5. 5. 2021</a:t>
             </a:fld>
             <a:endParaRPr lang="sk-SK"/>
           </a:p>
@@ -2029,7 +2033,7 @@
           <a:p>
             <a:fld id="{D6558542-6885-4348-8962-46B0F24B88CC}" type="datetimeFigureOut">
               <a:rPr lang="sk-SK" smtClean="0"/>
-              <a:t>2. 5. 2021</a:t>
+              <a:t>5. 5. 2021</a:t>
             </a:fld>
             <a:endParaRPr lang="sk-SK"/>
           </a:p>
@@ -2124,7 +2128,7 @@
           <a:p>
             <a:fld id="{D6558542-6885-4348-8962-46B0F24B88CC}" type="datetimeFigureOut">
               <a:rPr lang="sk-SK" smtClean="0"/>
-              <a:t>2. 5. 2021</a:t>
+              <a:t>5. 5. 2021</a:t>
             </a:fld>
             <a:endParaRPr lang="sk-SK"/>
           </a:p>
@@ -2411,7 +2415,7 @@
           <a:p>
             <a:fld id="{D6558542-6885-4348-8962-46B0F24B88CC}" type="datetimeFigureOut">
               <a:rPr lang="sk-SK" smtClean="0"/>
-              <a:t>2. 5. 2021</a:t>
+              <a:t>5. 5. 2021</a:t>
             </a:fld>
             <a:endParaRPr lang="sk-SK"/>
           </a:p>
@@ -2736,7 +2740,7 @@
           <a:p>
             <a:fld id="{D6558542-6885-4348-8962-46B0F24B88CC}" type="datetimeFigureOut">
               <a:rPr lang="sk-SK" smtClean="0"/>
-              <a:t>2. 5. 2021</a:t>
+              <a:t>5. 5. 2021</a:t>
             </a:fld>
             <a:endParaRPr lang="sk-SK"/>
           </a:p>
@@ -2990,7 +2994,7 @@
           <a:p>
             <a:fld id="{D6558542-6885-4348-8962-46B0F24B88CC}" type="datetimeFigureOut">
               <a:rPr lang="sk-SK" smtClean="0"/>
-              <a:t>2. 5. 2021</a:t>
+              <a:t>5. 5. 2021</a:t>
             </a:fld>
             <a:endParaRPr lang="sk-SK"/>
           </a:p>
@@ -4853,7 +4857,7 @@
           <p:cNvPr id="2" name="Nadpis 1">
             <a:extLst>
               <a:ext uri="{FF2B5EF4-FFF2-40B4-BE49-F238E27FC236}">
-                <a16:creationId xmlns:a16="http://schemas.microsoft.com/office/drawing/2014/main" id="{6C9BEA93-655C-4A0C-843D-138FFC13FC05}"/>
+                <a16:creationId xmlns:a16="http://schemas.microsoft.com/office/drawing/2014/main" id="{3625985A-96BB-4392-8DB5-973FB5021E04}"/>
               </a:ext>
             </a:extLst>
           </p:cNvPr>
@@ -4878,7 +4882,7 @@
           <p:cNvPr id="3" name="Zástupný objekt pre obsah 2">
             <a:extLst>
               <a:ext uri="{FF2B5EF4-FFF2-40B4-BE49-F238E27FC236}">
-                <a16:creationId xmlns:a16="http://schemas.microsoft.com/office/drawing/2014/main" id="{1EBF287F-BD79-4AE2-9FCF-D3E36269E5AD}"/>
+                <a16:creationId xmlns:a16="http://schemas.microsoft.com/office/drawing/2014/main" id="{45E6BC99-8BD6-489A-8FB6-33F640873E75}"/>
               </a:ext>
             </a:extLst>
           </p:cNvPr>
@@ -4901,7 +4905,7 @@
     </p:spTree>
     <p:extLst>
       <p:ext uri="{BB962C8B-B14F-4D97-AF65-F5344CB8AC3E}">
-        <p14:creationId xmlns:p14="http://schemas.microsoft.com/office/powerpoint/2010/main" val="1241328556"/>
+        <p14:creationId xmlns:p14="http://schemas.microsoft.com/office/powerpoint/2010/main" val="200547948"/>
       </p:ext>
     </p:extLst>
   </p:cSld>
@@ -4930,6 +4934,626 @@
       </p:grpSpPr>
       <p:sp>
         <p:nvSpPr>
+          <p:cNvPr id="2" name="Nadpis 1">
+            <a:extLst>
+              <a:ext uri="{FF2B5EF4-FFF2-40B4-BE49-F238E27FC236}">
+                <a16:creationId xmlns:a16="http://schemas.microsoft.com/office/drawing/2014/main" id="{5971A4B5-E7F4-4553-AFF9-C1D2B424CA2D}"/>
+              </a:ext>
+            </a:extLst>
+          </p:cNvPr>
+          <p:cNvSpPr>
+            <a:spLocks noGrp="1"/>
+          </p:cNvSpPr>
+          <p:nvPr>
+            <p:ph type="title"/>
+          </p:nvPr>
+        </p:nvSpPr>
+        <p:spPr/>
+        <p:txBody>
+          <a:bodyPr/>
+          <a:lstStyle/>
+          <a:p>
+            <a:endParaRPr lang="sk-SK"/>
+          </a:p>
+        </p:txBody>
+      </p:sp>
+      <p:sp>
+        <p:nvSpPr>
+          <p:cNvPr id="3" name="Zástupný objekt pre obsah 2">
+            <a:extLst>
+              <a:ext uri="{FF2B5EF4-FFF2-40B4-BE49-F238E27FC236}">
+                <a16:creationId xmlns:a16="http://schemas.microsoft.com/office/drawing/2014/main" id="{713D5211-7AD5-4634-B1EF-9ACF74C6B55A}"/>
+              </a:ext>
+            </a:extLst>
+          </p:cNvPr>
+          <p:cNvSpPr>
+            <a:spLocks noGrp="1"/>
+          </p:cNvSpPr>
+          <p:nvPr>
+            <p:ph idx="1"/>
+          </p:nvPr>
+        </p:nvSpPr>
+        <p:spPr/>
+        <p:txBody>
+          <a:bodyPr/>
+          <a:lstStyle/>
+          <a:p>
+            <a:endParaRPr lang="sk-SK"/>
+          </a:p>
+        </p:txBody>
+      </p:sp>
+    </p:spTree>
+    <p:extLst>
+      <p:ext uri="{BB962C8B-B14F-4D97-AF65-F5344CB8AC3E}">
+        <p14:creationId xmlns:p14="http://schemas.microsoft.com/office/powerpoint/2010/main" val="1126698238"/>
+      </p:ext>
+    </p:extLst>
+  </p:cSld>
+  <p:clrMapOvr>
+    <a:masterClrMapping/>
+  </p:clrMapOvr>
+</p:sld>
+</file>
+
+<file path=ppt/slides/slide23.xml><?xml version="1.0" encoding="utf-8"?>
+<p:sld xmlns:a="http://schemas.openxmlformats.org/drawingml/2006/main" xmlns:r="http://schemas.openxmlformats.org/officeDocument/2006/relationships" xmlns:p="http://schemas.openxmlformats.org/presentationml/2006/main">
+  <p:cSld>
+    <p:spTree>
+      <p:nvGrpSpPr>
+        <p:cNvPr id="1" name=""/>
+        <p:cNvGrpSpPr/>
+        <p:nvPr/>
+      </p:nvGrpSpPr>
+      <p:grpSpPr>
+        <a:xfrm>
+          <a:off x="0" y="0"/>
+          <a:ext cx="0" cy="0"/>
+          <a:chOff x="0" y="0"/>
+          <a:chExt cx="0" cy="0"/>
+        </a:xfrm>
+      </p:grpSpPr>
+      <p:sp>
+        <p:nvSpPr>
+          <p:cNvPr id="2" name="Nadpis 1">
+            <a:extLst>
+              <a:ext uri="{FF2B5EF4-FFF2-40B4-BE49-F238E27FC236}">
+                <a16:creationId xmlns:a16="http://schemas.microsoft.com/office/drawing/2014/main" id="{A121FA12-FFB1-401D-B58F-04C60F8DEA5E}"/>
+              </a:ext>
+            </a:extLst>
+          </p:cNvPr>
+          <p:cNvSpPr>
+            <a:spLocks noGrp="1"/>
+          </p:cNvSpPr>
+          <p:nvPr>
+            <p:ph type="title"/>
+          </p:nvPr>
+        </p:nvSpPr>
+        <p:spPr/>
+        <p:txBody>
+          <a:bodyPr/>
+          <a:lstStyle/>
+          <a:p>
+            <a:r>
+              <a:rPr lang="sk-SK" dirty="0" err="1"/>
+              <a:t>Keras</a:t>
+            </a:r>
+            <a:endParaRPr lang="sk-SK" dirty="0"/>
+          </a:p>
+        </p:txBody>
+      </p:sp>
+      <p:sp>
+        <p:nvSpPr>
+          <p:cNvPr id="3" name="Zástupný objekt pre obsah 2">
+            <a:extLst>
+              <a:ext uri="{FF2B5EF4-FFF2-40B4-BE49-F238E27FC236}">
+                <a16:creationId xmlns:a16="http://schemas.microsoft.com/office/drawing/2014/main" id="{9ADBF6E8-6FC0-4B6B-B5FA-6EA7A9DC3B68}"/>
+              </a:ext>
+            </a:extLst>
+          </p:cNvPr>
+          <p:cNvSpPr>
+            <a:spLocks noGrp="1"/>
+          </p:cNvSpPr>
+          <p:nvPr>
+            <p:ph idx="1"/>
+          </p:nvPr>
+        </p:nvSpPr>
+        <p:spPr/>
+        <p:txBody>
+          <a:bodyPr/>
+          <a:lstStyle/>
+          <a:p>
+            <a:endParaRPr lang="sk-SK"/>
+          </a:p>
+        </p:txBody>
+      </p:sp>
+    </p:spTree>
+    <p:extLst>
+      <p:ext uri="{BB962C8B-B14F-4D97-AF65-F5344CB8AC3E}">
+        <p14:creationId xmlns:p14="http://schemas.microsoft.com/office/powerpoint/2010/main" val="377708743"/>
+      </p:ext>
+    </p:extLst>
+  </p:cSld>
+  <p:clrMapOvr>
+    <a:masterClrMapping/>
+  </p:clrMapOvr>
+</p:sld>
+</file>
+
+<file path=ppt/slides/slide24.xml><?xml version="1.0" encoding="utf-8"?>
+<p:sld xmlns:a="http://schemas.openxmlformats.org/drawingml/2006/main" xmlns:r="http://schemas.openxmlformats.org/officeDocument/2006/relationships" xmlns:p="http://schemas.openxmlformats.org/presentationml/2006/main">
+  <p:cSld>
+    <p:spTree>
+      <p:nvGrpSpPr>
+        <p:cNvPr id="1" name=""/>
+        <p:cNvGrpSpPr/>
+        <p:nvPr/>
+      </p:nvGrpSpPr>
+      <p:grpSpPr>
+        <a:xfrm>
+          <a:off x="0" y="0"/>
+          <a:ext cx="0" cy="0"/>
+          <a:chOff x="0" y="0"/>
+          <a:chExt cx="0" cy="0"/>
+        </a:xfrm>
+      </p:grpSpPr>
+      <p:sp>
+        <p:nvSpPr>
+          <p:cNvPr id="2" name="Nadpis 1">
+            <a:extLst>
+              <a:ext uri="{FF2B5EF4-FFF2-40B4-BE49-F238E27FC236}">
+                <a16:creationId xmlns:a16="http://schemas.microsoft.com/office/drawing/2014/main" id="{6C9BEA93-655C-4A0C-843D-138FFC13FC05}"/>
+              </a:ext>
+            </a:extLst>
+          </p:cNvPr>
+          <p:cNvSpPr>
+            <a:spLocks noGrp="1"/>
+          </p:cNvSpPr>
+          <p:nvPr>
+            <p:ph type="title"/>
+          </p:nvPr>
+        </p:nvSpPr>
+        <p:spPr/>
+        <p:txBody>
+          <a:bodyPr/>
+          <a:lstStyle/>
+          <a:p>
+            <a:r>
+              <a:rPr lang="sk-SK" dirty="0"/>
+              <a:t>Matematické modely</a:t>
+            </a:r>
+          </a:p>
+        </p:txBody>
+      </p:sp>
+      <p:sp>
+        <p:nvSpPr>
+          <p:cNvPr id="3" name="Zástupný objekt pre obsah 2">
+            <a:extLst>
+              <a:ext uri="{FF2B5EF4-FFF2-40B4-BE49-F238E27FC236}">
+                <a16:creationId xmlns:a16="http://schemas.microsoft.com/office/drawing/2014/main" id="{1EBF287F-BD79-4AE2-9FCF-D3E36269E5AD}"/>
+              </a:ext>
+            </a:extLst>
+          </p:cNvPr>
+          <p:cNvSpPr>
+            <a:spLocks noGrp="1"/>
+          </p:cNvSpPr>
+          <p:nvPr>
+            <p:ph idx="1"/>
+          </p:nvPr>
+        </p:nvSpPr>
+        <p:spPr/>
+        <p:txBody>
+          <a:bodyPr/>
+          <a:lstStyle/>
+          <a:p>
+            <a:r>
+              <a:rPr lang="sk-SK" dirty="0"/>
+              <a:t>Percentuálne podiely hodnôt: x = (</a:t>
+            </a:r>
+            <a:r>
+              <a:rPr lang="sk-SK" dirty="0" err="1"/>
+              <a:t>count</a:t>
+            </a:r>
+            <a:r>
+              <a:rPr lang="sk-SK" dirty="0"/>
+              <a:t>/</a:t>
+            </a:r>
+            <a:r>
+              <a:rPr lang="sk-SK" dirty="0" err="1"/>
+              <a:t>sum</a:t>
+            </a:r>
+            <a:r>
+              <a:rPr lang="sk-SK" dirty="0"/>
+              <a:t>)*100</a:t>
+            </a:r>
+          </a:p>
+          <a:p>
+            <a:r>
+              <a:rPr lang="sk-SK" dirty="0"/>
+              <a:t>Normálová distribúcia: </a:t>
+            </a:r>
+          </a:p>
+          <a:p>
+            <a:r>
+              <a:rPr lang="sk-SK" dirty="0"/>
+              <a:t>f1_score: </a:t>
+            </a:r>
+            <a:r>
+              <a:rPr lang="en-US" dirty="0"/>
+              <a:t>F1 = 2 * (precision * recall) / (precision + recall)</a:t>
+            </a:r>
+            <a:endParaRPr lang="sk-SK" dirty="0"/>
+          </a:p>
+          <a:p>
+            <a:r>
+              <a:rPr lang="sk-SK" dirty="0" err="1"/>
+              <a:t>Precision_score</a:t>
+            </a:r>
+            <a:r>
+              <a:rPr lang="sk-SK" dirty="0"/>
+              <a:t>: Ps = </a:t>
+            </a:r>
+            <a:r>
+              <a:rPr lang="sk-SK" dirty="0" err="1"/>
+              <a:t>tp</a:t>
+            </a:r>
+            <a:r>
+              <a:rPr lang="sk-SK" dirty="0"/>
+              <a:t> / (</a:t>
+            </a:r>
+            <a:r>
+              <a:rPr lang="sk-SK" dirty="0" err="1"/>
+              <a:t>tp</a:t>
+            </a:r>
+            <a:r>
+              <a:rPr lang="sk-SK" dirty="0"/>
+              <a:t> + </a:t>
+            </a:r>
+            <a:r>
+              <a:rPr lang="sk-SK" dirty="0" err="1"/>
+              <a:t>fp</a:t>
+            </a:r>
+            <a:r>
+              <a:rPr lang="sk-SK" dirty="0"/>
+              <a:t>)</a:t>
+            </a:r>
+          </a:p>
+          <a:p>
+            <a:r>
+              <a:rPr lang="sk-SK" dirty="0" err="1"/>
+              <a:t>Recall_score</a:t>
+            </a:r>
+            <a:r>
+              <a:rPr lang="sk-SK" dirty="0"/>
+              <a:t>: </a:t>
+            </a:r>
+            <a:r>
+              <a:rPr lang="sk-SK" dirty="0" err="1"/>
+              <a:t>Rs</a:t>
+            </a:r>
+            <a:r>
+              <a:rPr lang="sk-SK" dirty="0"/>
+              <a:t> = </a:t>
+            </a:r>
+            <a:r>
+              <a:rPr lang="sk-SK" dirty="0" err="1"/>
+              <a:t>tp</a:t>
+            </a:r>
+            <a:r>
+              <a:rPr lang="sk-SK" dirty="0"/>
+              <a:t> / (</a:t>
+            </a:r>
+            <a:r>
+              <a:rPr lang="sk-SK" dirty="0" err="1"/>
+              <a:t>tp</a:t>
+            </a:r>
+            <a:r>
+              <a:rPr lang="sk-SK" dirty="0"/>
+              <a:t> + </a:t>
+            </a:r>
+            <a:r>
+              <a:rPr lang="sk-SK" dirty="0" err="1"/>
+              <a:t>fn</a:t>
+            </a:r>
+            <a:r>
+              <a:rPr lang="sk-SK" dirty="0"/>
+              <a:t>)</a:t>
+            </a:r>
+          </a:p>
+          <a:p>
+            <a:r>
+              <a:rPr lang="sk-SK" dirty="0" err="1"/>
+              <a:t>Dense</a:t>
+            </a:r>
+            <a:r>
+              <a:rPr lang="sk-SK" dirty="0"/>
+              <a:t>: output = </a:t>
+            </a:r>
+            <a:r>
+              <a:rPr lang="sk-SK" dirty="0" err="1"/>
+              <a:t>activation</a:t>
+            </a:r>
+            <a:r>
+              <a:rPr lang="sk-SK" dirty="0"/>
+              <a:t>(</a:t>
+            </a:r>
+            <a:r>
+              <a:rPr lang="sk-SK" dirty="0" err="1"/>
+              <a:t>dot</a:t>
+            </a:r>
+            <a:r>
+              <a:rPr lang="sk-SK" dirty="0"/>
+              <a:t>(</a:t>
+            </a:r>
+            <a:r>
+              <a:rPr lang="sk-SK" dirty="0" err="1"/>
+              <a:t>input</a:t>
+            </a:r>
+            <a:r>
+              <a:rPr lang="sk-SK" dirty="0"/>
+              <a:t>, </a:t>
+            </a:r>
+            <a:r>
+              <a:rPr lang="sk-SK" dirty="0" err="1"/>
+              <a:t>kernel</a:t>
+            </a:r>
+            <a:r>
+              <a:rPr lang="sk-SK" dirty="0"/>
+              <a:t>) + </a:t>
+            </a:r>
+            <a:r>
+              <a:rPr lang="sk-SK" dirty="0" err="1"/>
+              <a:t>bias</a:t>
+            </a:r>
+            <a:r>
+              <a:rPr lang="sk-SK" dirty="0"/>
+              <a:t>)</a:t>
+            </a:r>
+          </a:p>
+          <a:p>
+            <a:r>
+              <a:rPr lang="sk-SK" dirty="0" err="1"/>
+              <a:t>StandardScaler</a:t>
+            </a:r>
+            <a:r>
+              <a:rPr lang="sk-SK" dirty="0"/>
+              <a:t>: z = (x - u) / s</a:t>
+            </a:r>
+          </a:p>
+        </p:txBody>
+      </p:sp>
+    </p:spTree>
+    <p:extLst>
+      <p:ext uri="{BB962C8B-B14F-4D97-AF65-F5344CB8AC3E}">
+        <p14:creationId xmlns:p14="http://schemas.microsoft.com/office/powerpoint/2010/main" val="1241328556"/>
+      </p:ext>
+    </p:extLst>
+  </p:cSld>
+  <p:clrMapOvr>
+    <a:masterClrMapping/>
+  </p:clrMapOvr>
+</p:sld>
+</file>
+
+<file path=ppt/slides/slide25.xml><?xml version="1.0" encoding="utf-8"?>
+<p:sld xmlns:a="http://schemas.openxmlformats.org/drawingml/2006/main" xmlns:r="http://schemas.openxmlformats.org/officeDocument/2006/relationships" xmlns:p="http://schemas.openxmlformats.org/presentationml/2006/main">
+  <p:cSld>
+    <p:spTree>
+      <p:nvGrpSpPr>
+        <p:cNvPr id="1" name=""/>
+        <p:cNvGrpSpPr/>
+        <p:nvPr/>
+      </p:nvGrpSpPr>
+      <p:grpSpPr>
+        <a:xfrm>
+          <a:off x="0" y="0"/>
+          <a:ext cx="0" cy="0"/>
+          <a:chOff x="0" y="0"/>
+          <a:chExt cx="0" cy="0"/>
+        </a:xfrm>
+      </p:grpSpPr>
+      <p:sp>
+        <p:nvSpPr>
+          <p:cNvPr id="2" name="Nadpis 1">
+            <a:extLst>
+              <a:ext uri="{FF2B5EF4-FFF2-40B4-BE49-F238E27FC236}">
+                <a16:creationId xmlns:a16="http://schemas.microsoft.com/office/drawing/2014/main" id="{0AE69F46-84BA-4F2D-8DA1-BE5CF30B42F7}"/>
+              </a:ext>
+            </a:extLst>
+          </p:cNvPr>
+          <p:cNvSpPr>
+            <a:spLocks noGrp="1"/>
+          </p:cNvSpPr>
+          <p:nvPr>
+            <p:ph type="title"/>
+          </p:nvPr>
+        </p:nvSpPr>
+        <p:spPr/>
+        <p:txBody>
+          <a:bodyPr/>
+          <a:lstStyle/>
+          <a:p>
+            <a:r>
+              <a:rPr lang="sk-SK" dirty="0"/>
+              <a:t>Vysvetlivky</a:t>
+            </a:r>
+          </a:p>
+        </p:txBody>
+      </p:sp>
+      <p:sp>
+        <p:nvSpPr>
+          <p:cNvPr id="3" name="Zástupný objekt pre obsah 2">
+            <a:extLst>
+              <a:ext uri="{FF2B5EF4-FFF2-40B4-BE49-F238E27FC236}">
+                <a16:creationId xmlns:a16="http://schemas.microsoft.com/office/drawing/2014/main" id="{4D851842-9502-414E-88E0-A267C38FD9B6}"/>
+              </a:ext>
+            </a:extLst>
+          </p:cNvPr>
+          <p:cNvSpPr>
+            <a:spLocks noGrp="1"/>
+          </p:cNvSpPr>
+          <p:nvPr>
+            <p:ph idx="1"/>
+          </p:nvPr>
+        </p:nvSpPr>
+        <p:spPr/>
+        <p:txBody>
+          <a:bodyPr/>
+          <a:lstStyle/>
+          <a:p>
+            <a:r>
+              <a:rPr lang="sk-SK" dirty="0" err="1"/>
+              <a:t>Count</a:t>
+            </a:r>
+            <a:r>
+              <a:rPr lang="sk-SK" dirty="0"/>
+              <a:t> – počet hodnôt jednotlivých kategórií (počet 0 a 1) v triede</a:t>
+            </a:r>
+          </a:p>
+          <a:p>
+            <a:r>
+              <a:rPr lang="sk-SK" dirty="0" err="1"/>
+              <a:t>Sum</a:t>
+            </a:r>
+            <a:r>
+              <a:rPr lang="sk-SK" dirty="0"/>
+              <a:t> – celkový počet všetkých hodnôt v triede</a:t>
+            </a:r>
+          </a:p>
+          <a:p>
+            <a:r>
+              <a:rPr lang="sk-SK" dirty="0" err="1"/>
+              <a:t>Precision</a:t>
+            </a:r>
+            <a:r>
+              <a:rPr lang="sk-SK" dirty="0"/>
+              <a:t> -</a:t>
+            </a:r>
+          </a:p>
+          <a:p>
+            <a:r>
+              <a:rPr lang="sk-SK" dirty="0" err="1"/>
+              <a:t>Recall</a:t>
+            </a:r>
+            <a:r>
+              <a:rPr lang="sk-SK" dirty="0"/>
+              <a:t> - </a:t>
+            </a:r>
+          </a:p>
+          <a:p>
+            <a:r>
+              <a:rPr lang="sk-SK" dirty="0" err="1"/>
+              <a:t>Tp</a:t>
+            </a:r>
+            <a:r>
+              <a:rPr lang="sk-SK" dirty="0"/>
+              <a:t> – </a:t>
+            </a:r>
+            <a:r>
+              <a:rPr lang="sk-SK" dirty="0" err="1"/>
+              <a:t>True</a:t>
+            </a:r>
+            <a:r>
+              <a:rPr lang="sk-SK" dirty="0"/>
+              <a:t> </a:t>
+            </a:r>
+            <a:r>
+              <a:rPr lang="sk-SK" dirty="0" err="1"/>
+              <a:t>positive</a:t>
+            </a:r>
+            <a:r>
+              <a:rPr lang="sk-SK" dirty="0"/>
+              <a:t> – počet správne odhadnutých kladných hodnôt</a:t>
+            </a:r>
+          </a:p>
+          <a:p>
+            <a:r>
+              <a:rPr lang="sk-SK" dirty="0" err="1"/>
+              <a:t>Fp</a:t>
+            </a:r>
+            <a:r>
+              <a:rPr lang="sk-SK" dirty="0"/>
+              <a:t> – </a:t>
+            </a:r>
+            <a:r>
+              <a:rPr lang="sk-SK" dirty="0" err="1"/>
+              <a:t>False</a:t>
+            </a:r>
+            <a:r>
+              <a:rPr lang="sk-SK" dirty="0"/>
+              <a:t> </a:t>
+            </a:r>
+            <a:r>
+              <a:rPr lang="sk-SK" dirty="0" err="1"/>
+              <a:t>positive</a:t>
+            </a:r>
+            <a:r>
+              <a:rPr lang="sk-SK" dirty="0"/>
+              <a:t> – počet nesprávne odhadnutých kladných hodnôt</a:t>
+            </a:r>
+          </a:p>
+          <a:p>
+            <a:r>
+              <a:rPr lang="sk-SK" dirty="0" err="1"/>
+              <a:t>Fn</a:t>
+            </a:r>
+            <a:r>
+              <a:rPr lang="sk-SK" dirty="0"/>
+              <a:t> – </a:t>
+            </a:r>
+            <a:r>
+              <a:rPr lang="sk-SK" dirty="0" err="1"/>
+              <a:t>False</a:t>
+            </a:r>
+            <a:r>
+              <a:rPr lang="sk-SK" dirty="0"/>
+              <a:t> </a:t>
+            </a:r>
+            <a:r>
+              <a:rPr lang="sk-SK" dirty="0" err="1"/>
+              <a:t>negative</a:t>
+            </a:r>
+            <a:r>
+              <a:rPr lang="sk-SK" dirty="0"/>
+              <a:t> – počet nesprávne odhadnutých záporných hodnôt</a:t>
+            </a:r>
+          </a:p>
+          <a:p>
+            <a:endParaRPr lang="sk-SK" dirty="0"/>
+          </a:p>
+        </p:txBody>
+      </p:sp>
+    </p:spTree>
+    <p:extLst>
+      <p:ext uri="{BB962C8B-B14F-4D97-AF65-F5344CB8AC3E}">
+        <p14:creationId xmlns:p14="http://schemas.microsoft.com/office/powerpoint/2010/main" val="3503467508"/>
+      </p:ext>
+    </p:extLst>
+  </p:cSld>
+  <p:clrMapOvr>
+    <a:masterClrMapping/>
+  </p:clrMapOvr>
+</p:sld>
+</file>
+
+<file path=ppt/slides/slide26.xml><?xml version="1.0" encoding="utf-8"?>
+<p:sld xmlns:a="http://schemas.openxmlformats.org/drawingml/2006/main" xmlns:r="http://schemas.openxmlformats.org/officeDocument/2006/relationships" xmlns:p="http://schemas.openxmlformats.org/presentationml/2006/main">
+  <p:cSld>
+    <p:spTree>
+      <p:nvGrpSpPr>
+        <p:cNvPr id="1" name=""/>
+        <p:cNvGrpSpPr/>
+        <p:nvPr/>
+      </p:nvGrpSpPr>
+      <p:grpSpPr>
+        <a:xfrm>
+          <a:off x="0" y="0"/>
+          <a:ext cx="0" cy="0"/>
+          <a:chOff x="0" y="0"/>
+          <a:chExt cx="0" cy="0"/>
+        </a:xfrm>
+      </p:grpSpPr>
+      <p:sp>
+        <p:nvSpPr>
           <p:cNvPr id="3" name="Zástupný objekt pre obsah 2">
             <a:extLst>
               <a:ext uri="{FF2B5EF4-FFF2-40B4-BE49-F238E27FC236}">
@@ -4989,7 +5613,7 @@
 </p:sld>
 </file>
 
-<file path=ppt/slides/slide23.xml><?xml version="1.0" encoding="utf-8"?>
+<file path=ppt/slides/slide27.xml><?xml version="1.0" encoding="utf-8"?>
 <p:sld xmlns:a="http://schemas.openxmlformats.org/drawingml/2006/main" xmlns:r="http://schemas.openxmlformats.org/officeDocument/2006/relationships" xmlns:p="http://schemas.openxmlformats.org/presentationml/2006/main">
   <p:cSld>
     <p:spTree>

--- a/Vanko Martin Predikcia zlyhania srdca.pptx
+++ b/Vanko Martin Predikcia zlyhania srdca.pptx
@@ -9,29 +9,27 @@
     <p:sldId id="260" r:id="rId3"/>
     <p:sldId id="257" r:id="rId4"/>
     <p:sldId id="258" r:id="rId5"/>
-    <p:sldId id="261" r:id="rId6"/>
-    <p:sldId id="262" r:id="rId7"/>
+    <p:sldId id="283" r:id="rId6"/>
+    <p:sldId id="261" r:id="rId7"/>
     <p:sldId id="263" r:id="rId8"/>
-    <p:sldId id="264" r:id="rId9"/>
-    <p:sldId id="265" r:id="rId10"/>
-    <p:sldId id="273" r:id="rId11"/>
-    <p:sldId id="274" r:id="rId12"/>
-    <p:sldId id="275" r:id="rId13"/>
-    <p:sldId id="276" r:id="rId14"/>
-    <p:sldId id="277" r:id="rId15"/>
-    <p:sldId id="266" r:id="rId16"/>
-    <p:sldId id="267" r:id="rId17"/>
-    <p:sldId id="268" r:id="rId18"/>
-    <p:sldId id="269" r:id="rId19"/>
-    <p:sldId id="270" r:id="rId20"/>
-    <p:sldId id="271" r:id="rId21"/>
-    <p:sldId id="280" r:id="rId22"/>
-    <p:sldId id="281" r:id="rId23"/>
-    <p:sldId id="282" r:id="rId24"/>
-    <p:sldId id="272" r:id="rId25"/>
-    <p:sldId id="279" r:id="rId26"/>
-    <p:sldId id="259" r:id="rId27"/>
-    <p:sldId id="278" r:id="rId28"/>
+    <p:sldId id="265" r:id="rId9"/>
+    <p:sldId id="273" r:id="rId10"/>
+    <p:sldId id="274" r:id="rId11"/>
+    <p:sldId id="275" r:id="rId12"/>
+    <p:sldId id="276" r:id="rId13"/>
+    <p:sldId id="277" r:id="rId14"/>
+    <p:sldId id="267" r:id="rId15"/>
+    <p:sldId id="268" r:id="rId16"/>
+    <p:sldId id="269" r:id="rId17"/>
+    <p:sldId id="280" r:id="rId18"/>
+    <p:sldId id="281" r:id="rId19"/>
+    <p:sldId id="282" r:id="rId20"/>
+    <p:sldId id="284" r:id="rId21"/>
+    <p:sldId id="285" r:id="rId22"/>
+    <p:sldId id="272" r:id="rId23"/>
+    <p:sldId id="279" r:id="rId24"/>
+    <p:sldId id="259" r:id="rId25"/>
+    <p:sldId id="278" r:id="rId26"/>
   </p:sldIdLst>
   <p:sldSz cx="12192000" cy="6858000"/>
   <p:notesSz cx="6858000" cy="9144000"/>
@@ -306,7 +304,7 @@
           <a:p>
             <a:fld id="{D6558542-6885-4348-8962-46B0F24B88CC}" type="datetimeFigureOut">
               <a:rPr lang="sk-SK" smtClean="0"/>
-              <a:t>5. 5. 2021</a:t>
+              <a:t>6. 5. 2021</a:t>
             </a:fld>
             <a:endParaRPr lang="sk-SK"/>
           </a:p>
@@ -534,7 +532,7 @@
           <a:p>
             <a:fld id="{D6558542-6885-4348-8962-46B0F24B88CC}" type="datetimeFigureOut">
               <a:rPr lang="sk-SK" smtClean="0"/>
-              <a:t>5. 5. 2021</a:t>
+              <a:t>6. 5. 2021</a:t>
             </a:fld>
             <a:endParaRPr lang="sk-SK"/>
           </a:p>
@@ -714,7 +712,7 @@
           <a:p>
             <a:fld id="{D6558542-6885-4348-8962-46B0F24B88CC}" type="datetimeFigureOut">
               <a:rPr lang="sk-SK" smtClean="0"/>
-              <a:t>5. 5. 2021</a:t>
+              <a:t>6. 5. 2021</a:t>
             </a:fld>
             <a:endParaRPr lang="sk-SK"/>
           </a:p>
@@ -884,7 +882,7 @@
           <a:p>
             <a:fld id="{D6558542-6885-4348-8962-46B0F24B88CC}" type="datetimeFigureOut">
               <a:rPr lang="sk-SK" smtClean="0"/>
-              <a:t>5. 5. 2021</a:t>
+              <a:t>6. 5. 2021</a:t>
             </a:fld>
             <a:endParaRPr lang="sk-SK"/>
           </a:p>
@@ -1138,7 +1136,7 @@
           <a:p>
             <a:fld id="{D6558542-6885-4348-8962-46B0F24B88CC}" type="datetimeFigureOut">
               <a:rPr lang="sk-SK" smtClean="0"/>
-              <a:t>5. 5. 2021</a:t>
+              <a:t>6. 5. 2021</a:t>
             </a:fld>
             <a:endParaRPr lang="sk-SK"/>
           </a:p>
@@ -1464,7 +1462,7 @@
           <a:p>
             <a:fld id="{D6558542-6885-4348-8962-46B0F24B88CC}" type="datetimeFigureOut">
               <a:rPr lang="sk-SK" smtClean="0"/>
-              <a:t>5. 5. 2021</a:t>
+              <a:t>6. 5. 2021</a:t>
             </a:fld>
             <a:endParaRPr lang="sk-SK"/>
           </a:p>
@@ -1915,7 +1913,7 @@
           <a:p>
             <a:fld id="{D6558542-6885-4348-8962-46B0F24B88CC}" type="datetimeFigureOut">
               <a:rPr lang="sk-SK" smtClean="0"/>
-              <a:t>5. 5. 2021</a:t>
+              <a:t>6. 5. 2021</a:t>
             </a:fld>
             <a:endParaRPr lang="sk-SK"/>
           </a:p>
@@ -2033,7 +2031,7 @@
           <a:p>
             <a:fld id="{D6558542-6885-4348-8962-46B0F24B88CC}" type="datetimeFigureOut">
               <a:rPr lang="sk-SK" smtClean="0"/>
-              <a:t>5. 5. 2021</a:t>
+              <a:t>6. 5. 2021</a:t>
             </a:fld>
             <a:endParaRPr lang="sk-SK"/>
           </a:p>
@@ -2128,7 +2126,7 @@
           <a:p>
             <a:fld id="{D6558542-6885-4348-8962-46B0F24B88CC}" type="datetimeFigureOut">
               <a:rPr lang="sk-SK" smtClean="0"/>
-              <a:t>5. 5. 2021</a:t>
+              <a:t>6. 5. 2021</a:t>
             </a:fld>
             <a:endParaRPr lang="sk-SK"/>
           </a:p>
@@ -2415,7 +2413,7 @@
           <a:p>
             <a:fld id="{D6558542-6885-4348-8962-46B0F24B88CC}" type="datetimeFigureOut">
               <a:rPr lang="sk-SK" smtClean="0"/>
-              <a:t>5. 5. 2021</a:t>
+              <a:t>6. 5. 2021</a:t>
             </a:fld>
             <a:endParaRPr lang="sk-SK"/>
           </a:p>
@@ -2740,7 +2738,7 @@
           <a:p>
             <a:fld id="{D6558542-6885-4348-8962-46B0F24B88CC}" type="datetimeFigureOut">
               <a:rPr lang="sk-SK" smtClean="0"/>
-              <a:t>5. 5. 2021</a:t>
+              <a:t>6. 5. 2021</a:t>
             </a:fld>
             <a:endParaRPr lang="sk-SK"/>
           </a:p>
@@ -2994,7 +2992,7 @@
           <a:p>
             <a:fld id="{D6558542-6885-4348-8962-46B0F24B88CC}" type="datetimeFigureOut">
               <a:rPr lang="sk-SK" smtClean="0"/>
-              <a:t>5. 5. 2021</a:t>
+              <a:t>6. 5. 2021</a:t>
             </a:fld>
             <a:endParaRPr lang="sk-SK"/>
           </a:p>
@@ -3573,129 +3571,6 @@
           <p:cNvPr id="2" name="Nadpis 1">
             <a:extLst>
               <a:ext uri="{FF2B5EF4-FFF2-40B4-BE49-F238E27FC236}">
-                <a16:creationId xmlns:a16="http://schemas.microsoft.com/office/drawing/2014/main" id="{5F013DF0-133A-4CD2-8CF0-7D47E817A283}"/>
-              </a:ext>
-            </a:extLst>
-          </p:cNvPr>
-          <p:cNvSpPr>
-            <a:spLocks noGrp="1"/>
-          </p:cNvSpPr>
-          <p:nvPr>
-            <p:ph type="title"/>
-          </p:nvPr>
-        </p:nvSpPr>
-        <p:spPr/>
-        <p:txBody>
-          <a:bodyPr/>
-          <a:lstStyle/>
-          <a:p>
-            <a:r>
-              <a:rPr lang="sk-SK" dirty="0"/>
-              <a:t>Vizualizácia dát: Pohlavie-Úmrtie</a:t>
-            </a:r>
-          </a:p>
-        </p:txBody>
-      </p:sp>
-      <p:pic>
-        <p:nvPicPr>
-          <p:cNvPr id="5" name="Obrázok 4">
-            <a:extLst>
-              <a:ext uri="{FF2B5EF4-FFF2-40B4-BE49-F238E27FC236}">
-                <a16:creationId xmlns:a16="http://schemas.microsoft.com/office/drawing/2014/main" id="{C9EA3971-B19D-4F7A-B40D-5768160CF160}"/>
-              </a:ext>
-            </a:extLst>
-          </p:cNvPr>
-          <p:cNvPicPr>
-            <a:picLocks noChangeAspect="1"/>
-          </p:cNvPicPr>
-          <p:nvPr/>
-        </p:nvPicPr>
-        <p:blipFill>
-          <a:blip r:embed="rId2"/>
-          <a:stretch>
-            <a:fillRect/>
-          </a:stretch>
-        </p:blipFill>
-        <p:spPr>
-          <a:xfrm>
-            <a:off x="710167" y="1879416"/>
-            <a:ext cx="5201376" cy="4105848"/>
-          </a:xfrm>
-          <a:prstGeom prst="rect">
-            <a:avLst/>
-          </a:prstGeom>
-        </p:spPr>
-      </p:pic>
-      <p:sp>
-        <p:nvSpPr>
-          <p:cNvPr id="6" name="BlokTextu 5">
-            <a:extLst>
-              <a:ext uri="{FF2B5EF4-FFF2-40B4-BE49-F238E27FC236}">
-                <a16:creationId xmlns:a16="http://schemas.microsoft.com/office/drawing/2014/main" id="{947EED39-3756-43CF-828D-4A44FCA2E9B3}"/>
-              </a:ext>
-            </a:extLst>
-          </p:cNvPr>
-          <p:cNvSpPr txBox="1"/>
-          <p:nvPr/>
-        </p:nvSpPr>
-        <p:spPr>
-          <a:xfrm>
-            <a:off x="6390968" y="2054942"/>
-            <a:ext cx="4100051" cy="646331"/>
-          </a:xfrm>
-          <a:prstGeom prst="rect">
-            <a:avLst/>
-          </a:prstGeom>
-          <a:noFill/>
-        </p:spPr>
-        <p:txBody>
-          <a:bodyPr wrap="square" rtlCol="0">
-            <a:spAutoFit/>
-          </a:bodyPr>
-          <a:lstStyle/>
-          <a:p>
-            <a:r>
-              <a:rPr lang="sk-SK" dirty="0"/>
-              <a:t>Z grafu vyplýva, že väčšina pacientov, ktorý zomreli boli muži. </a:t>
-            </a:r>
-          </a:p>
-        </p:txBody>
-      </p:sp>
-    </p:spTree>
-    <p:extLst>
-      <p:ext uri="{BB962C8B-B14F-4D97-AF65-F5344CB8AC3E}">
-        <p14:creationId xmlns:p14="http://schemas.microsoft.com/office/powerpoint/2010/main" val="564796745"/>
-      </p:ext>
-    </p:extLst>
-  </p:cSld>
-  <p:clrMapOvr>
-    <a:masterClrMapping/>
-  </p:clrMapOvr>
-</p:sld>
-</file>
-
-<file path=ppt/slides/slide11.xml><?xml version="1.0" encoding="utf-8"?>
-<p:sld xmlns:a="http://schemas.openxmlformats.org/drawingml/2006/main" xmlns:r="http://schemas.openxmlformats.org/officeDocument/2006/relationships" xmlns:p="http://schemas.openxmlformats.org/presentationml/2006/main">
-  <p:cSld>
-    <p:spTree>
-      <p:nvGrpSpPr>
-        <p:cNvPr id="1" name=""/>
-        <p:cNvGrpSpPr/>
-        <p:nvPr/>
-      </p:nvGrpSpPr>
-      <p:grpSpPr>
-        <a:xfrm>
-          <a:off x="0" y="0"/>
-          <a:ext cx="0" cy="0"/>
-          <a:chOff x="0" y="0"/>
-          <a:chExt cx="0" cy="0"/>
-        </a:xfrm>
-      </p:grpSpPr>
-      <p:sp>
-        <p:nvSpPr>
-          <p:cNvPr id="2" name="Nadpis 1">
-            <a:extLst>
-              <a:ext uri="{FF2B5EF4-FFF2-40B4-BE49-F238E27FC236}">
                 <a16:creationId xmlns:a16="http://schemas.microsoft.com/office/drawing/2014/main" id="{53564A4D-22DB-408B-8A3A-6E5D1A09451A}"/>
               </a:ext>
             </a:extLst>
@@ -3772,7 +3647,7 @@
         <p:spPr>
           <a:xfrm>
             <a:off x="6390968" y="2054942"/>
-            <a:ext cx="4100051" cy="923330"/>
+            <a:ext cx="4100051" cy="646331"/>
           </a:xfrm>
           <a:prstGeom prst="rect">
             <a:avLst/>
@@ -3787,11 +3662,11 @@
           <a:p>
             <a:r>
               <a:rPr lang="sk-SK" dirty="0"/>
-              <a:t>Z grafu vyplýva, že väčšina pacientov, ktorý zomreli netrpela </a:t>
+              <a:t>Väčšina pacientov, ktorý zomreli neboli </a:t>
             </a:r>
             <a:r>
               <a:rPr lang="sk-SK" dirty="0" err="1"/>
-              <a:t>chudokrvnosťou</a:t>
+              <a:t>chudokrvný</a:t>
             </a:r>
             <a:r>
               <a:rPr lang="sk-SK" dirty="0"/>
@@ -3813,7 +3688,7 @@
 </p:sld>
 </file>
 
-<file path=ppt/slides/slide12.xml><?xml version="1.0" encoding="utf-8"?>
+<file path=ppt/slides/slide11.xml><?xml version="1.0" encoding="utf-8"?>
 <p:sld xmlns:a="http://schemas.openxmlformats.org/drawingml/2006/main" xmlns:r="http://schemas.openxmlformats.org/officeDocument/2006/relationships" xmlns:p="http://schemas.openxmlformats.org/presentationml/2006/main">
   <p:cSld>
     <p:spTree>
@@ -3903,7 +3778,7 @@
         <p:spPr>
           <a:xfrm>
             <a:off x="6390968" y="2054942"/>
-            <a:ext cx="4100051" cy="923330"/>
+            <a:ext cx="4100051" cy="646331"/>
           </a:xfrm>
           <a:prstGeom prst="rect">
             <a:avLst/>
@@ -3918,7 +3793,7 @@
           <a:p>
             <a:r>
               <a:rPr lang="sk-SK" dirty="0"/>
-              <a:t>Z grafu vyplýva, že väčšina pacientov, ktorý zomreli neboli diabetici. </a:t>
+              <a:t>Väčšina pacientov, ktorý zomreli neboli diabetici. </a:t>
             </a:r>
           </a:p>
         </p:txBody>
@@ -3936,7 +3811,7 @@
 </p:sld>
 </file>
 
-<file path=ppt/slides/slide13.xml><?xml version="1.0" encoding="utf-8"?>
+<file path=ppt/slides/slide12.xml><?xml version="1.0" encoding="utf-8"?>
 <p:sld xmlns:a="http://schemas.openxmlformats.org/drawingml/2006/main" xmlns:r="http://schemas.openxmlformats.org/officeDocument/2006/relationships" xmlns:p="http://schemas.openxmlformats.org/presentationml/2006/main">
   <p:cSld>
     <p:spTree>
@@ -4026,7 +3901,7 @@
         <p:spPr>
           <a:xfrm>
             <a:off x="6390968" y="2054942"/>
-            <a:ext cx="4100051" cy="923330"/>
+            <a:ext cx="4100051" cy="646331"/>
           </a:xfrm>
           <a:prstGeom prst="rect">
             <a:avLst/>
@@ -4041,7 +3916,7 @@
           <a:p>
             <a:r>
               <a:rPr lang="sk-SK" dirty="0"/>
-              <a:t>Z grafu vyplýva, že väčšina pacientov, ktorý zomreli nemali vysoký krvný tlak. </a:t>
+              <a:t>Väčšina pacientov, ktorý zomreli nemali vysoký krvný tlak. </a:t>
             </a:r>
           </a:p>
         </p:txBody>
@@ -4059,7 +3934,7 @@
 </p:sld>
 </file>
 
-<file path=ppt/slides/slide14.xml><?xml version="1.0" encoding="utf-8"?>
+<file path=ppt/slides/slide13.xml><?xml version="1.0" encoding="utf-8"?>
 <p:sld xmlns:a="http://schemas.openxmlformats.org/drawingml/2006/main" xmlns:r="http://schemas.openxmlformats.org/officeDocument/2006/relationships" xmlns:p="http://schemas.openxmlformats.org/presentationml/2006/main">
   <p:cSld>
     <p:spTree>
@@ -4149,7 +4024,7 @@
         <p:spPr>
           <a:xfrm>
             <a:off x="6390968" y="2054942"/>
-            <a:ext cx="4100051" cy="923330"/>
+            <a:ext cx="4100051" cy="646331"/>
           </a:xfrm>
           <a:prstGeom prst="rect">
             <a:avLst/>
@@ -4164,7 +4039,7 @@
           <a:p>
             <a:r>
               <a:rPr lang="sk-SK" dirty="0"/>
-              <a:t>Z grafu vyplýva, že väčšina pacientov, ktorý zomreli neboli fajčiari. </a:t>
+              <a:t>Väčšina pacientov, ktorý zomreli neboli fajčiari. </a:t>
             </a:r>
           </a:p>
         </p:txBody>
@@ -4173,6 +4048,169 @@
     <p:extLst>
       <p:ext uri="{BB962C8B-B14F-4D97-AF65-F5344CB8AC3E}">
         <p14:creationId xmlns:p14="http://schemas.microsoft.com/office/powerpoint/2010/main" val="2909821456"/>
+      </p:ext>
+    </p:extLst>
+  </p:cSld>
+  <p:clrMapOvr>
+    <a:masterClrMapping/>
+  </p:clrMapOvr>
+</p:sld>
+</file>
+
+<file path=ppt/slides/slide14.xml><?xml version="1.0" encoding="utf-8"?>
+<p:sld xmlns:a="http://schemas.openxmlformats.org/drawingml/2006/main" xmlns:r="http://schemas.openxmlformats.org/officeDocument/2006/relationships" xmlns:p="http://schemas.openxmlformats.org/presentationml/2006/main">
+  <p:cSld>
+    <p:spTree>
+      <p:nvGrpSpPr>
+        <p:cNvPr id="1" name=""/>
+        <p:cNvGrpSpPr/>
+        <p:nvPr/>
+      </p:nvGrpSpPr>
+      <p:grpSpPr>
+        <a:xfrm>
+          <a:off x="0" y="0"/>
+          <a:ext cx="0" cy="0"/>
+          <a:chOff x="0" y="0"/>
+          <a:chExt cx="0" cy="0"/>
+        </a:xfrm>
+      </p:grpSpPr>
+      <p:sp>
+        <p:nvSpPr>
+          <p:cNvPr id="2" name="Nadpis 1">
+            <a:extLst>
+              <a:ext uri="{FF2B5EF4-FFF2-40B4-BE49-F238E27FC236}">
+                <a16:creationId xmlns:a16="http://schemas.microsoft.com/office/drawing/2014/main" id="{8DF3C734-647F-46E7-A646-335F825E0D03}"/>
+              </a:ext>
+            </a:extLst>
+          </p:cNvPr>
+          <p:cNvSpPr>
+            <a:spLocks noGrp="1"/>
+          </p:cNvSpPr>
+          <p:nvPr>
+            <p:ph type="title"/>
+          </p:nvPr>
+        </p:nvSpPr>
+        <p:spPr/>
+        <p:txBody>
+          <a:bodyPr/>
+          <a:lstStyle/>
+          <a:p>
+            <a:r>
+              <a:rPr lang="sk-SK" dirty="0"/>
+              <a:t>Predspracovanie dát: </a:t>
+            </a:r>
+            <a:r>
+              <a:rPr lang="sk-SK" dirty="0" err="1"/>
+              <a:t>Normal</a:t>
+            </a:r>
+            <a:r>
+              <a:rPr lang="sk-SK" dirty="0"/>
+              <a:t> Test</a:t>
+            </a:r>
+          </a:p>
+        </p:txBody>
+      </p:sp>
+      <p:sp>
+        <p:nvSpPr>
+          <p:cNvPr id="3" name="Zástupný objekt pre obsah 2">
+            <a:extLst>
+              <a:ext uri="{FF2B5EF4-FFF2-40B4-BE49-F238E27FC236}">
+                <a16:creationId xmlns:a16="http://schemas.microsoft.com/office/drawing/2014/main" id="{118CC351-CD02-4434-A51A-86E3C4258A13}"/>
+              </a:ext>
+            </a:extLst>
+          </p:cNvPr>
+          <p:cNvSpPr>
+            <a:spLocks noGrp="1"/>
+          </p:cNvSpPr>
+          <p:nvPr>
+            <p:ph idx="1"/>
+          </p:nvPr>
+        </p:nvSpPr>
+        <p:spPr>
+          <a:xfrm>
+            <a:off x="1261872" y="1828800"/>
+            <a:ext cx="8595360" cy="2155971"/>
+          </a:xfrm>
+        </p:spPr>
+        <p:txBody>
+          <a:bodyPr/>
+          <a:lstStyle/>
+          <a:p>
+            <a:r>
+              <a:rPr lang="sk-SK" dirty="0"/>
+              <a:t>Overenie nulovej hypotézy: „Sú dáta nekategorickej triedy z normálového rozloženia?“</a:t>
+            </a:r>
+          </a:p>
+          <a:p>
+            <a:r>
+              <a:rPr lang="sk-SK" dirty="0"/>
+              <a:t>Vykonanie </a:t>
+            </a:r>
+            <a:r>
+              <a:rPr lang="sk-SK" dirty="0" err="1"/>
+              <a:t>normaltestu</a:t>
+            </a:r>
+            <a:r>
+              <a:rPr lang="sk-SK" dirty="0"/>
+              <a:t> overenie </a:t>
+            </a:r>
+            <a:r>
+              <a:rPr lang="sk-SK" dirty="0" err="1"/>
+              <a:t>pvalue</a:t>
+            </a:r>
+            <a:r>
+              <a:rPr lang="sk-SK" dirty="0"/>
+              <a:t>&lt;0.001</a:t>
+            </a:r>
+          </a:p>
+          <a:p>
+            <a:r>
+              <a:rPr lang="sk-SK" dirty="0"/>
+              <a:t>Šanca 1:1000, silný dôkaz proti nulovej hypotéze</a:t>
+            </a:r>
+          </a:p>
+          <a:p>
+            <a:r>
+              <a:rPr lang="sk-SK" dirty="0"/>
+              <a:t>Vytýčenie tried z normálového rozloženia</a:t>
+            </a:r>
+          </a:p>
+        </p:txBody>
+      </p:sp>
+      <p:pic>
+        <p:nvPicPr>
+          <p:cNvPr id="5" name="Obrázok 4">
+            <a:extLst>
+              <a:ext uri="{FF2B5EF4-FFF2-40B4-BE49-F238E27FC236}">
+                <a16:creationId xmlns:a16="http://schemas.microsoft.com/office/drawing/2014/main" id="{77565B3F-2381-46F1-9422-7D1F5382778E}"/>
+              </a:ext>
+            </a:extLst>
+          </p:cNvPr>
+          <p:cNvPicPr>
+            <a:picLocks noChangeAspect="1"/>
+          </p:cNvPicPr>
+          <p:nvPr/>
+        </p:nvPicPr>
+        <p:blipFill>
+          <a:blip r:embed="rId2"/>
+          <a:stretch>
+            <a:fillRect/>
+          </a:stretch>
+        </p:blipFill>
+        <p:spPr>
+          <a:xfrm>
+            <a:off x="1350160" y="4073757"/>
+            <a:ext cx="6706536" cy="1495634"/>
+          </a:xfrm>
+          <a:prstGeom prst="rect">
+            <a:avLst/>
+          </a:prstGeom>
+        </p:spPr>
+      </p:pic>
+    </p:spTree>
+    <p:extLst>
+      <p:ext uri="{BB962C8B-B14F-4D97-AF65-F5344CB8AC3E}">
+        <p14:creationId xmlns:p14="http://schemas.microsoft.com/office/powerpoint/2010/main" val="3715124628"/>
       </p:ext>
     </p:extLst>
   </p:cSld>
@@ -4204,7 +4242,7 @@
           <p:cNvPr id="2" name="Nadpis 1">
             <a:extLst>
               <a:ext uri="{FF2B5EF4-FFF2-40B4-BE49-F238E27FC236}">
-                <a16:creationId xmlns:a16="http://schemas.microsoft.com/office/drawing/2014/main" id="{CF557225-E019-48C2-9F1B-A63E5B7D00FC}"/>
+                <a16:creationId xmlns:a16="http://schemas.microsoft.com/office/drawing/2014/main" id="{B2021FA4-FC91-4BC4-A133-6E07EBE995C6}"/>
               </a:ext>
             </a:extLst>
           </p:cNvPr>
@@ -4222,81 +4260,132 @@
           <a:p>
             <a:r>
               <a:rPr lang="sk-SK" dirty="0"/>
-              <a:t>Vizualizácia dát: Vek - Úmrtie</a:t>
-            </a:r>
-          </a:p>
-        </p:txBody>
-      </p:sp>
-      <p:pic>
-        <p:nvPicPr>
-          <p:cNvPr id="5" name="Obrázok 4">
+              <a:t>Predspracovanie dát: </a:t>
+            </a:r>
+            <a:r>
+              <a:rPr lang="sk-SK" dirty="0" err="1"/>
+              <a:t>Train</a:t>
+            </a:r>
+            <a:r>
+              <a:rPr lang="sk-SK" dirty="0"/>
+              <a:t>, test, </a:t>
+            </a:r>
+            <a:r>
+              <a:rPr lang="sk-SK" dirty="0" err="1"/>
+              <a:t>split</a:t>
+            </a:r>
+            <a:endParaRPr lang="sk-SK" dirty="0"/>
+          </a:p>
+        </p:txBody>
+      </p:sp>
+      <p:sp>
+        <p:nvSpPr>
+          <p:cNvPr id="3" name="Zástupný objekt pre obsah 2">
             <a:extLst>
               <a:ext uri="{FF2B5EF4-FFF2-40B4-BE49-F238E27FC236}">
-                <a16:creationId xmlns:a16="http://schemas.microsoft.com/office/drawing/2014/main" id="{24C935FD-2D45-4437-84DF-72096DC4F86A}"/>
+                <a16:creationId xmlns:a16="http://schemas.microsoft.com/office/drawing/2014/main" id="{F440DA9B-8D00-475C-9BFD-B1F4CF7C09E7}"/>
               </a:ext>
             </a:extLst>
           </p:cNvPr>
-          <p:cNvPicPr>
-            <a:picLocks noChangeAspect="1"/>
-          </p:cNvPicPr>
-          <p:nvPr/>
-        </p:nvPicPr>
-        <p:blipFill>
-          <a:blip r:embed="rId2"/>
-          <a:stretch>
-            <a:fillRect/>
-          </a:stretch>
-        </p:blipFill>
-        <p:spPr>
-          <a:xfrm>
-            <a:off x="617402" y="2086369"/>
-            <a:ext cx="6544588" cy="4363059"/>
-          </a:xfrm>
-          <a:prstGeom prst="rect">
-            <a:avLst/>
-          </a:prstGeom>
-        </p:spPr>
-      </p:pic>
-      <p:sp>
-        <p:nvSpPr>
-          <p:cNvPr id="6" name="BlokTextu 5">
-            <a:extLst>
-              <a:ext uri="{FF2B5EF4-FFF2-40B4-BE49-F238E27FC236}">
-                <a16:creationId xmlns:a16="http://schemas.microsoft.com/office/drawing/2014/main" id="{730C1057-2AE3-46DF-982B-E3C28F2B99DA}"/>
-              </a:ext>
-            </a:extLst>
-          </p:cNvPr>
-          <p:cNvSpPr txBox="1"/>
-          <p:nvPr/>
-        </p:nvSpPr>
-        <p:spPr>
-          <a:xfrm>
-            <a:off x="7281644" y="2390862"/>
-            <a:ext cx="3657600" cy="1754326"/>
-          </a:xfrm>
-          <a:prstGeom prst="rect">
-            <a:avLst/>
-          </a:prstGeom>
-          <a:noFill/>
-        </p:spPr>
-        <p:txBody>
-          <a:bodyPr wrap="square" rtlCol="0">
-            <a:spAutoFit/>
-          </a:bodyPr>
+          <p:cNvSpPr>
+            <a:spLocks noGrp="1"/>
+          </p:cNvSpPr>
+          <p:nvPr>
+            <p:ph idx="1"/>
+          </p:nvPr>
+        </p:nvSpPr>
+        <p:spPr/>
+        <p:txBody>
+          <a:bodyPr/>
           <a:lstStyle/>
           <a:p>
             <a:r>
               <a:rPr lang="sk-SK" dirty="0"/>
-              <a:t>Podľa grafu vidíme, že hodnota mediánu kedy nenastala smrť je 60 rokov.</a:t>
-            </a:r>
-          </a:p>
-          <a:p>
-            <a:endParaRPr lang="sk-SK" dirty="0"/>
-          </a:p>
-          <a:p>
-            <a:r>
-              <a:rPr lang="sk-SK" dirty="0"/>
-              <a:t>Medián pre pacientov u ktorých nastala smrť je 65 rokov.</a:t>
+              <a:t>Z kategórií, ktoré vytýčila nulová hypotéza a </a:t>
+            </a:r>
+            <a:r>
+              <a:rPr lang="sk-SK" dirty="0" err="1"/>
+              <a:t>heatmap</a:t>
+            </a:r>
+            <a:r>
+              <a:rPr lang="sk-SK" dirty="0"/>
+              <a:t> vytvoríme </a:t>
+            </a:r>
+            <a:r>
+              <a:rPr lang="sk-SK" dirty="0" err="1"/>
+              <a:t>dataset</a:t>
+            </a:r>
+            <a:r>
+              <a:rPr lang="sk-SK" dirty="0"/>
+              <a:t> pre predikciu obsahujúci hodnoty tried: 'time','ejection_fraction','serum_creatinine','age','serum_sodium', '</a:t>
+            </a:r>
+            <a:r>
+              <a:rPr lang="sk-SK" dirty="0" err="1"/>
+              <a:t>platelets</a:t>
+            </a:r>
+            <a:r>
+              <a:rPr lang="sk-SK" dirty="0"/>
+              <a:t>'</a:t>
+            </a:r>
+          </a:p>
+          <a:p>
+            <a:r>
+              <a:rPr lang="sk-SK" dirty="0"/>
+              <a:t>Zvolíme si </a:t>
+            </a:r>
+            <a:r>
+              <a:rPr lang="sk-SK" dirty="0" err="1"/>
+              <a:t>cielovú</a:t>
+            </a:r>
+            <a:r>
+              <a:rPr lang="sk-SK" dirty="0"/>
+              <a:t> hodnotu: DEATH_EVENT, čiže smrť</a:t>
+            </a:r>
+          </a:p>
+          <a:p>
+            <a:r>
+              <a:rPr lang="sk-SK" dirty="0"/>
+              <a:t>Rozdelíme dáta v pomere 3:7 </a:t>
+            </a:r>
+          </a:p>
+          <a:p>
+            <a:r>
+              <a:rPr lang="sk-SK" dirty="0"/>
+              <a:t>30% testovacia množina, 70% </a:t>
+            </a:r>
+            <a:r>
+              <a:rPr lang="sk-SK" dirty="0" err="1"/>
+              <a:t>trénovacia</a:t>
+            </a:r>
+            <a:r>
+              <a:rPr lang="sk-SK" dirty="0"/>
+              <a:t> množina</a:t>
+            </a:r>
+          </a:p>
+          <a:p>
+            <a:r>
+              <a:rPr lang="sk-SK" dirty="0"/>
+              <a:t>Tvar množín je:</a:t>
+            </a:r>
+          </a:p>
+          <a:p>
+            <a:r>
+              <a:rPr lang="sk-SK" dirty="0"/>
+              <a:t>(209,6) testovacia množina</a:t>
+            </a:r>
+          </a:p>
+          <a:p>
+            <a:r>
+              <a:rPr lang="sk-SK" dirty="0"/>
+              <a:t>(90,6) </a:t>
+            </a:r>
+            <a:r>
+              <a:rPr lang="sk-SK" dirty="0" err="1"/>
+              <a:t>trénovacia</a:t>
+            </a:r>
+            <a:r>
+              <a:rPr lang="sk-SK" dirty="0"/>
+              <a:t> množina</a:t>
             </a:r>
           </a:p>
         </p:txBody>
@@ -4304,7 +4393,7 @@
     </p:spTree>
     <p:extLst>
       <p:ext uri="{BB962C8B-B14F-4D97-AF65-F5344CB8AC3E}">
-        <p14:creationId xmlns:p14="http://schemas.microsoft.com/office/powerpoint/2010/main" val="224484545"/>
+        <p14:creationId xmlns:p14="http://schemas.microsoft.com/office/powerpoint/2010/main" val="2142754134"/>
       </p:ext>
     </p:extLst>
   </p:cSld>
@@ -4336,7 +4425,7 @@
           <p:cNvPr id="2" name="Nadpis 1">
             <a:extLst>
               <a:ext uri="{FF2B5EF4-FFF2-40B4-BE49-F238E27FC236}">
-                <a16:creationId xmlns:a16="http://schemas.microsoft.com/office/drawing/2014/main" id="{8DF3C734-647F-46E7-A646-335F825E0D03}"/>
+                <a16:creationId xmlns:a16="http://schemas.microsoft.com/office/drawing/2014/main" id="{B5B384D4-5050-4FBC-AE5D-07ECC282C355}"/>
               </a:ext>
             </a:extLst>
           </p:cNvPr>
@@ -4352,7 +4441,15 @@
           <a:bodyPr/>
           <a:lstStyle/>
           <a:p>
-            <a:endParaRPr lang="sk-SK"/>
+            <a:r>
+              <a:rPr lang="sk-SK" dirty="0"/>
+              <a:t>Predspracovanie dát: </a:t>
+            </a:r>
+            <a:r>
+              <a:rPr lang="sk-SK" dirty="0" err="1"/>
+              <a:t>StandardScaler</a:t>
+            </a:r>
+            <a:endParaRPr lang="sk-SK" dirty="0"/>
           </a:p>
         </p:txBody>
       </p:sp>
@@ -4361,7 +4458,7 @@
           <p:cNvPr id="3" name="Zástupný objekt pre obsah 2">
             <a:extLst>
               <a:ext uri="{FF2B5EF4-FFF2-40B4-BE49-F238E27FC236}">
-                <a16:creationId xmlns:a16="http://schemas.microsoft.com/office/drawing/2014/main" id="{118CC351-CD02-4434-A51A-86E3C4258A13}"/>
+                <a16:creationId xmlns:a16="http://schemas.microsoft.com/office/drawing/2014/main" id="{29E6CC8C-9069-44BC-AD57-040858D35B20}"/>
               </a:ext>
             </a:extLst>
           </p:cNvPr>
@@ -4377,14 +4474,96 @@
           <a:bodyPr/>
           <a:lstStyle/>
           <a:p>
-            <a:endParaRPr lang="sk-SK"/>
+            <a:r>
+              <a:rPr lang="sk-SK" dirty="0" err="1"/>
+              <a:t>Zoškálujeme</a:t>
+            </a:r>
+            <a:r>
+              <a:rPr lang="sk-SK" dirty="0"/>
+              <a:t> dáta podľa rozptylu</a:t>
+            </a:r>
+          </a:p>
+          <a:p>
+            <a:r>
+              <a:rPr lang="sk-SK" dirty="0" err="1"/>
+              <a:t>Trénovacie</a:t>
+            </a:r>
+            <a:r>
+              <a:rPr lang="sk-SK" dirty="0"/>
+              <a:t> dáta </a:t>
+            </a:r>
+            <a:r>
+              <a:rPr lang="sk-SK" dirty="0" err="1"/>
+              <a:t>zoškáľujeme</a:t>
+            </a:r>
+            <a:r>
+              <a:rPr lang="sk-SK" dirty="0"/>
+              <a:t> podľa </a:t>
+            </a:r>
+            <a:r>
+              <a:rPr lang="sk-SK" dirty="0" err="1"/>
+              <a:t>fit_transform</a:t>
+            </a:r>
+            <a:endParaRPr lang="sk-SK" dirty="0"/>
+          </a:p>
+          <a:p>
+            <a:r>
+              <a:rPr lang="sk-SK" dirty="0" err="1"/>
+              <a:t>Fit_transform</a:t>
+            </a:r>
+            <a:r>
+              <a:rPr lang="sk-SK" dirty="0"/>
+              <a:t> v </a:t>
+            </a:r>
+            <a:r>
+              <a:rPr lang="sk-SK" dirty="0" err="1"/>
+              <a:t>trénovaích</a:t>
+            </a:r>
+            <a:r>
+              <a:rPr lang="sk-SK" dirty="0"/>
+              <a:t> dátach aby sme ich </a:t>
+            </a:r>
+            <a:r>
+              <a:rPr lang="sk-SK" dirty="0" err="1"/>
+              <a:t>zoškálovali</a:t>
+            </a:r>
+            <a:r>
+              <a:rPr lang="sk-SK" dirty="0"/>
+              <a:t> a zapamätali si </a:t>
+            </a:r>
+            <a:r>
+              <a:rPr lang="sk-SK" dirty="0" err="1"/>
+              <a:t>škálovacie</a:t>
+            </a:r>
+            <a:r>
+              <a:rPr lang="sk-SK" dirty="0"/>
+              <a:t> parametre</a:t>
+            </a:r>
+          </a:p>
+          <a:p>
+            <a:r>
+              <a:rPr lang="sk-SK" dirty="0" err="1"/>
+              <a:t>transform</a:t>
+            </a:r>
+            <a:r>
+              <a:rPr lang="sk-SK" dirty="0"/>
+              <a:t>  v testovacích dátach aby sme podľa zapamätaných </a:t>
+            </a:r>
+            <a:r>
+              <a:rPr lang="sk-SK" dirty="0" err="1"/>
+              <a:t>škálovacích</a:t>
+            </a:r>
+            <a:r>
+              <a:rPr lang="sk-SK" dirty="0"/>
+              <a:t> parametrov škálovali dáta</a:t>
+            </a:r>
           </a:p>
         </p:txBody>
       </p:sp>
     </p:spTree>
     <p:extLst>
       <p:ext uri="{BB962C8B-B14F-4D97-AF65-F5344CB8AC3E}">
-        <p14:creationId xmlns:p14="http://schemas.microsoft.com/office/powerpoint/2010/main" val="3715124628"/>
+        <p14:creationId xmlns:p14="http://schemas.microsoft.com/office/powerpoint/2010/main" val="181495358"/>
       </p:ext>
     </p:extLst>
   </p:cSld>
@@ -4416,7 +4595,7 @@
           <p:cNvPr id="2" name="Nadpis 1">
             <a:extLst>
               <a:ext uri="{FF2B5EF4-FFF2-40B4-BE49-F238E27FC236}">
-                <a16:creationId xmlns:a16="http://schemas.microsoft.com/office/drawing/2014/main" id="{B2021FA4-FC91-4BC4-A133-6E07EBE995C6}"/>
+                <a16:creationId xmlns:a16="http://schemas.microsoft.com/office/drawing/2014/main" id="{3625985A-96BB-4392-8DB5-973FB5021E04}"/>
               </a:ext>
             </a:extLst>
           </p:cNvPr>
@@ -4432,7 +4611,19 @@
           <a:bodyPr/>
           <a:lstStyle/>
           <a:p>
-            <a:endParaRPr lang="sk-SK"/>
+            <a:r>
+              <a:rPr lang="sk-SK" dirty="0" err="1"/>
+              <a:t>Logistic</a:t>
+            </a:r>
+            <a:r>
+              <a:rPr lang="sk-SK" dirty="0"/>
+              <a:t> </a:t>
+            </a:r>
+            <a:r>
+              <a:rPr lang="sk-SK" dirty="0" err="1"/>
+              <a:t>regression</a:t>
+            </a:r>
+            <a:endParaRPr lang="sk-SK" dirty="0"/>
           </a:p>
         </p:txBody>
       </p:sp>
@@ -4441,7 +4632,7 @@
           <p:cNvPr id="3" name="Zástupný objekt pre obsah 2">
             <a:extLst>
               <a:ext uri="{FF2B5EF4-FFF2-40B4-BE49-F238E27FC236}">
-                <a16:creationId xmlns:a16="http://schemas.microsoft.com/office/drawing/2014/main" id="{F440DA9B-8D00-475C-9BFD-B1F4CF7C09E7}"/>
+                <a16:creationId xmlns:a16="http://schemas.microsoft.com/office/drawing/2014/main" id="{45E6BC99-8BD6-489A-8FB6-33F640873E75}"/>
               </a:ext>
             </a:extLst>
           </p:cNvPr>
@@ -4457,14 +4648,127 @@
           <a:bodyPr/>
           <a:lstStyle/>
           <a:p>
-            <a:endParaRPr lang="sk-SK"/>
-          </a:p>
-        </p:txBody>
-      </p:sp>
+            <a:r>
+              <a:rPr lang="sk-SK" dirty="0"/>
+              <a:t>Odhaduje pravdepodobnosť, že nastane daný jav podľa známych skutočností</a:t>
+            </a:r>
+          </a:p>
+          <a:p>
+            <a:r>
+              <a:rPr lang="sk-SK" dirty="0" err="1"/>
+              <a:t>Heatmap</a:t>
+            </a:r>
+            <a:r>
+              <a:rPr lang="sk-SK" dirty="0"/>
+              <a:t> ukazuje presnosť </a:t>
+            </a:r>
+            <a:r>
+              <a:rPr lang="sk-SK" dirty="0" err="1"/>
+              <a:t>klasifikátora</a:t>
+            </a:r>
+            <a:r>
+              <a:rPr lang="sk-SK" dirty="0"/>
+              <a:t> pri predikovaní smrti</a:t>
+            </a:r>
+          </a:p>
+          <a:p>
+            <a:r>
+              <a:rPr lang="sk-SK" dirty="0"/>
+              <a:t>x:y</a:t>
+            </a:r>
+          </a:p>
+          <a:p>
+            <a:r>
+              <a:rPr lang="sk-SK" dirty="0"/>
+              <a:t>0:0 = správne predikovaná hodnota 0 - život</a:t>
+            </a:r>
+          </a:p>
+          <a:p>
+            <a:r>
+              <a:rPr lang="sk-SK" dirty="0"/>
+              <a:t>0:1 = nesprávne predikovaná hodnota 0 -život</a:t>
+            </a:r>
+          </a:p>
+          <a:p>
+            <a:r>
+              <a:rPr lang="sk-SK" dirty="0"/>
+              <a:t>1:0 = nesprávne predikovaná hodnota 1 - smrť</a:t>
+            </a:r>
+          </a:p>
+          <a:p>
+            <a:r>
+              <a:rPr lang="sk-SK" dirty="0"/>
+              <a:t>1:1 = správne predikovaná hodnota 1 -smrť</a:t>
+            </a:r>
+          </a:p>
+          <a:p>
+            <a:endParaRPr lang="sk-SK" dirty="0"/>
+          </a:p>
+        </p:txBody>
+      </p:sp>
+      <p:pic>
+        <p:nvPicPr>
+          <p:cNvPr id="7" name="Obrázok 6">
+            <a:extLst>
+              <a:ext uri="{FF2B5EF4-FFF2-40B4-BE49-F238E27FC236}">
+                <a16:creationId xmlns:a16="http://schemas.microsoft.com/office/drawing/2014/main" id="{598FC153-3001-4726-9A94-98F66C918928}"/>
+              </a:ext>
+            </a:extLst>
+          </p:cNvPr>
+          <p:cNvPicPr>
+            <a:picLocks noChangeAspect="1"/>
+          </p:cNvPicPr>
+          <p:nvPr/>
+        </p:nvPicPr>
+        <p:blipFill>
+          <a:blip r:embed="rId2"/>
+          <a:stretch>
+            <a:fillRect/>
+          </a:stretch>
+        </p:blipFill>
+        <p:spPr>
+          <a:xfrm>
+            <a:off x="1389666" y="5091526"/>
+            <a:ext cx="4077269" cy="1590897"/>
+          </a:xfrm>
+          <a:prstGeom prst="rect">
+            <a:avLst/>
+          </a:prstGeom>
+        </p:spPr>
+      </p:pic>
+      <p:pic>
+        <p:nvPicPr>
+          <p:cNvPr id="9" name="Obrázok 8">
+            <a:extLst>
+              <a:ext uri="{FF2B5EF4-FFF2-40B4-BE49-F238E27FC236}">
+                <a16:creationId xmlns:a16="http://schemas.microsoft.com/office/drawing/2014/main" id="{FB73B5B9-75D1-4D9E-AD12-355E12E0BDD0}"/>
+              </a:ext>
+            </a:extLst>
+          </p:cNvPr>
+          <p:cNvPicPr>
+            <a:picLocks noChangeAspect="1"/>
+          </p:cNvPicPr>
+          <p:nvPr/>
+        </p:nvPicPr>
+        <p:blipFill rotWithShape="1">
+          <a:blip r:embed="rId3"/>
+          <a:srcRect l="2746"/>
+          <a:stretch/>
+        </p:blipFill>
+        <p:spPr>
+          <a:xfrm>
+            <a:off x="6535023" y="2990310"/>
+            <a:ext cx="4725001" cy="3867690"/>
+          </a:xfrm>
+          <a:prstGeom prst="rect">
+            <a:avLst/>
+          </a:prstGeom>
+        </p:spPr>
+      </p:pic>
     </p:spTree>
     <p:extLst>
       <p:ext uri="{BB962C8B-B14F-4D97-AF65-F5344CB8AC3E}">
-        <p14:creationId xmlns:p14="http://schemas.microsoft.com/office/powerpoint/2010/main" val="2142754134"/>
+        <p14:creationId xmlns:p14="http://schemas.microsoft.com/office/powerpoint/2010/main" val="200547948"/>
       </p:ext>
     </p:extLst>
   </p:cSld>
@@ -4496,7 +4800,7 @@
           <p:cNvPr id="2" name="Nadpis 1">
             <a:extLst>
               <a:ext uri="{FF2B5EF4-FFF2-40B4-BE49-F238E27FC236}">
-                <a16:creationId xmlns:a16="http://schemas.microsoft.com/office/drawing/2014/main" id="{B5B384D4-5050-4FBC-AE5D-07ECC282C355}"/>
+                <a16:creationId xmlns:a16="http://schemas.microsoft.com/office/drawing/2014/main" id="{5971A4B5-E7F4-4553-AFF9-C1D2B424CA2D}"/>
               </a:ext>
             </a:extLst>
           </p:cNvPr>
@@ -4512,7 +4816,11 @@
           <a:bodyPr/>
           <a:lstStyle/>
           <a:p>
-            <a:endParaRPr lang="sk-SK"/>
+            <a:r>
+              <a:rPr lang="sk-SK" dirty="0" err="1"/>
+              <a:t>RandomForest</a:t>
+            </a:r>
+            <a:endParaRPr lang="sk-SK" dirty="0"/>
           </a:p>
         </p:txBody>
       </p:sp>
@@ -4521,7 +4829,7 @@
           <p:cNvPr id="3" name="Zástupný objekt pre obsah 2">
             <a:extLst>
               <a:ext uri="{FF2B5EF4-FFF2-40B4-BE49-F238E27FC236}">
-                <a16:creationId xmlns:a16="http://schemas.microsoft.com/office/drawing/2014/main" id="{29E6CC8C-9069-44BC-AD57-040858D35B20}"/>
+                <a16:creationId xmlns:a16="http://schemas.microsoft.com/office/drawing/2014/main" id="{713D5211-7AD5-4634-B1EF-9ACF74C6B55A}"/>
               </a:ext>
             </a:extLst>
           </p:cNvPr>
@@ -4537,14 +4845,143 @@
           <a:bodyPr/>
           <a:lstStyle/>
           <a:p>
-            <a:endParaRPr lang="sk-SK"/>
-          </a:p>
-        </p:txBody>
-      </p:sp>
+            <a:r>
+              <a:rPr lang="sk-SK" dirty="0"/>
+              <a:t>Vytvorí viacej rozhodovacích stromov a vráti výsledný medián </a:t>
+            </a:r>
+          </a:p>
+          <a:p>
+            <a:r>
+              <a:rPr lang="sk-SK" dirty="0" err="1"/>
+              <a:t>Heatmap</a:t>
+            </a:r>
+            <a:r>
+              <a:rPr lang="sk-SK" dirty="0"/>
+              <a:t> ukazuje presnosť </a:t>
+            </a:r>
+            <a:r>
+              <a:rPr lang="sk-SK" dirty="0" err="1"/>
+              <a:t>klasifikátora</a:t>
+            </a:r>
+            <a:r>
+              <a:rPr lang="sk-SK" dirty="0"/>
+              <a:t> pri predikovaní smrti</a:t>
+            </a:r>
+          </a:p>
+          <a:p>
+            <a:r>
+              <a:rPr lang="sk-SK" dirty="0"/>
+              <a:t>x:y</a:t>
+            </a:r>
+          </a:p>
+          <a:p>
+            <a:r>
+              <a:rPr lang="sk-SK" dirty="0"/>
+              <a:t>0:0 = správne predikovaná hodnota 0 - život</a:t>
+            </a:r>
+          </a:p>
+          <a:p>
+            <a:r>
+              <a:rPr lang="sk-SK" dirty="0"/>
+              <a:t>0:1 = nesprávne predikovaná hodnota 0 -život</a:t>
+            </a:r>
+          </a:p>
+          <a:p>
+            <a:r>
+              <a:rPr lang="sk-SK" dirty="0"/>
+              <a:t>1:0 = nesprávne predikovaná hodnota 1 - smrť</a:t>
+            </a:r>
+          </a:p>
+          <a:p>
+            <a:r>
+              <a:rPr lang="sk-SK" dirty="0"/>
+              <a:t>1:1 = správne predikovaná hodnota 1 -smrť</a:t>
+            </a:r>
+          </a:p>
+          <a:p>
+            <a:endParaRPr lang="sk-SK" dirty="0"/>
+          </a:p>
+        </p:txBody>
+      </p:sp>
+      <p:pic>
+        <p:nvPicPr>
+          <p:cNvPr id="2050" name="Picture 2">
+            <a:extLst>
+              <a:ext uri="{FF2B5EF4-FFF2-40B4-BE49-F238E27FC236}">
+                <a16:creationId xmlns:a16="http://schemas.microsoft.com/office/drawing/2014/main" id="{AAF495BF-2648-42C7-B100-4C539296F792}"/>
+              </a:ext>
+            </a:extLst>
+          </p:cNvPr>
+          <p:cNvPicPr>
+            <a:picLocks noChangeAspect="1" noChangeArrowheads="1"/>
+          </p:cNvPicPr>
+          <p:nvPr/>
+        </p:nvPicPr>
+        <p:blipFill rotWithShape="1">
+          <a:blip r:embed="rId2">
+            <a:extLst>
+              <a:ext uri="{28A0092B-C50C-407E-A947-70E740481C1C}">
+                <a14:useLocalDpi xmlns:a14="http://schemas.microsoft.com/office/drawing/2010/main" val="0"/>
+              </a:ext>
+            </a:extLst>
+          </a:blip>
+          <a:srcRect l="1970" t="2284" b="2391"/>
+          <a:stretch/>
+        </p:blipFill>
+        <p:spPr bwMode="auto">
+          <a:xfrm>
+            <a:off x="6409189" y="3108120"/>
+            <a:ext cx="4771370" cy="3749880"/>
+          </a:xfrm>
+          <a:prstGeom prst="rect">
+            <a:avLst/>
+          </a:prstGeom>
+          <a:noFill/>
+          <a:extLst>
+            <a:ext uri="{909E8E84-426E-40DD-AFC4-6F175D3DCCD1}">
+              <a14:hiddenFill xmlns:a14="http://schemas.microsoft.com/office/drawing/2010/main">
+                <a:solidFill>
+                  <a:srgbClr val="FFFFFF"/>
+                </a:solidFill>
+              </a14:hiddenFill>
+            </a:ext>
+          </a:extLst>
+        </p:spPr>
+      </p:pic>
+      <p:pic>
+        <p:nvPicPr>
+          <p:cNvPr id="5" name="Obrázok 4">
+            <a:extLst>
+              <a:ext uri="{FF2B5EF4-FFF2-40B4-BE49-F238E27FC236}">
+                <a16:creationId xmlns:a16="http://schemas.microsoft.com/office/drawing/2014/main" id="{3721F26C-E90E-4D9E-A98F-A63E251FAEC3}"/>
+              </a:ext>
+            </a:extLst>
+          </p:cNvPr>
+          <p:cNvPicPr>
+            <a:picLocks noChangeAspect="1"/>
+          </p:cNvPicPr>
+          <p:nvPr/>
+        </p:nvPicPr>
+        <p:blipFill>
+          <a:blip r:embed="rId3"/>
+          <a:stretch>
+            <a:fillRect/>
+          </a:stretch>
+        </p:blipFill>
+        <p:spPr>
+          <a:xfrm>
+            <a:off x="1353836" y="5118967"/>
+            <a:ext cx="4115374" cy="1552792"/>
+          </a:xfrm>
+          <a:prstGeom prst="rect">
+            <a:avLst/>
+          </a:prstGeom>
+        </p:spPr>
+      </p:pic>
     </p:spTree>
     <p:extLst>
       <p:ext uri="{BB962C8B-B14F-4D97-AF65-F5344CB8AC3E}">
-        <p14:creationId xmlns:p14="http://schemas.microsoft.com/office/powerpoint/2010/main" val="181495358"/>
+        <p14:creationId xmlns:p14="http://schemas.microsoft.com/office/powerpoint/2010/main" val="1126698238"/>
       </p:ext>
     </p:extLst>
   </p:cSld>
@@ -4576,7 +5013,7 @@
           <p:cNvPr id="2" name="Nadpis 1">
             <a:extLst>
               <a:ext uri="{FF2B5EF4-FFF2-40B4-BE49-F238E27FC236}">
-                <a16:creationId xmlns:a16="http://schemas.microsoft.com/office/drawing/2014/main" id="{B6CE04E9-8E31-4115-8868-D8CFDD2EA7ED}"/>
+                <a16:creationId xmlns:a16="http://schemas.microsoft.com/office/drawing/2014/main" id="{A121FA12-FFB1-401D-B58F-04C60F8DEA5E}"/>
               </a:ext>
             </a:extLst>
           </p:cNvPr>
@@ -4592,7 +5029,11 @@
           <a:bodyPr/>
           <a:lstStyle/>
           <a:p>
-            <a:endParaRPr lang="sk-SK"/>
+            <a:r>
+              <a:rPr lang="sk-SK" dirty="0" err="1"/>
+              <a:t>Keras</a:t>
+            </a:r>
+            <a:endParaRPr lang="sk-SK" dirty="0"/>
           </a:p>
         </p:txBody>
       </p:sp>
@@ -4601,7 +5042,7 @@
           <p:cNvPr id="3" name="Zástupný objekt pre obsah 2">
             <a:extLst>
               <a:ext uri="{FF2B5EF4-FFF2-40B4-BE49-F238E27FC236}">
-                <a16:creationId xmlns:a16="http://schemas.microsoft.com/office/drawing/2014/main" id="{A7B80447-8677-43BD-92C8-126AE4D34CBD}"/>
+                <a16:creationId xmlns:a16="http://schemas.microsoft.com/office/drawing/2014/main" id="{9ADBF6E8-6FC0-4B6B-B5FA-6EA7A9DC3B68}"/>
               </a:ext>
             </a:extLst>
           </p:cNvPr>
@@ -4617,14 +5058,92 @@
           <a:bodyPr/>
           <a:lstStyle/>
           <a:p>
-            <a:endParaRPr lang="sk-SK"/>
+            <a:r>
+              <a:rPr lang="sk-SK" dirty="0"/>
+              <a:t>Vytvorí sekvenčný model neurónovej siete – lineárny zásobník vrstiev</a:t>
+            </a:r>
+          </a:p>
+          <a:p>
+            <a:r>
+              <a:rPr lang="sk-SK" dirty="0"/>
+              <a:t>Výsledok jednej vrstvy je vstup nasledujúcej</a:t>
+            </a:r>
+          </a:p>
+          <a:p>
+            <a:r>
+              <a:rPr lang="sk-SK" dirty="0"/>
+              <a:t>Vytvorili sme 4 </a:t>
+            </a:r>
+            <a:r>
+              <a:rPr lang="sk-SK" dirty="0" err="1"/>
+              <a:t>dense</a:t>
+            </a:r>
+            <a:r>
+              <a:rPr lang="sk-SK" dirty="0"/>
+              <a:t> vrstvy – model plne zapojenej vrstvy</a:t>
+            </a:r>
+          </a:p>
+          <a:p>
+            <a:r>
+              <a:rPr lang="sk-SK" dirty="0"/>
+              <a:t>3 vrstvy s aktivačnou funkciou „</a:t>
+            </a:r>
+            <a:r>
+              <a:rPr lang="sk-SK" dirty="0" err="1"/>
+              <a:t>relu</a:t>
+            </a:r>
+            <a:r>
+              <a:rPr lang="sk-SK" dirty="0"/>
+              <a:t>“</a:t>
+            </a:r>
+          </a:p>
+          <a:p>
+            <a:r>
+              <a:rPr lang="sk-SK" dirty="0"/>
+              <a:t>1 vrstva s aktivačnou funkciou „</a:t>
+            </a:r>
+            <a:r>
+              <a:rPr lang="sk-SK" dirty="0" err="1"/>
+              <a:t>softmax</a:t>
+            </a:r>
+            <a:r>
+              <a:rPr lang="sk-SK" dirty="0"/>
+              <a:t>“</a:t>
+            </a:r>
+          </a:p>
+          <a:p>
+            <a:r>
+              <a:rPr lang="sk-SK" dirty="0"/>
+              <a:t>1. vrstva s výstupom 500</a:t>
+            </a:r>
+          </a:p>
+          <a:p>
+            <a:r>
+              <a:rPr lang="sk-SK" dirty="0"/>
+              <a:t>2.vrstva s výstupom 200</a:t>
+            </a:r>
+          </a:p>
+          <a:p>
+            <a:r>
+              <a:rPr lang="sk-SK" dirty="0"/>
+              <a:t>3.vrstva s výstupom 50</a:t>
+            </a:r>
+          </a:p>
+          <a:p>
+            <a:r>
+              <a:rPr lang="sk-SK" dirty="0"/>
+              <a:t>4.vrstva s výstupom 2</a:t>
+            </a:r>
+          </a:p>
+          <a:p>
+            <a:endParaRPr lang="sk-SK" dirty="0"/>
           </a:p>
         </p:txBody>
       </p:sp>
     </p:spTree>
     <p:extLst>
       <p:ext uri="{BB962C8B-B14F-4D97-AF65-F5344CB8AC3E}">
-        <p14:creationId xmlns:p14="http://schemas.microsoft.com/office/powerpoint/2010/main" val="4178312160"/>
+        <p14:creationId xmlns:p14="http://schemas.microsoft.com/office/powerpoint/2010/main" val="377708743"/>
       </p:ext>
     </p:extLst>
   </p:cSld>
@@ -4712,6 +5231,9 @@
             </a:r>
           </a:p>
           <a:p>
+            <a:endParaRPr lang="sk-SK" dirty="0"/>
+          </a:p>
+          <a:p>
             <a:r>
               <a:rPr lang="sk-SK" dirty="0"/>
               <a:t>Natrénovanie neurónovej siete</a:t>
@@ -4720,7 +5242,7 @@
           <a:p>
             <a:r>
               <a:rPr lang="sk-SK" dirty="0"/>
-              <a:t>Predikcia smrti pacientov, ktorý by mohli zomrieť kvôli zlyhaniu srdca</a:t>
+              <a:t>Predikcia smrti pacientov</a:t>
             </a:r>
           </a:p>
         </p:txBody>
@@ -4760,7 +5282,7 @@
           <p:cNvPr id="2" name="Nadpis 1">
             <a:extLst>
               <a:ext uri="{FF2B5EF4-FFF2-40B4-BE49-F238E27FC236}">
-                <a16:creationId xmlns:a16="http://schemas.microsoft.com/office/drawing/2014/main" id="{F3E2FFBB-0CC9-4F66-B428-741DE0BBC382}"/>
+                <a16:creationId xmlns:a16="http://schemas.microsoft.com/office/drawing/2014/main" id="{D8D50977-B1D7-4ED1-9AEB-6CE32284F2FD}"/>
               </a:ext>
             </a:extLst>
           </p:cNvPr>
@@ -4777,55 +5299,50 @@
           <a:lstStyle/>
           <a:p>
             <a:r>
-              <a:rPr lang="sk-SK" dirty="0"/>
-              <a:t>Predikcia – klasifikácia dát</a:t>
-            </a:r>
-          </a:p>
-        </p:txBody>
-      </p:sp>
-      <p:sp>
-        <p:nvSpPr>
-          <p:cNvPr id="3" name="Zástupný objekt pre obsah 2">
+              <a:rPr lang="sk-SK" dirty="0" err="1"/>
+              <a:t>Keras</a:t>
+            </a:r>
+            <a:r>
+              <a:rPr lang="sk-SK" dirty="0"/>
+              <a:t> model</a:t>
+            </a:r>
+          </a:p>
+        </p:txBody>
+      </p:sp>
+      <p:pic>
+        <p:nvPicPr>
+          <p:cNvPr id="7" name="Obrázok 6">
             <a:extLst>
               <a:ext uri="{FF2B5EF4-FFF2-40B4-BE49-F238E27FC236}">
-                <a16:creationId xmlns:a16="http://schemas.microsoft.com/office/drawing/2014/main" id="{3E327589-D403-4B32-A924-62D73A4EF035}"/>
+                <a16:creationId xmlns:a16="http://schemas.microsoft.com/office/drawing/2014/main" id="{72AD266D-5FEB-4BA5-9A5D-39721A003C49}"/>
               </a:ext>
             </a:extLst>
           </p:cNvPr>
-          <p:cNvSpPr>
-            <a:spLocks noGrp="1"/>
-          </p:cNvSpPr>
-          <p:nvPr>
-            <p:ph idx="1"/>
-          </p:nvPr>
-        </p:nvSpPr>
-        <p:spPr/>
-        <p:txBody>
-          <a:bodyPr/>
-          <a:lstStyle/>
-          <a:p>
-            <a:r>
-              <a:rPr lang="sk-SK" dirty="0"/>
-              <a:t>Dáta v </a:t>
-            </a:r>
-            <a:r>
-              <a:rPr lang="sk-SK" dirty="0" err="1"/>
-              <a:t>datasete</a:t>
-            </a:r>
-            <a:r>
-              <a:rPr lang="sk-SK" dirty="0"/>
-              <a:t> sú numerické alebo kategorické</a:t>
-            </a:r>
-          </a:p>
-          <a:p>
-            <a:endParaRPr lang="sk-SK" dirty="0"/>
-          </a:p>
-        </p:txBody>
-      </p:sp>
+          <p:cNvPicPr>
+            <a:picLocks noChangeAspect="1"/>
+          </p:cNvPicPr>
+          <p:nvPr/>
+        </p:nvPicPr>
+        <p:blipFill>
+          <a:blip r:embed="rId2"/>
+          <a:stretch>
+            <a:fillRect/>
+          </a:stretch>
+        </p:blipFill>
+        <p:spPr>
+          <a:xfrm>
+            <a:off x="2326548" y="1785462"/>
+            <a:ext cx="6582560" cy="4729984"/>
+          </a:xfrm>
+          <a:prstGeom prst="rect">
+            <a:avLst/>
+          </a:prstGeom>
+        </p:spPr>
+      </p:pic>
     </p:spTree>
     <p:extLst>
       <p:ext uri="{BB962C8B-B14F-4D97-AF65-F5344CB8AC3E}">
-        <p14:creationId xmlns:p14="http://schemas.microsoft.com/office/powerpoint/2010/main" val="2253649810"/>
+        <p14:creationId xmlns:p14="http://schemas.microsoft.com/office/powerpoint/2010/main" val="1560149371"/>
       </p:ext>
     </p:extLst>
   </p:cSld>
@@ -4852,60 +5369,130 @@
           <a:chExt cx="0" cy="0"/>
         </a:xfrm>
       </p:grpSpPr>
-      <p:sp>
-        <p:nvSpPr>
-          <p:cNvPr id="2" name="Nadpis 1">
+      <p:pic>
+        <p:nvPicPr>
+          <p:cNvPr id="5" name="Obrázok 4">
             <a:extLst>
               <a:ext uri="{FF2B5EF4-FFF2-40B4-BE49-F238E27FC236}">
-                <a16:creationId xmlns:a16="http://schemas.microsoft.com/office/drawing/2014/main" id="{3625985A-96BB-4392-8DB5-973FB5021E04}"/>
+                <a16:creationId xmlns:a16="http://schemas.microsoft.com/office/drawing/2014/main" id="{35FEB15F-06F3-4BDE-8D72-54E2602F2FCC}"/>
               </a:ext>
             </a:extLst>
           </p:cNvPr>
-          <p:cNvSpPr>
-            <a:spLocks noGrp="1"/>
-          </p:cNvSpPr>
-          <p:nvPr>
-            <p:ph type="title"/>
-          </p:nvPr>
-        </p:nvSpPr>
-        <p:spPr/>
-        <p:txBody>
-          <a:bodyPr/>
-          <a:lstStyle/>
-          <a:p>
-            <a:endParaRPr lang="sk-SK"/>
-          </a:p>
-        </p:txBody>
-      </p:sp>
-      <p:sp>
-        <p:nvSpPr>
-          <p:cNvPr id="3" name="Zástupný objekt pre obsah 2">
+          <p:cNvPicPr>
+            <a:picLocks noChangeAspect="1"/>
+          </p:cNvPicPr>
+          <p:nvPr/>
+        </p:nvPicPr>
+        <p:blipFill>
+          <a:blip r:embed="rId2"/>
+          <a:stretch>
+            <a:fillRect/>
+          </a:stretch>
+        </p:blipFill>
+        <p:spPr>
+          <a:xfrm>
+            <a:off x="113129" y="2470698"/>
+            <a:ext cx="5506218" cy="4248743"/>
+          </a:xfrm>
+          <a:prstGeom prst="rect">
+            <a:avLst/>
+          </a:prstGeom>
+        </p:spPr>
+      </p:pic>
+      <p:pic>
+        <p:nvPicPr>
+          <p:cNvPr id="9" name="Obrázok 8">
             <a:extLst>
               <a:ext uri="{FF2B5EF4-FFF2-40B4-BE49-F238E27FC236}">
-                <a16:creationId xmlns:a16="http://schemas.microsoft.com/office/drawing/2014/main" id="{45E6BC99-8BD6-489A-8FB6-33F640873E75}"/>
+                <a16:creationId xmlns:a16="http://schemas.microsoft.com/office/drawing/2014/main" id="{3A58FC0F-F13F-4E76-BE97-ADB8DF2DAFAC}"/>
               </a:ext>
             </a:extLst>
           </p:cNvPr>
-          <p:cNvSpPr>
-            <a:spLocks noGrp="1"/>
-          </p:cNvSpPr>
-          <p:nvPr>
-            <p:ph idx="1"/>
-          </p:nvPr>
-        </p:nvSpPr>
-        <p:spPr/>
-        <p:txBody>
-          <a:bodyPr/>
-          <a:lstStyle/>
-          <a:p>
-            <a:endParaRPr lang="sk-SK"/>
-          </a:p>
-        </p:txBody>
-      </p:sp>
+          <p:cNvPicPr>
+            <a:picLocks noChangeAspect="1"/>
+          </p:cNvPicPr>
+          <p:nvPr/>
+        </p:nvPicPr>
+        <p:blipFill>
+          <a:blip r:embed="rId3"/>
+          <a:stretch>
+            <a:fillRect/>
+          </a:stretch>
+        </p:blipFill>
+        <p:spPr>
+          <a:xfrm>
+            <a:off x="5605215" y="2533047"/>
+            <a:ext cx="5410955" cy="4258269"/>
+          </a:xfrm>
+          <a:prstGeom prst="rect">
+            <a:avLst/>
+          </a:prstGeom>
+        </p:spPr>
+      </p:pic>
+      <p:pic>
+        <p:nvPicPr>
+          <p:cNvPr id="10" name="Obrázok 9">
+            <a:extLst>
+              <a:ext uri="{FF2B5EF4-FFF2-40B4-BE49-F238E27FC236}">
+                <a16:creationId xmlns:a16="http://schemas.microsoft.com/office/drawing/2014/main" id="{E7E81E0F-2CE0-43D2-8B48-F7B6AD579DAD}"/>
+              </a:ext>
+            </a:extLst>
+          </p:cNvPr>
+          <p:cNvPicPr>
+            <a:picLocks noChangeAspect="1"/>
+          </p:cNvPicPr>
+          <p:nvPr/>
+        </p:nvPicPr>
+        <p:blipFill>
+          <a:blip r:embed="rId4"/>
+          <a:stretch>
+            <a:fillRect/>
+          </a:stretch>
+        </p:blipFill>
+        <p:spPr>
+          <a:xfrm>
+            <a:off x="703111" y="429298"/>
+            <a:ext cx="3000794" cy="362001"/>
+          </a:xfrm>
+          <a:prstGeom prst="rect">
+            <a:avLst/>
+          </a:prstGeom>
+        </p:spPr>
+      </p:pic>
+      <p:pic>
+        <p:nvPicPr>
+          <p:cNvPr id="11" name="Obrázok 10">
+            <a:extLst>
+              <a:ext uri="{FF2B5EF4-FFF2-40B4-BE49-F238E27FC236}">
+                <a16:creationId xmlns:a16="http://schemas.microsoft.com/office/drawing/2014/main" id="{EDA466B2-9622-4AB5-8AEC-EF7543D03C43}"/>
+              </a:ext>
+            </a:extLst>
+          </p:cNvPr>
+          <p:cNvPicPr>
+            <a:picLocks noChangeAspect="1"/>
+          </p:cNvPicPr>
+          <p:nvPr/>
+        </p:nvPicPr>
+        <p:blipFill>
+          <a:blip r:embed="rId5"/>
+          <a:stretch>
+            <a:fillRect/>
+          </a:stretch>
+        </p:blipFill>
+        <p:spPr>
+          <a:xfrm>
+            <a:off x="6041503" y="407757"/>
+            <a:ext cx="3934374" cy="371527"/>
+          </a:xfrm>
+          <a:prstGeom prst="rect">
+            <a:avLst/>
+          </a:prstGeom>
+        </p:spPr>
+      </p:pic>
     </p:spTree>
     <p:extLst>
       <p:ext uri="{BB962C8B-B14F-4D97-AF65-F5344CB8AC3E}">
-        <p14:creationId xmlns:p14="http://schemas.microsoft.com/office/powerpoint/2010/main" val="200547948"/>
+        <p14:creationId xmlns:p14="http://schemas.microsoft.com/office/powerpoint/2010/main" val="2594681637"/>
       </p:ext>
     </p:extLst>
   </p:cSld>
@@ -4937,7 +5524,7 @@
           <p:cNvPr id="2" name="Nadpis 1">
             <a:extLst>
               <a:ext uri="{FF2B5EF4-FFF2-40B4-BE49-F238E27FC236}">
-                <a16:creationId xmlns:a16="http://schemas.microsoft.com/office/drawing/2014/main" id="{5971A4B5-E7F4-4553-AFF9-C1D2B424CA2D}"/>
+                <a16:creationId xmlns:a16="http://schemas.microsoft.com/office/drawing/2014/main" id="{6C9BEA93-655C-4A0C-843D-138FFC13FC05}"/>
               </a:ext>
             </a:extLst>
           </p:cNvPr>
@@ -4953,39 +5540,637 @@
           <a:bodyPr/>
           <a:lstStyle/>
           <a:p>
-            <a:endParaRPr lang="sk-SK"/>
-          </a:p>
-        </p:txBody>
-      </p:sp>
-      <p:sp>
-        <p:nvSpPr>
-          <p:cNvPr id="3" name="Zástupný objekt pre obsah 2">
-            <a:extLst>
-              <a:ext uri="{FF2B5EF4-FFF2-40B4-BE49-F238E27FC236}">
-                <a16:creationId xmlns:a16="http://schemas.microsoft.com/office/drawing/2014/main" id="{713D5211-7AD5-4634-B1EF-9ACF74C6B55A}"/>
-              </a:ext>
-            </a:extLst>
-          </p:cNvPr>
-          <p:cNvSpPr>
-            <a:spLocks noGrp="1"/>
-          </p:cNvSpPr>
-          <p:nvPr>
-            <p:ph idx="1"/>
-          </p:nvPr>
-        </p:nvSpPr>
-        <p:spPr/>
-        <p:txBody>
-          <a:bodyPr/>
-          <a:lstStyle/>
-          <a:p>
-            <a:endParaRPr lang="sk-SK"/>
-          </a:p>
-        </p:txBody>
-      </p:sp>
+            <a:r>
+              <a:rPr lang="sk-SK" dirty="0"/>
+              <a:t>Matematické modely</a:t>
+            </a:r>
+          </a:p>
+        </p:txBody>
+      </p:sp>
+      <mc:AlternateContent xmlns:mc="http://schemas.openxmlformats.org/markup-compatibility/2006">
+        <mc:Choice xmlns:a14="http://schemas.microsoft.com/office/drawing/2010/main" Requires="a14">
+          <p:sp>
+            <p:nvSpPr>
+              <p:cNvPr id="3" name="Zástupný objekt pre obsah 2">
+                <a:extLst>
+                  <a:ext uri="{FF2B5EF4-FFF2-40B4-BE49-F238E27FC236}">
+                    <a16:creationId xmlns:a16="http://schemas.microsoft.com/office/drawing/2014/main" id="{1EBF287F-BD79-4AE2-9FCF-D3E36269E5AD}"/>
+                  </a:ext>
+                </a:extLst>
+              </p:cNvPr>
+              <p:cNvSpPr>
+                <a:spLocks noGrp="1"/>
+              </p:cNvSpPr>
+              <p:nvPr>
+                <p:ph idx="1"/>
+              </p:nvPr>
+            </p:nvSpPr>
+            <p:spPr>
+              <a:xfrm>
+                <a:off x="1261872" y="1828800"/>
+                <a:ext cx="8595360" cy="4882393"/>
+              </a:xfrm>
+            </p:spPr>
+            <p:txBody>
+              <a:bodyPr>
+                <a:normAutofit/>
+              </a:bodyPr>
+              <a:lstStyle/>
+              <a:p>
+                <a:r>
+                  <a:rPr lang="sk-SK" dirty="0"/>
+                  <a:t>Logistická regresia: </a:t>
+                </a:r>
+                <a14:m>
+                  <m:oMath xmlns:m="http://schemas.openxmlformats.org/officeDocument/2006/math">
+                    <m:r>
+                      <m:rPr>
+                        <m:sty m:val="p"/>
+                      </m:rPr>
+                      <a:rPr lang="sk-SK" b="0" i="0" smtClean="0">
+                        <a:latin typeface="Cambria Math" panose="02040503050406030204" pitchFamily="18" charset="0"/>
+                      </a:rPr>
+                      <m:t>P</m:t>
+                    </m:r>
+                    <m:d>
+                      <m:dPr>
+                        <m:begChr m:val="["/>
+                        <m:endChr m:val="]"/>
+                        <m:ctrlPr>
+                          <a:rPr lang="sk-SK" b="0" i="0" smtClean="0">
+                            <a:latin typeface="Cambria Math" panose="02040503050406030204" pitchFamily="18" charset="0"/>
+                          </a:rPr>
+                        </m:ctrlPr>
+                      </m:dPr>
+                      <m:e>
+                        <m:r>
+                          <m:rPr>
+                            <m:sty m:val="p"/>
+                          </m:rPr>
+                          <a:rPr lang="sk-SK" b="0" i="0" smtClean="0">
+                            <a:latin typeface="Cambria Math" panose="02040503050406030204" pitchFamily="18" charset="0"/>
+                          </a:rPr>
+                          <m:t>Y</m:t>
+                        </m:r>
+                        <m:d>
+                          <m:dPr>
+                            <m:ctrlPr>
+                              <a:rPr lang="sk-SK" b="0" i="0" smtClean="0">
+                                <a:latin typeface="Cambria Math" panose="02040503050406030204" pitchFamily="18" charset="0"/>
+                              </a:rPr>
+                            </m:ctrlPr>
+                          </m:dPr>
+                          <m:e>
+                            <m:r>
+                              <m:rPr>
+                                <m:sty m:val="p"/>
+                              </m:rPr>
+                              <a:rPr lang="sk-SK" b="0" i="0" smtClean="0">
+                                <a:latin typeface="Cambria Math" panose="02040503050406030204" pitchFamily="18" charset="0"/>
+                              </a:rPr>
+                              <m:t>x</m:t>
+                            </m:r>
+                          </m:e>
+                        </m:d>
+                        <m:r>
+                          <a:rPr lang="sk-SK" b="0" i="0" smtClean="0">
+                            <a:latin typeface="Cambria Math" panose="02040503050406030204" pitchFamily="18" charset="0"/>
+                          </a:rPr>
+                          <m:t>=1</m:t>
+                        </m:r>
+                      </m:e>
+                    </m:d>
+                    <m:r>
+                      <a:rPr lang="sk-SK" b="0" i="0" smtClean="0">
+                        <a:latin typeface="Cambria Math" panose="02040503050406030204" pitchFamily="18" charset="0"/>
+                      </a:rPr>
+                      <m:t>=</m:t>
+                    </m:r>
+                    <m:f>
+                      <m:fPr>
+                        <m:ctrlPr>
+                          <a:rPr lang="sk-SK" i="1" smtClean="0">
+                            <a:latin typeface="Cambria Math" panose="02040503050406030204" pitchFamily="18" charset="0"/>
+                          </a:rPr>
+                        </m:ctrlPr>
+                      </m:fPr>
+                      <m:num>
+                        <m:r>
+                          <m:rPr>
+                            <m:sty m:val="p"/>
+                          </m:rPr>
+                          <a:rPr lang="sk-SK" b="0" i="0" smtClean="0">
+                            <a:latin typeface="Cambria Math" panose="02040503050406030204" pitchFamily="18" charset="0"/>
+                          </a:rPr>
+                          <m:t>exp</m:t>
+                        </m:r>
+                        <m:r>
+                          <a:rPr lang="sk-SK" b="0" i="1" smtClean="0">
+                            <a:latin typeface="Cambria Math" panose="02040503050406030204" pitchFamily="18" charset="0"/>
+                          </a:rPr>
+                          <m:t>⁡(</m:t>
+                        </m:r>
+                        <m:r>
+                          <a:rPr lang="sk-SK" b="0" i="1" smtClean="0">
+                            <a:latin typeface="Cambria Math" panose="02040503050406030204" pitchFamily="18" charset="0"/>
+                            <a:ea typeface="Cambria Math" panose="02040503050406030204" pitchFamily="18" charset="0"/>
+                          </a:rPr>
+                          <m:t>𝛽</m:t>
+                        </m:r>
+                        <m:r>
+                          <a:rPr lang="sk-SK" b="0" i="1" smtClean="0">
+                            <a:latin typeface="Cambria Math" panose="02040503050406030204" pitchFamily="18" charset="0"/>
+                            <a:ea typeface="Cambria Math" panose="02040503050406030204" pitchFamily="18" charset="0"/>
+                          </a:rPr>
+                          <m:t>′</m:t>
+                        </m:r>
+                        <m:r>
+                          <a:rPr lang="sk-SK" b="0" i="1" smtClean="0">
+                            <a:latin typeface="Cambria Math" panose="02040503050406030204" pitchFamily="18" charset="0"/>
+                          </a:rPr>
+                          <m:t>𝑥</m:t>
+                        </m:r>
+                        <m:r>
+                          <a:rPr lang="sk-SK" b="0" i="1" smtClean="0">
+                            <a:latin typeface="Cambria Math" panose="02040503050406030204" pitchFamily="18" charset="0"/>
+                          </a:rPr>
+                          <m:t>)</m:t>
+                        </m:r>
+                      </m:num>
+                      <m:den>
+                        <m:r>
+                          <a:rPr lang="sk-SK" b="0" i="1" smtClean="0">
+                            <a:latin typeface="Cambria Math" panose="02040503050406030204" pitchFamily="18" charset="0"/>
+                          </a:rPr>
+                          <m:t>1+</m:t>
+                        </m:r>
+                        <m:r>
+                          <m:rPr>
+                            <m:sty m:val="p"/>
+                          </m:rPr>
+                          <a:rPr lang="sk-SK" b="0" i="0" smtClean="0">
+                            <a:latin typeface="Cambria Math" panose="02040503050406030204" pitchFamily="18" charset="0"/>
+                          </a:rPr>
+                          <m:t>exp</m:t>
+                        </m:r>
+                        <m:r>
+                          <a:rPr lang="sk-SK" b="0" i="1" smtClean="0">
+                            <a:latin typeface="Cambria Math" panose="02040503050406030204" pitchFamily="18" charset="0"/>
+                          </a:rPr>
+                          <m:t>⁡(</m:t>
+                        </m:r>
+                        <m:sSup>
+                          <m:sSupPr>
+                            <m:ctrlPr>
+                              <a:rPr lang="sk-SK" b="0" i="1" smtClean="0">
+                                <a:latin typeface="Cambria Math" panose="02040503050406030204" pitchFamily="18" charset="0"/>
+                                <a:ea typeface="Cambria Math" panose="02040503050406030204" pitchFamily="18" charset="0"/>
+                              </a:rPr>
+                            </m:ctrlPr>
+                          </m:sSupPr>
+                          <m:e>
+                            <m:r>
+                              <a:rPr lang="sk-SK" b="0" i="1" smtClean="0">
+                                <a:latin typeface="Cambria Math" panose="02040503050406030204" pitchFamily="18" charset="0"/>
+                                <a:ea typeface="Cambria Math" panose="02040503050406030204" pitchFamily="18" charset="0"/>
+                              </a:rPr>
+                              <m:t>𝛽</m:t>
+                            </m:r>
+                          </m:e>
+                          <m:sup>
+                            <m:r>
+                              <a:rPr lang="sk-SK" b="0" i="1" smtClean="0">
+                                <a:latin typeface="Cambria Math" panose="02040503050406030204" pitchFamily="18" charset="0"/>
+                                <a:ea typeface="Cambria Math" panose="02040503050406030204" pitchFamily="18" charset="0"/>
+                              </a:rPr>
+                              <m:t>′</m:t>
+                            </m:r>
+                          </m:sup>
+                        </m:sSup>
+                        <m:r>
+                          <a:rPr lang="sk-SK" b="0" i="1" smtClean="0">
+                            <a:latin typeface="Cambria Math" panose="02040503050406030204" pitchFamily="18" charset="0"/>
+                            <a:ea typeface="Cambria Math" panose="02040503050406030204" pitchFamily="18" charset="0"/>
+                          </a:rPr>
+                          <m:t>𝑥</m:t>
+                        </m:r>
+                        <m:r>
+                          <a:rPr lang="sk-SK" b="0" i="1" smtClean="0">
+                            <a:latin typeface="Cambria Math" panose="02040503050406030204" pitchFamily="18" charset="0"/>
+                          </a:rPr>
+                          <m:t>)</m:t>
+                        </m:r>
+                      </m:den>
+                    </m:f>
+                  </m:oMath>
+                </a14:m>
+                <a:endParaRPr lang="sk-SK" dirty="0"/>
+              </a:p>
+              <a:p>
+                <a:r>
+                  <a:rPr lang="sk-SK" dirty="0"/>
+                  <a:t>f1_score: </a:t>
+                </a:r>
+                <a:r>
+                  <a:rPr lang="en-US" dirty="0"/>
+                  <a:t>F1 = 2 * (precision * recall) / (precision + recall)</a:t>
+                </a:r>
+                <a:endParaRPr lang="sk-SK" dirty="0"/>
+              </a:p>
+              <a:p>
+                <a:r>
+                  <a:rPr lang="sk-SK" dirty="0" err="1"/>
+                  <a:t>Precision_score</a:t>
+                </a:r>
+                <a:r>
+                  <a:rPr lang="sk-SK" dirty="0"/>
+                  <a:t>: </a:t>
+                </a:r>
+                <a14:m>
+                  <m:oMath xmlns:m="http://schemas.openxmlformats.org/officeDocument/2006/math">
+                    <m:r>
+                      <m:rPr>
+                        <m:sty m:val="p"/>
+                      </m:rPr>
+                      <a:rPr lang="sk-SK" b="0" i="0" dirty="0" smtClean="0">
+                        <a:latin typeface="Cambria Math" panose="02040503050406030204" pitchFamily="18" charset="0"/>
+                      </a:rPr>
+                      <m:t>Ps</m:t>
+                    </m:r>
+                    <m:r>
+                      <a:rPr lang="sk-SK" b="0" i="0" dirty="0" smtClean="0">
+                        <a:latin typeface="Cambria Math" panose="02040503050406030204" pitchFamily="18" charset="0"/>
+                      </a:rPr>
+                      <m:t>=</m:t>
+                    </m:r>
+                    <m:f>
+                      <m:fPr>
+                        <m:ctrlPr>
+                          <a:rPr lang="sk-SK" i="1" dirty="0" smtClean="0">
+                            <a:latin typeface="Cambria Math" panose="02040503050406030204" pitchFamily="18" charset="0"/>
+                          </a:rPr>
+                        </m:ctrlPr>
+                      </m:fPr>
+                      <m:num>
+                        <m:r>
+                          <a:rPr lang="sk-SK" b="0" i="1" dirty="0" smtClean="0">
+                            <a:latin typeface="Cambria Math" panose="02040503050406030204" pitchFamily="18" charset="0"/>
+                          </a:rPr>
+                          <m:t>𝑡𝑝</m:t>
+                        </m:r>
+                      </m:num>
+                      <m:den>
+                        <m:r>
+                          <a:rPr lang="sk-SK" b="0" i="1" dirty="0" smtClean="0">
+                            <a:latin typeface="Cambria Math" panose="02040503050406030204" pitchFamily="18" charset="0"/>
+                          </a:rPr>
+                          <m:t>𝑡𝑝</m:t>
+                        </m:r>
+                        <m:r>
+                          <a:rPr lang="sk-SK" b="0" i="1" dirty="0" smtClean="0">
+                            <a:latin typeface="Cambria Math" panose="02040503050406030204" pitchFamily="18" charset="0"/>
+                          </a:rPr>
+                          <m:t>+</m:t>
+                        </m:r>
+                        <m:r>
+                          <a:rPr lang="sk-SK" b="0" i="1" dirty="0" smtClean="0">
+                            <a:latin typeface="Cambria Math" panose="02040503050406030204" pitchFamily="18" charset="0"/>
+                          </a:rPr>
+                          <m:t>𝑓𝑝</m:t>
+                        </m:r>
+                      </m:den>
+                    </m:f>
+                  </m:oMath>
+                </a14:m>
+                <a:endParaRPr lang="sk-SK" dirty="0"/>
+              </a:p>
+              <a:p>
+                <a:r>
+                  <a:rPr lang="sk-SK" dirty="0" err="1"/>
+                  <a:t>Recall_score</a:t>
+                </a:r>
+                <a:r>
+                  <a:rPr lang="sk-SK" dirty="0"/>
+                  <a:t>: </a:t>
+                </a:r>
+                <a:r>
+                  <a:rPr lang="sk-SK" dirty="0" err="1"/>
+                  <a:t>Rs</a:t>
+                </a:r>
+                <a:r>
+                  <a:rPr lang="sk-SK" dirty="0"/>
+                  <a:t> = </a:t>
+                </a:r>
+                <a14:m>
+                  <m:oMath xmlns:m="http://schemas.openxmlformats.org/officeDocument/2006/math">
+                    <m:r>
+                      <a:rPr lang="sk-SK" b="0" i="1" smtClean="0">
+                        <a:latin typeface="Cambria Math" panose="02040503050406030204" pitchFamily="18" charset="0"/>
+                      </a:rPr>
+                      <m:t>𝑅𝑠</m:t>
+                    </m:r>
+                    <m:r>
+                      <a:rPr lang="sk-SK" b="0" i="1" smtClean="0">
+                        <a:latin typeface="Cambria Math" panose="02040503050406030204" pitchFamily="18" charset="0"/>
+                      </a:rPr>
+                      <m:t>= </m:t>
+                    </m:r>
+                    <m:f>
+                      <m:fPr>
+                        <m:ctrlPr>
+                          <a:rPr lang="sk-SK" b="0" i="1" smtClean="0">
+                            <a:latin typeface="Cambria Math" panose="02040503050406030204" pitchFamily="18" charset="0"/>
+                          </a:rPr>
+                        </m:ctrlPr>
+                      </m:fPr>
+                      <m:num>
+                        <m:r>
+                          <a:rPr lang="sk-SK" b="0" i="1" smtClean="0">
+                            <a:latin typeface="Cambria Math" panose="02040503050406030204" pitchFamily="18" charset="0"/>
+                          </a:rPr>
+                          <m:t>𝑡𝑝</m:t>
+                        </m:r>
+                      </m:num>
+                      <m:den>
+                        <m:r>
+                          <a:rPr lang="sk-SK" b="0" i="1" smtClean="0">
+                            <a:latin typeface="Cambria Math" panose="02040503050406030204" pitchFamily="18" charset="0"/>
+                          </a:rPr>
+                          <m:t>𝑡𝑝</m:t>
+                        </m:r>
+                        <m:r>
+                          <a:rPr lang="sk-SK" b="0" i="1" smtClean="0">
+                            <a:latin typeface="Cambria Math" panose="02040503050406030204" pitchFamily="18" charset="0"/>
+                          </a:rPr>
+                          <m:t>+</m:t>
+                        </m:r>
+                        <m:r>
+                          <a:rPr lang="sk-SK" b="0" i="1" smtClean="0">
+                            <a:latin typeface="Cambria Math" panose="02040503050406030204" pitchFamily="18" charset="0"/>
+                          </a:rPr>
+                          <m:t>𝑓𝑛</m:t>
+                        </m:r>
+                      </m:den>
+                    </m:f>
+                  </m:oMath>
+                </a14:m>
+                <a:endParaRPr lang="sk-SK" dirty="0"/>
+              </a:p>
+              <a:p>
+                <a:r>
+                  <a:rPr lang="sk-SK" dirty="0" err="1"/>
+                  <a:t>StandardScaler</a:t>
+                </a:r>
+                <a:r>
+                  <a:rPr lang="sk-SK" dirty="0"/>
+                  <a:t>: </a:t>
+                </a:r>
+                <a14:m>
+                  <m:oMath xmlns:m="http://schemas.openxmlformats.org/officeDocument/2006/math">
+                    <m:sSub>
+                      <m:sSubPr>
+                        <m:ctrlPr>
+                          <a:rPr lang="sk-SK" i="1" smtClean="0">
+                            <a:latin typeface="Cambria Math" panose="02040503050406030204" pitchFamily="18" charset="0"/>
+                          </a:rPr>
+                        </m:ctrlPr>
+                      </m:sSubPr>
+                      <m:e>
+                        <m:r>
+                          <a:rPr lang="sk-SK" b="0" i="1" smtClean="0">
+                            <a:latin typeface="Cambria Math" panose="02040503050406030204" pitchFamily="18" charset="0"/>
+                          </a:rPr>
+                          <m:t>𝑥</m:t>
+                        </m:r>
+                      </m:e>
+                      <m:sub>
+                        <m:r>
+                          <a:rPr lang="sk-SK" b="0" i="1" smtClean="0">
+                            <a:latin typeface="Cambria Math" panose="02040503050406030204" pitchFamily="18" charset="0"/>
+                          </a:rPr>
+                          <m:t>𝑠𝑐𝑎𝑙𝑒𝑑</m:t>
+                        </m:r>
+                      </m:sub>
+                    </m:sSub>
+                    <m:r>
+                      <a:rPr lang="sk-SK" b="0" i="1" smtClean="0">
+                        <a:latin typeface="Cambria Math" panose="02040503050406030204" pitchFamily="18" charset="0"/>
+                      </a:rPr>
+                      <m:t>=(</m:t>
+                    </m:r>
+                    <m:r>
+                      <a:rPr lang="sk-SK" b="0" i="1" smtClean="0">
+                        <a:latin typeface="Cambria Math" panose="02040503050406030204" pitchFamily="18" charset="0"/>
+                      </a:rPr>
+                      <m:t>𝑥</m:t>
+                    </m:r>
+                    <m:r>
+                      <a:rPr lang="sk-SK" b="0" i="1" smtClean="0">
+                        <a:latin typeface="Cambria Math" panose="02040503050406030204" pitchFamily="18" charset="0"/>
+                      </a:rPr>
+                      <m:t>−</m:t>
+                    </m:r>
+                    <m:r>
+                      <a:rPr lang="sk-SK" b="0" i="1" smtClean="0">
+                        <a:latin typeface="Cambria Math" panose="02040503050406030204" pitchFamily="18" charset="0"/>
+                      </a:rPr>
+                      <m:t>𝑢</m:t>
+                    </m:r>
+                    <m:r>
+                      <a:rPr lang="sk-SK" b="0" i="1" smtClean="0">
+                        <a:latin typeface="Cambria Math" panose="02040503050406030204" pitchFamily="18" charset="0"/>
+                      </a:rPr>
+                      <m:t>)/</m:t>
+                    </m:r>
+                    <m:r>
+                      <a:rPr lang="sk-SK" b="0" i="1" smtClean="0">
+                        <a:latin typeface="Cambria Math" panose="02040503050406030204" pitchFamily="18" charset="0"/>
+                      </a:rPr>
+                      <m:t>𝑠</m:t>
+                    </m:r>
+                  </m:oMath>
+                </a14:m>
+                <a:endParaRPr lang="sk-SK" dirty="0"/>
+              </a:p>
+              <a:p>
+                <a:r>
+                  <a:rPr lang="sk-SK" dirty="0" err="1"/>
+                  <a:t>Relu</a:t>
+                </a:r>
+                <a:r>
+                  <a:rPr lang="sk-SK" dirty="0"/>
+                  <a:t>: max(x,0)</a:t>
+                </a:r>
+              </a:p>
+              <a:p>
+                <a:r>
+                  <a:rPr lang="sk-SK" dirty="0" err="1"/>
+                  <a:t>Softmax</a:t>
+                </a:r>
+                <a:r>
+                  <a:rPr lang="sk-SK" dirty="0"/>
+                  <a:t>: </a:t>
+                </a:r>
+                <a14:m>
+                  <m:oMath xmlns:m="http://schemas.openxmlformats.org/officeDocument/2006/math">
+                    <m:f>
+                      <m:fPr>
+                        <m:ctrlPr>
+                          <a:rPr lang="sk-SK" i="1" smtClean="0">
+                            <a:latin typeface="Cambria Math" panose="02040503050406030204" pitchFamily="18" charset="0"/>
+                          </a:rPr>
+                        </m:ctrlPr>
+                      </m:fPr>
+                      <m:num>
+                        <m:r>
+                          <m:rPr>
+                            <m:sty m:val="p"/>
+                          </m:rPr>
+                          <a:rPr lang="sk-SK" b="0" i="0" smtClean="0">
+                            <a:latin typeface="Cambria Math" panose="02040503050406030204" pitchFamily="18" charset="0"/>
+                          </a:rPr>
+                          <m:t>exp</m:t>
+                        </m:r>
+                        <m:r>
+                          <a:rPr lang="sk-SK" b="0" i="1" smtClean="0">
+                            <a:latin typeface="Cambria Math" panose="02040503050406030204" pitchFamily="18" charset="0"/>
+                          </a:rPr>
+                          <m:t>⁡(</m:t>
+                        </m:r>
+                        <m:r>
+                          <a:rPr lang="sk-SK" b="0" i="1" smtClean="0">
+                            <a:latin typeface="Cambria Math" panose="02040503050406030204" pitchFamily="18" charset="0"/>
+                          </a:rPr>
+                          <m:t>𝑥</m:t>
+                        </m:r>
+                        <m:r>
+                          <a:rPr lang="sk-SK" b="0" i="1" smtClean="0">
+                            <a:latin typeface="Cambria Math" panose="02040503050406030204" pitchFamily="18" charset="0"/>
+                          </a:rPr>
+                          <m:t>)</m:t>
+                        </m:r>
+                      </m:num>
+                      <m:den>
+                        <m:r>
+                          <a:rPr lang="sk-SK" b="0" i="1" smtClean="0">
+                            <a:latin typeface="Cambria Math" panose="02040503050406030204" pitchFamily="18" charset="0"/>
+                          </a:rPr>
+                          <m:t>𝑡𝑓</m:t>
+                        </m:r>
+                        <m:r>
+                          <a:rPr lang="sk-SK" b="0" i="1" smtClean="0">
+                            <a:latin typeface="Cambria Math" panose="02040503050406030204" pitchFamily="18" charset="0"/>
+                          </a:rPr>
+                          <m:t>.</m:t>
+                        </m:r>
+                        <m:r>
+                          <a:rPr lang="sk-SK" b="0" i="1" smtClean="0">
+                            <a:latin typeface="Cambria Math" panose="02040503050406030204" pitchFamily="18" charset="0"/>
+                          </a:rPr>
+                          <m:t>𝑟𝑒𝑑𝑢𝑐𝑒</m:t>
+                        </m:r>
+                        <m:r>
+                          <a:rPr lang="sk-SK" b="0" i="1" smtClean="0">
+                            <a:latin typeface="Cambria Math" panose="02040503050406030204" pitchFamily="18" charset="0"/>
+                          </a:rPr>
+                          <m:t>_</m:t>
+                        </m:r>
+                        <m:r>
+                          <a:rPr lang="sk-SK" b="0" i="1" smtClean="0">
+                            <a:latin typeface="Cambria Math" panose="02040503050406030204" pitchFamily="18" charset="0"/>
+                          </a:rPr>
+                          <m:t>𝑠𝑢𝑚</m:t>
+                        </m:r>
+                        <m:r>
+                          <a:rPr lang="sk-SK" b="0" i="1" smtClean="0">
+                            <a:latin typeface="Cambria Math" panose="02040503050406030204" pitchFamily="18" charset="0"/>
+                          </a:rPr>
+                          <m:t>(</m:t>
+                        </m:r>
+                        <m:r>
+                          <m:rPr>
+                            <m:sty m:val="p"/>
+                          </m:rPr>
+                          <a:rPr lang="sk-SK" b="0" i="0" smtClean="0">
+                            <a:latin typeface="Cambria Math" panose="02040503050406030204" pitchFamily="18" charset="0"/>
+                          </a:rPr>
+                          <m:t>exp</m:t>
+                        </m:r>
+                        <m:r>
+                          <a:rPr lang="sk-SK" b="0" i="1" smtClean="0">
+                            <a:latin typeface="Cambria Math" panose="02040503050406030204" pitchFamily="18" charset="0"/>
+                          </a:rPr>
+                          <m:t>⁡(</m:t>
+                        </m:r>
+                        <m:r>
+                          <a:rPr lang="sk-SK" b="0" i="1" smtClean="0">
+                            <a:latin typeface="Cambria Math" panose="02040503050406030204" pitchFamily="18" charset="0"/>
+                          </a:rPr>
+                          <m:t>𝑥</m:t>
+                        </m:r>
+                        <m:r>
+                          <a:rPr lang="sk-SK" b="0" i="1" smtClean="0">
+                            <a:latin typeface="Cambria Math" panose="02040503050406030204" pitchFamily="18" charset="0"/>
+                          </a:rPr>
+                          <m:t>))</m:t>
+                        </m:r>
+                      </m:den>
+                    </m:f>
+                  </m:oMath>
+                </a14:m>
+                <a:endParaRPr lang="sk-SK" dirty="0"/>
+              </a:p>
+            </p:txBody>
+          </p:sp>
+        </mc:Choice>
+        <mc:Fallback>
+          <p:sp>
+            <p:nvSpPr>
+              <p:cNvPr id="3" name="Zástupný objekt pre obsah 2">
+                <a:extLst>
+                  <a:ext uri="{FF2B5EF4-FFF2-40B4-BE49-F238E27FC236}">
+                    <a16:creationId xmlns:a16="http://schemas.microsoft.com/office/drawing/2014/main" id="{1EBF287F-BD79-4AE2-9FCF-D3E36269E5AD}"/>
+                  </a:ext>
+                </a:extLst>
+              </p:cNvPr>
+              <p:cNvSpPr>
+                <a:spLocks noGrp="1" noRot="1" noChangeAspect="1" noMove="1" noResize="1" noEditPoints="1" noAdjustHandles="1" noChangeArrowheads="1" noChangeShapeType="1" noTextEdit="1"/>
+              </p:cNvSpPr>
+              <p:nvPr>
+                <p:ph idx="1"/>
+              </p:nvPr>
+            </p:nvSpPr>
+            <p:spPr>
+              <a:xfrm>
+                <a:off x="1261872" y="1828800"/>
+                <a:ext cx="8595360" cy="4882393"/>
+              </a:xfrm>
+              <a:blipFill>
+                <a:blip r:embed="rId2"/>
+                <a:stretch>
+                  <a:fillRect l="-142"/>
+                </a:stretch>
+              </a:blipFill>
+            </p:spPr>
+            <p:txBody>
+              <a:bodyPr/>
+              <a:lstStyle/>
+              <a:p>
+                <a:r>
+                  <a:rPr lang="sk-SK">
+                    <a:noFill/>
+                  </a:rPr>
+                  <a:t> </a:t>
+                </a:r>
+              </a:p>
+            </p:txBody>
+          </p:sp>
+        </mc:Fallback>
+      </mc:AlternateContent>
     </p:spTree>
     <p:extLst>
       <p:ext uri="{BB962C8B-B14F-4D97-AF65-F5344CB8AC3E}">
-        <p14:creationId xmlns:p14="http://schemas.microsoft.com/office/powerpoint/2010/main" val="1126698238"/>
+        <p14:creationId xmlns:p14="http://schemas.microsoft.com/office/powerpoint/2010/main" val="1241328556"/>
       </p:ext>
     </p:extLst>
   </p:cSld>
@@ -5017,7 +6202,7 @@
           <p:cNvPr id="2" name="Nadpis 1">
             <a:extLst>
               <a:ext uri="{FF2B5EF4-FFF2-40B4-BE49-F238E27FC236}">
-                <a16:creationId xmlns:a16="http://schemas.microsoft.com/office/drawing/2014/main" id="{A121FA12-FFB1-401D-B58F-04C60F8DEA5E}"/>
+                <a16:creationId xmlns:a16="http://schemas.microsoft.com/office/drawing/2014/main" id="{0AE69F46-84BA-4F2D-8DA1-BE5CF30B42F7}"/>
               </a:ext>
             </a:extLst>
           </p:cNvPr>
@@ -5034,42 +6219,273 @@
           <a:lstStyle/>
           <a:p>
             <a:r>
-              <a:rPr lang="sk-SK" dirty="0" err="1"/>
-              <a:t>Keras</a:t>
-            </a:r>
-            <a:endParaRPr lang="sk-SK" dirty="0"/>
-          </a:p>
-        </p:txBody>
-      </p:sp>
-      <p:sp>
-        <p:nvSpPr>
-          <p:cNvPr id="3" name="Zástupný objekt pre obsah 2">
-            <a:extLst>
-              <a:ext uri="{FF2B5EF4-FFF2-40B4-BE49-F238E27FC236}">
-                <a16:creationId xmlns:a16="http://schemas.microsoft.com/office/drawing/2014/main" id="{9ADBF6E8-6FC0-4B6B-B5FA-6EA7A9DC3B68}"/>
-              </a:ext>
-            </a:extLst>
-          </p:cNvPr>
-          <p:cNvSpPr>
-            <a:spLocks noGrp="1"/>
-          </p:cNvSpPr>
-          <p:nvPr>
-            <p:ph idx="1"/>
-          </p:nvPr>
-        </p:nvSpPr>
-        <p:spPr/>
-        <p:txBody>
-          <a:bodyPr/>
-          <a:lstStyle/>
-          <a:p>
-            <a:endParaRPr lang="sk-SK"/>
-          </a:p>
-        </p:txBody>
-      </p:sp>
+              <a:rPr lang="sk-SK" dirty="0"/>
+              <a:t>Vysvetlivky</a:t>
+            </a:r>
+          </a:p>
+        </p:txBody>
+      </p:sp>
+      <mc:AlternateContent xmlns:mc="http://schemas.openxmlformats.org/markup-compatibility/2006">
+        <mc:Choice xmlns:a14="http://schemas.microsoft.com/office/drawing/2010/main" Requires="a14">
+          <p:sp>
+            <p:nvSpPr>
+              <p:cNvPr id="3" name="Zástupný objekt pre obsah 2">
+                <a:extLst>
+                  <a:ext uri="{FF2B5EF4-FFF2-40B4-BE49-F238E27FC236}">
+                    <a16:creationId xmlns:a16="http://schemas.microsoft.com/office/drawing/2014/main" id="{4D851842-9502-414E-88E0-A267C38FD9B6}"/>
+                  </a:ext>
+                </a:extLst>
+              </p:cNvPr>
+              <p:cNvSpPr>
+                <a:spLocks noGrp="1"/>
+              </p:cNvSpPr>
+              <p:nvPr>
+                <p:ph idx="1"/>
+              </p:nvPr>
+            </p:nvSpPr>
+            <p:spPr/>
+            <p:txBody>
+              <a:bodyPr/>
+              <a:lstStyle/>
+              <a:p>
+                <a:r>
+                  <a:rPr lang="sk-SK" dirty="0"/>
+                  <a:t>Precision – schopnosť </a:t>
+                </a:r>
+                <a:r>
+                  <a:rPr lang="sk-SK" dirty="0" err="1"/>
+                  <a:t>klasifikátora</a:t>
+                </a:r>
+                <a:r>
+                  <a:rPr lang="sk-SK" dirty="0"/>
+                  <a:t> s akou neoznačí pozitívne vzorky ako negatívne</a:t>
+                </a:r>
+              </a:p>
+              <a:p>
+                <a:r>
+                  <a:rPr lang="sk-SK" dirty="0" err="1"/>
+                  <a:t>Recall</a:t>
+                </a:r>
+                <a:r>
+                  <a:rPr lang="sk-SK" dirty="0"/>
+                  <a:t> – schopnosť </a:t>
+                </a:r>
+                <a:r>
+                  <a:rPr lang="sk-SK" dirty="0" err="1"/>
+                  <a:t>klasifikátora</a:t>
+                </a:r>
+                <a:r>
+                  <a:rPr lang="sk-SK" dirty="0"/>
+                  <a:t> s akou nájde všetky pozitívne vzorky</a:t>
+                </a:r>
+              </a:p>
+              <a:p>
+                <a:r>
+                  <a:rPr lang="sk-SK" dirty="0"/>
+                  <a:t>F1-score – priemer hodnôt </a:t>
+                </a:r>
+                <a:r>
+                  <a:rPr lang="sk-SK" dirty="0" err="1"/>
+                  <a:t>precision</a:t>
+                </a:r>
+                <a:r>
+                  <a:rPr lang="sk-SK" dirty="0"/>
+                  <a:t> a </a:t>
+                </a:r>
+                <a:r>
+                  <a:rPr lang="sk-SK" dirty="0" err="1"/>
+                  <a:t>recall</a:t>
+                </a:r>
+                <a:endParaRPr lang="sk-SK" dirty="0"/>
+              </a:p>
+              <a:p>
+                <a:r>
+                  <a:rPr lang="sk-SK" dirty="0" err="1"/>
+                  <a:t>Tp</a:t>
+                </a:r>
+                <a:r>
+                  <a:rPr lang="sk-SK" dirty="0"/>
+                  <a:t> – </a:t>
+                </a:r>
+                <a:r>
+                  <a:rPr lang="sk-SK" dirty="0" err="1"/>
+                  <a:t>True</a:t>
+                </a:r>
+                <a:r>
+                  <a:rPr lang="sk-SK" dirty="0"/>
+                  <a:t> </a:t>
+                </a:r>
+                <a:r>
+                  <a:rPr lang="sk-SK" dirty="0" err="1"/>
+                  <a:t>positive</a:t>
+                </a:r>
+                <a:r>
+                  <a:rPr lang="sk-SK" dirty="0"/>
+                  <a:t> – počet správne odhadnutých kladných hodnôt</a:t>
+                </a:r>
+              </a:p>
+              <a:p>
+                <a:r>
+                  <a:rPr lang="sk-SK" dirty="0" err="1"/>
+                  <a:t>Fp</a:t>
+                </a:r>
+                <a:r>
+                  <a:rPr lang="sk-SK" dirty="0"/>
+                  <a:t> – </a:t>
+                </a:r>
+                <a:r>
+                  <a:rPr lang="sk-SK" dirty="0" err="1"/>
+                  <a:t>False</a:t>
+                </a:r>
+                <a:r>
+                  <a:rPr lang="sk-SK" dirty="0"/>
+                  <a:t> </a:t>
+                </a:r>
+                <a:r>
+                  <a:rPr lang="sk-SK" dirty="0" err="1"/>
+                  <a:t>positive</a:t>
+                </a:r>
+                <a:r>
+                  <a:rPr lang="sk-SK" dirty="0"/>
+                  <a:t> – počet nesprávne odhadnutých kladných hodnôt</a:t>
+                </a:r>
+              </a:p>
+              <a:p>
+                <a:r>
+                  <a:rPr lang="sk-SK" dirty="0" err="1"/>
+                  <a:t>Fn</a:t>
+                </a:r>
+                <a:r>
+                  <a:rPr lang="sk-SK" dirty="0"/>
+                  <a:t> – </a:t>
+                </a:r>
+                <a:r>
+                  <a:rPr lang="sk-SK" dirty="0" err="1"/>
+                  <a:t>False</a:t>
+                </a:r>
+                <a:r>
+                  <a:rPr lang="sk-SK" dirty="0"/>
+                  <a:t> </a:t>
+                </a:r>
+                <a:r>
+                  <a:rPr lang="sk-SK" dirty="0" err="1"/>
+                  <a:t>negative</a:t>
+                </a:r>
+                <a:r>
+                  <a:rPr lang="sk-SK" dirty="0"/>
+                  <a:t> – počet nesprávne odhadnutých záporných hodnôt</a:t>
+                </a:r>
+              </a:p>
+              <a:p>
+                <a:r>
+                  <a:rPr lang="sk-SK" dirty="0" err="1"/>
+                  <a:t>Tf.reduce_sum</a:t>
+                </a:r>
+                <a:r>
+                  <a:rPr lang="sk-SK" dirty="0"/>
+                  <a:t> – vypočítanie sumy elementov cez všetky dimenzie </a:t>
+                </a:r>
+                <a:r>
+                  <a:rPr lang="sk-SK" dirty="0" err="1"/>
+                  <a:t>tenzoru</a:t>
+                </a:r>
+                <a:endParaRPr lang="sk-SK" dirty="0"/>
+              </a:p>
+              <a:p>
+                <a14:m>
+                  <m:oMath xmlns:m="http://schemas.openxmlformats.org/officeDocument/2006/math">
+                    <m:sSup>
+                      <m:sSupPr>
+                        <m:ctrlPr>
+                          <a:rPr lang="sk-SK" b="0" i="1" smtClean="0">
+                            <a:latin typeface="Cambria Math" panose="02040503050406030204" pitchFamily="18" charset="0"/>
+                            <a:ea typeface="Cambria Math" panose="02040503050406030204" pitchFamily="18" charset="0"/>
+                          </a:rPr>
+                        </m:ctrlPr>
+                      </m:sSupPr>
+                      <m:e>
+                        <m:r>
+                          <a:rPr lang="sk-SK" i="1" smtClean="0">
+                            <a:latin typeface="Cambria Math" panose="02040503050406030204" pitchFamily="18" charset="0"/>
+                            <a:ea typeface="Cambria Math" panose="02040503050406030204" pitchFamily="18" charset="0"/>
+                          </a:rPr>
+                          <m:t>𝛽</m:t>
+                        </m:r>
+                      </m:e>
+                      <m:sup>
+                        <m:r>
+                          <a:rPr lang="sk-SK" b="0" i="1" smtClean="0">
+                            <a:latin typeface="Cambria Math" panose="02040503050406030204" pitchFamily="18" charset="0"/>
+                            <a:ea typeface="Cambria Math" panose="02040503050406030204" pitchFamily="18" charset="0"/>
+                          </a:rPr>
+                          <m:t>′</m:t>
+                        </m:r>
+                      </m:sup>
+                    </m:sSup>
+                    <m:r>
+                      <a:rPr lang="sk-SK" b="0" i="1" smtClean="0">
+                        <a:latin typeface="Cambria Math" panose="02040503050406030204" pitchFamily="18" charset="0"/>
+                        <a:ea typeface="Cambria Math" panose="02040503050406030204" pitchFamily="18" charset="0"/>
+                      </a:rPr>
+                      <m:t>𝑥</m:t>
+                    </m:r>
+                  </m:oMath>
+                </a14:m>
+                <a:r>
+                  <a:rPr lang="sk-SK" dirty="0"/>
+                  <a:t> – všetky triedy, ktoré vstupujú do modelu </a:t>
+                </a:r>
+              </a:p>
+              <a:p>
+                <a:endParaRPr lang="sk-SK" dirty="0"/>
+              </a:p>
+            </p:txBody>
+          </p:sp>
+        </mc:Choice>
+        <mc:Fallback>
+          <p:sp>
+            <p:nvSpPr>
+              <p:cNvPr id="3" name="Zástupný objekt pre obsah 2">
+                <a:extLst>
+                  <a:ext uri="{FF2B5EF4-FFF2-40B4-BE49-F238E27FC236}">
+                    <a16:creationId xmlns:a16="http://schemas.microsoft.com/office/drawing/2014/main" id="{4D851842-9502-414E-88E0-A267C38FD9B6}"/>
+                  </a:ext>
+                </a:extLst>
+              </p:cNvPr>
+              <p:cNvSpPr>
+                <a:spLocks noGrp="1" noRot="1" noChangeAspect="1" noMove="1" noResize="1" noEditPoints="1" noAdjustHandles="1" noChangeArrowheads="1" noChangeShapeType="1" noTextEdit="1"/>
+              </p:cNvSpPr>
+              <p:nvPr>
+                <p:ph idx="1"/>
+              </p:nvPr>
+            </p:nvSpPr>
+            <p:spPr>
+              <a:blipFill>
+                <a:blip r:embed="rId2"/>
+                <a:stretch>
+                  <a:fillRect l="-142" t="-980"/>
+                </a:stretch>
+              </a:blipFill>
+            </p:spPr>
+            <p:txBody>
+              <a:bodyPr/>
+              <a:lstStyle/>
+              <a:p>
+                <a:r>
+                  <a:rPr lang="sk-SK">
+                    <a:noFill/>
+                  </a:rPr>
+                  <a:t> </a:t>
+                </a:r>
+              </a:p>
+            </p:txBody>
+          </p:sp>
+        </mc:Fallback>
+      </mc:AlternateContent>
     </p:spTree>
     <p:extLst>
       <p:ext uri="{BB962C8B-B14F-4D97-AF65-F5344CB8AC3E}">
-        <p14:creationId xmlns:p14="http://schemas.microsoft.com/office/powerpoint/2010/main" val="377708743"/>
+        <p14:creationId xmlns:p14="http://schemas.microsoft.com/office/powerpoint/2010/main" val="3503467508"/>
       </p:ext>
     </p:extLst>
   </p:cSld>
@@ -5098,10 +6514,10 @@
       </p:grpSpPr>
       <p:sp>
         <p:nvSpPr>
-          <p:cNvPr id="2" name="Nadpis 1">
+          <p:cNvPr id="3" name="Zástupný objekt pre obsah 2">
             <a:extLst>
               <a:ext uri="{FF2B5EF4-FFF2-40B4-BE49-F238E27FC236}">
-                <a16:creationId xmlns:a16="http://schemas.microsoft.com/office/drawing/2014/main" id="{6C9BEA93-655C-4A0C-843D-138FFC13FC05}"/>
+                <a16:creationId xmlns:a16="http://schemas.microsoft.com/office/drawing/2014/main" id="{5A4D4779-50F0-4D79-AECD-82F546F91B2C}"/>
               </a:ext>
             </a:extLst>
           </p:cNvPr>
@@ -5109,214 +6525,37 @@
             <a:spLocks noGrp="1"/>
           </p:cNvSpPr>
           <p:nvPr>
-            <p:ph type="title"/>
-          </p:nvPr>
-        </p:nvSpPr>
-        <p:spPr/>
+            <p:ph idx="1"/>
+          </p:nvPr>
+        </p:nvSpPr>
+        <p:spPr>
+          <a:xfrm>
+            <a:off x="838200" y="1884348"/>
+            <a:ext cx="10515600" cy="4351338"/>
+          </a:xfrm>
+        </p:spPr>
         <p:txBody>
           <a:bodyPr/>
           <a:lstStyle/>
           <a:p>
-            <a:r>
-              <a:rPr lang="sk-SK" dirty="0"/>
-              <a:t>Matematické modely</a:t>
-            </a:r>
-          </a:p>
-        </p:txBody>
-      </p:sp>
-      <p:sp>
-        <p:nvSpPr>
-          <p:cNvPr id="3" name="Zástupný objekt pre obsah 2">
-            <a:extLst>
-              <a:ext uri="{FF2B5EF4-FFF2-40B4-BE49-F238E27FC236}">
-                <a16:creationId xmlns:a16="http://schemas.microsoft.com/office/drawing/2014/main" id="{1EBF287F-BD79-4AE2-9FCF-D3E36269E5AD}"/>
-              </a:ext>
-            </a:extLst>
-          </p:cNvPr>
-          <p:cNvSpPr>
-            <a:spLocks noGrp="1"/>
-          </p:cNvSpPr>
-          <p:nvPr>
-            <p:ph idx="1"/>
-          </p:nvPr>
-        </p:nvSpPr>
-        <p:spPr/>
-        <p:txBody>
-          <a:bodyPr/>
-          <a:lstStyle/>
-          <a:p>
-            <a:r>
-              <a:rPr lang="sk-SK" dirty="0"/>
-              <a:t>Percentuálne podiely hodnôt: x = (</a:t>
-            </a:r>
-            <a:r>
-              <a:rPr lang="sk-SK" dirty="0" err="1"/>
-              <a:t>count</a:t>
-            </a:r>
-            <a:r>
-              <a:rPr lang="sk-SK" dirty="0"/>
-              <a:t>/</a:t>
-            </a:r>
-            <a:r>
-              <a:rPr lang="sk-SK" dirty="0" err="1"/>
-              <a:t>sum</a:t>
-            </a:r>
-            <a:r>
-              <a:rPr lang="sk-SK" dirty="0"/>
-              <a:t>)*100</a:t>
-            </a:r>
-          </a:p>
-          <a:p>
-            <a:r>
-              <a:rPr lang="sk-SK" dirty="0"/>
-              <a:t>Normálová distribúcia: </a:t>
-            </a:r>
-          </a:p>
-          <a:p>
-            <a:r>
-              <a:rPr lang="sk-SK" dirty="0"/>
-              <a:t>f1_score: </a:t>
-            </a:r>
-            <a:r>
-              <a:rPr lang="en-US" dirty="0"/>
-              <a:t>F1 = 2 * (precision * recall) / (precision + recall)</a:t>
-            </a:r>
+            <a:pPr marL="0" indent="0" algn="ctr">
+              <a:buNone/>
+            </a:pPr>
             <a:endParaRPr lang="sk-SK" dirty="0"/>
           </a:p>
           <a:p>
-            <a:r>
-              <a:rPr lang="sk-SK" dirty="0" err="1"/>
-              <a:t>Precision_score</a:t>
-            </a:r>
-            <a:r>
-              <a:rPr lang="sk-SK" dirty="0"/>
-              <a:t>: Ps = </a:t>
-            </a:r>
-            <a:r>
-              <a:rPr lang="sk-SK" dirty="0" err="1"/>
-              <a:t>tp</a:t>
-            </a:r>
-            <a:r>
-              <a:rPr lang="sk-SK" dirty="0"/>
-              <a:t> / (</a:t>
-            </a:r>
-            <a:r>
-              <a:rPr lang="sk-SK" dirty="0" err="1"/>
-              <a:t>tp</a:t>
-            </a:r>
-            <a:r>
-              <a:rPr lang="sk-SK" dirty="0"/>
-              <a:t> + </a:t>
-            </a:r>
-            <a:r>
-              <a:rPr lang="sk-SK" dirty="0" err="1"/>
-              <a:t>fp</a:t>
-            </a:r>
-            <a:r>
-              <a:rPr lang="sk-SK" dirty="0"/>
-              <a:t>)</a:t>
-            </a:r>
-          </a:p>
-          <a:p>
-            <a:r>
-              <a:rPr lang="sk-SK" dirty="0" err="1"/>
-              <a:t>Recall_score</a:t>
-            </a:r>
-            <a:r>
-              <a:rPr lang="sk-SK" dirty="0"/>
-              <a:t>: </a:t>
-            </a:r>
-            <a:r>
-              <a:rPr lang="sk-SK" dirty="0" err="1"/>
-              <a:t>Rs</a:t>
-            </a:r>
-            <a:r>
-              <a:rPr lang="sk-SK" dirty="0"/>
-              <a:t> = </a:t>
-            </a:r>
-            <a:r>
-              <a:rPr lang="sk-SK" dirty="0" err="1"/>
-              <a:t>tp</a:t>
-            </a:r>
-            <a:r>
-              <a:rPr lang="sk-SK" dirty="0"/>
-              <a:t> / (</a:t>
-            </a:r>
-            <a:r>
-              <a:rPr lang="sk-SK" dirty="0" err="1"/>
-              <a:t>tp</a:t>
-            </a:r>
-            <a:r>
-              <a:rPr lang="sk-SK" dirty="0"/>
-              <a:t> + </a:t>
-            </a:r>
-            <a:r>
-              <a:rPr lang="sk-SK" dirty="0" err="1"/>
-              <a:t>fn</a:t>
-            </a:r>
-            <a:r>
-              <a:rPr lang="sk-SK" dirty="0"/>
-              <a:t>)</a:t>
-            </a:r>
-          </a:p>
-          <a:p>
-            <a:r>
-              <a:rPr lang="sk-SK" dirty="0" err="1"/>
-              <a:t>Dense</a:t>
-            </a:r>
-            <a:r>
-              <a:rPr lang="sk-SK" dirty="0"/>
-              <a:t>: output = </a:t>
-            </a:r>
-            <a:r>
-              <a:rPr lang="sk-SK" dirty="0" err="1"/>
-              <a:t>activation</a:t>
-            </a:r>
-            <a:r>
-              <a:rPr lang="sk-SK" dirty="0"/>
-              <a:t>(</a:t>
-            </a:r>
-            <a:r>
-              <a:rPr lang="sk-SK" dirty="0" err="1"/>
-              <a:t>dot</a:t>
-            </a:r>
-            <a:r>
-              <a:rPr lang="sk-SK" dirty="0"/>
-              <a:t>(</a:t>
-            </a:r>
-            <a:r>
-              <a:rPr lang="sk-SK" dirty="0" err="1"/>
-              <a:t>input</a:t>
-            </a:r>
-            <a:r>
-              <a:rPr lang="sk-SK" dirty="0"/>
-              <a:t>, </a:t>
-            </a:r>
-            <a:r>
-              <a:rPr lang="sk-SK" dirty="0" err="1"/>
-              <a:t>kernel</a:t>
-            </a:r>
-            <a:r>
-              <a:rPr lang="sk-SK" dirty="0"/>
-              <a:t>) + </a:t>
-            </a:r>
-            <a:r>
-              <a:rPr lang="sk-SK" dirty="0" err="1"/>
-              <a:t>bias</a:t>
-            </a:r>
-            <a:r>
-              <a:rPr lang="sk-SK" dirty="0"/>
-              <a:t>)</a:t>
-            </a:r>
-          </a:p>
-          <a:p>
-            <a:r>
-              <a:rPr lang="sk-SK" dirty="0" err="1"/>
-              <a:t>StandardScaler</a:t>
-            </a:r>
-            <a:r>
-              <a:rPr lang="sk-SK" dirty="0"/>
-              <a:t>: z = (x - u) / s</a:t>
+            <a:pPr marL="0" indent="0" algn="ctr">
+              <a:buNone/>
+            </a:pPr>
+            <a:endParaRPr lang="sk-SK" dirty="0"/>
+          </a:p>
+          <a:p>
+            <a:pPr marL="0" indent="0" algn="ctr">
+              <a:buNone/>
+            </a:pPr>
+            <a:r>
+              <a:rPr lang="sk-SK" sz="3500" b="1" dirty="0"/>
+              <a:t>Ďakujem za pozornosť!</a:t>
             </a:r>
           </a:p>
         </p:txBody>
@@ -5324,7 +6563,7 @@
     </p:spTree>
     <p:extLst>
       <p:ext uri="{BB962C8B-B14F-4D97-AF65-F5344CB8AC3E}">
-        <p14:creationId xmlns:p14="http://schemas.microsoft.com/office/powerpoint/2010/main" val="1241328556"/>
+        <p14:creationId xmlns:p14="http://schemas.microsoft.com/office/powerpoint/2010/main" val="724914022"/>
       </p:ext>
     </p:extLst>
   </p:cSld>
@@ -5356,285 +6595,6 @@
           <p:cNvPr id="2" name="Nadpis 1">
             <a:extLst>
               <a:ext uri="{FF2B5EF4-FFF2-40B4-BE49-F238E27FC236}">
-                <a16:creationId xmlns:a16="http://schemas.microsoft.com/office/drawing/2014/main" id="{0AE69F46-84BA-4F2D-8DA1-BE5CF30B42F7}"/>
-              </a:ext>
-            </a:extLst>
-          </p:cNvPr>
-          <p:cNvSpPr>
-            <a:spLocks noGrp="1"/>
-          </p:cNvSpPr>
-          <p:nvPr>
-            <p:ph type="title"/>
-          </p:nvPr>
-        </p:nvSpPr>
-        <p:spPr/>
-        <p:txBody>
-          <a:bodyPr/>
-          <a:lstStyle/>
-          <a:p>
-            <a:r>
-              <a:rPr lang="sk-SK" dirty="0"/>
-              <a:t>Vysvetlivky</a:t>
-            </a:r>
-          </a:p>
-        </p:txBody>
-      </p:sp>
-      <p:sp>
-        <p:nvSpPr>
-          <p:cNvPr id="3" name="Zástupný objekt pre obsah 2">
-            <a:extLst>
-              <a:ext uri="{FF2B5EF4-FFF2-40B4-BE49-F238E27FC236}">
-                <a16:creationId xmlns:a16="http://schemas.microsoft.com/office/drawing/2014/main" id="{4D851842-9502-414E-88E0-A267C38FD9B6}"/>
-              </a:ext>
-            </a:extLst>
-          </p:cNvPr>
-          <p:cNvSpPr>
-            <a:spLocks noGrp="1"/>
-          </p:cNvSpPr>
-          <p:nvPr>
-            <p:ph idx="1"/>
-          </p:nvPr>
-        </p:nvSpPr>
-        <p:spPr/>
-        <p:txBody>
-          <a:bodyPr/>
-          <a:lstStyle/>
-          <a:p>
-            <a:r>
-              <a:rPr lang="sk-SK" dirty="0" err="1"/>
-              <a:t>Count</a:t>
-            </a:r>
-            <a:r>
-              <a:rPr lang="sk-SK" dirty="0"/>
-              <a:t> – počet hodnôt jednotlivých kategórií (počet 0 a 1) v triede</a:t>
-            </a:r>
-          </a:p>
-          <a:p>
-            <a:r>
-              <a:rPr lang="sk-SK" dirty="0" err="1"/>
-              <a:t>Sum</a:t>
-            </a:r>
-            <a:r>
-              <a:rPr lang="sk-SK" dirty="0"/>
-              <a:t> – celkový počet všetkých hodnôt v triede</a:t>
-            </a:r>
-          </a:p>
-          <a:p>
-            <a:r>
-              <a:rPr lang="sk-SK" dirty="0" err="1"/>
-              <a:t>Precision</a:t>
-            </a:r>
-            <a:r>
-              <a:rPr lang="sk-SK" dirty="0"/>
-              <a:t> -</a:t>
-            </a:r>
-          </a:p>
-          <a:p>
-            <a:r>
-              <a:rPr lang="sk-SK" dirty="0" err="1"/>
-              <a:t>Recall</a:t>
-            </a:r>
-            <a:r>
-              <a:rPr lang="sk-SK" dirty="0"/>
-              <a:t> - </a:t>
-            </a:r>
-          </a:p>
-          <a:p>
-            <a:r>
-              <a:rPr lang="sk-SK" dirty="0" err="1"/>
-              <a:t>Tp</a:t>
-            </a:r>
-            <a:r>
-              <a:rPr lang="sk-SK" dirty="0"/>
-              <a:t> – </a:t>
-            </a:r>
-            <a:r>
-              <a:rPr lang="sk-SK" dirty="0" err="1"/>
-              <a:t>True</a:t>
-            </a:r>
-            <a:r>
-              <a:rPr lang="sk-SK" dirty="0"/>
-              <a:t> </a:t>
-            </a:r>
-            <a:r>
-              <a:rPr lang="sk-SK" dirty="0" err="1"/>
-              <a:t>positive</a:t>
-            </a:r>
-            <a:r>
-              <a:rPr lang="sk-SK" dirty="0"/>
-              <a:t> – počet správne odhadnutých kladných hodnôt</a:t>
-            </a:r>
-          </a:p>
-          <a:p>
-            <a:r>
-              <a:rPr lang="sk-SK" dirty="0" err="1"/>
-              <a:t>Fp</a:t>
-            </a:r>
-            <a:r>
-              <a:rPr lang="sk-SK" dirty="0"/>
-              <a:t> – </a:t>
-            </a:r>
-            <a:r>
-              <a:rPr lang="sk-SK" dirty="0" err="1"/>
-              <a:t>False</a:t>
-            </a:r>
-            <a:r>
-              <a:rPr lang="sk-SK" dirty="0"/>
-              <a:t> </a:t>
-            </a:r>
-            <a:r>
-              <a:rPr lang="sk-SK" dirty="0" err="1"/>
-              <a:t>positive</a:t>
-            </a:r>
-            <a:r>
-              <a:rPr lang="sk-SK" dirty="0"/>
-              <a:t> – počet nesprávne odhadnutých kladných hodnôt</a:t>
-            </a:r>
-          </a:p>
-          <a:p>
-            <a:r>
-              <a:rPr lang="sk-SK" dirty="0" err="1"/>
-              <a:t>Fn</a:t>
-            </a:r>
-            <a:r>
-              <a:rPr lang="sk-SK" dirty="0"/>
-              <a:t> – </a:t>
-            </a:r>
-            <a:r>
-              <a:rPr lang="sk-SK" dirty="0" err="1"/>
-              <a:t>False</a:t>
-            </a:r>
-            <a:r>
-              <a:rPr lang="sk-SK" dirty="0"/>
-              <a:t> </a:t>
-            </a:r>
-            <a:r>
-              <a:rPr lang="sk-SK" dirty="0" err="1"/>
-              <a:t>negative</a:t>
-            </a:r>
-            <a:r>
-              <a:rPr lang="sk-SK" dirty="0"/>
-              <a:t> – počet nesprávne odhadnutých záporných hodnôt</a:t>
-            </a:r>
-          </a:p>
-          <a:p>
-            <a:endParaRPr lang="sk-SK" dirty="0"/>
-          </a:p>
-        </p:txBody>
-      </p:sp>
-    </p:spTree>
-    <p:extLst>
-      <p:ext uri="{BB962C8B-B14F-4D97-AF65-F5344CB8AC3E}">
-        <p14:creationId xmlns:p14="http://schemas.microsoft.com/office/powerpoint/2010/main" val="3503467508"/>
-      </p:ext>
-    </p:extLst>
-  </p:cSld>
-  <p:clrMapOvr>
-    <a:masterClrMapping/>
-  </p:clrMapOvr>
-</p:sld>
-</file>
-
-<file path=ppt/slides/slide26.xml><?xml version="1.0" encoding="utf-8"?>
-<p:sld xmlns:a="http://schemas.openxmlformats.org/drawingml/2006/main" xmlns:r="http://schemas.openxmlformats.org/officeDocument/2006/relationships" xmlns:p="http://schemas.openxmlformats.org/presentationml/2006/main">
-  <p:cSld>
-    <p:spTree>
-      <p:nvGrpSpPr>
-        <p:cNvPr id="1" name=""/>
-        <p:cNvGrpSpPr/>
-        <p:nvPr/>
-      </p:nvGrpSpPr>
-      <p:grpSpPr>
-        <a:xfrm>
-          <a:off x="0" y="0"/>
-          <a:ext cx="0" cy="0"/>
-          <a:chOff x="0" y="0"/>
-          <a:chExt cx="0" cy="0"/>
-        </a:xfrm>
-      </p:grpSpPr>
-      <p:sp>
-        <p:nvSpPr>
-          <p:cNvPr id="3" name="Zástupný objekt pre obsah 2">
-            <a:extLst>
-              <a:ext uri="{FF2B5EF4-FFF2-40B4-BE49-F238E27FC236}">
-                <a16:creationId xmlns:a16="http://schemas.microsoft.com/office/drawing/2014/main" id="{5A4D4779-50F0-4D79-AECD-82F546F91B2C}"/>
-              </a:ext>
-            </a:extLst>
-          </p:cNvPr>
-          <p:cNvSpPr>
-            <a:spLocks noGrp="1"/>
-          </p:cNvSpPr>
-          <p:nvPr>
-            <p:ph idx="1"/>
-          </p:nvPr>
-        </p:nvSpPr>
-        <p:spPr>
-          <a:xfrm>
-            <a:off x="838200" y="1884348"/>
-            <a:ext cx="10515600" cy="4351338"/>
-          </a:xfrm>
-        </p:spPr>
-        <p:txBody>
-          <a:bodyPr/>
-          <a:lstStyle/>
-          <a:p>
-            <a:pPr marL="0" indent="0" algn="ctr">
-              <a:buNone/>
-            </a:pPr>
-            <a:endParaRPr lang="sk-SK" dirty="0"/>
-          </a:p>
-          <a:p>
-            <a:pPr marL="0" indent="0" algn="ctr">
-              <a:buNone/>
-            </a:pPr>
-            <a:endParaRPr lang="sk-SK" dirty="0"/>
-          </a:p>
-          <a:p>
-            <a:pPr marL="0" indent="0" algn="ctr">
-              <a:buNone/>
-            </a:pPr>
-            <a:r>
-              <a:rPr lang="sk-SK" sz="3500" b="1" dirty="0"/>
-              <a:t>Ďakujem za pozornosť!</a:t>
-            </a:r>
-          </a:p>
-        </p:txBody>
-      </p:sp>
-    </p:spTree>
-    <p:extLst>
-      <p:ext uri="{BB962C8B-B14F-4D97-AF65-F5344CB8AC3E}">
-        <p14:creationId xmlns:p14="http://schemas.microsoft.com/office/powerpoint/2010/main" val="724914022"/>
-      </p:ext>
-    </p:extLst>
-  </p:cSld>
-  <p:clrMapOvr>
-    <a:masterClrMapping/>
-  </p:clrMapOvr>
-</p:sld>
-</file>
-
-<file path=ppt/slides/slide27.xml><?xml version="1.0" encoding="utf-8"?>
-<p:sld xmlns:a="http://schemas.openxmlformats.org/drawingml/2006/main" xmlns:r="http://schemas.openxmlformats.org/officeDocument/2006/relationships" xmlns:p="http://schemas.openxmlformats.org/presentationml/2006/main">
-  <p:cSld>
-    <p:spTree>
-      <p:nvGrpSpPr>
-        <p:cNvPr id="1" name=""/>
-        <p:cNvGrpSpPr/>
-        <p:nvPr/>
-      </p:nvGrpSpPr>
-      <p:grpSpPr>
-        <a:xfrm>
-          <a:off x="0" y="0"/>
-          <a:ext cx="0" cy="0"/>
-          <a:chOff x="0" y="0"/>
-          <a:chExt cx="0" cy="0"/>
-        </a:xfrm>
-      </p:grpSpPr>
-      <p:sp>
-        <p:nvSpPr>
-          <p:cNvPr id="2" name="Nadpis 1">
-            <a:extLst>
-              <a:ext uri="{FF2B5EF4-FFF2-40B4-BE49-F238E27FC236}">
                 <a16:creationId xmlns:a16="http://schemas.microsoft.com/office/drawing/2014/main" id="{F4431FF2-85D1-47AB-A7DA-B452A996EA7D}"/>
               </a:ext>
             </a:extLst>
@@ -5679,7 +6639,76 @@
           <a:bodyPr/>
           <a:lstStyle/>
           <a:p>
-            <a:endParaRPr lang="sk-SK"/>
+            <a:r>
+              <a:rPr lang="sk-SK" dirty="0">
+                <a:hlinkClick r:id="rId2"/>
+              </a:rPr>
+              <a:t>https://www.pluralsight.com/guides/classification-keras</a:t>
+            </a:r>
+            <a:endParaRPr lang="sk-SK" dirty="0"/>
+          </a:p>
+          <a:p>
+            <a:r>
+              <a:rPr lang="sk-SK" dirty="0">
+                <a:hlinkClick r:id="rId3"/>
+              </a:rPr>
+              <a:t>https://builtin.com/data-science/random-forest-algorithm</a:t>
+            </a:r>
+            <a:endParaRPr lang="sk-SK" dirty="0"/>
+          </a:p>
+          <a:p>
+            <a:r>
+              <a:rPr lang="sk-SK" dirty="0">
+                <a:hlinkClick r:id="rId4"/>
+              </a:rPr>
+              <a:t>https://www.statisticssolutions.com/what-is-logistic-regression/</a:t>
+            </a:r>
+            <a:endParaRPr lang="sk-SK" dirty="0"/>
+          </a:p>
+          <a:p>
+            <a:r>
+              <a:rPr lang="sk-SK" dirty="0">
+                <a:hlinkClick r:id="rId5"/>
+              </a:rPr>
+              <a:t>https://www.kaggle.com/andrewmvd/heart-failure-clinical-data</a:t>
+            </a:r>
+            <a:endParaRPr lang="sk-SK" dirty="0"/>
+          </a:p>
+          <a:p>
+            <a:r>
+              <a:rPr lang="sk-SK" dirty="0">
+                <a:hlinkClick r:id="rId6"/>
+              </a:rPr>
+              <a:t>https://www.investopedia.com/terms/n/normaldistribution.asp</a:t>
+            </a:r>
+            <a:endParaRPr lang="sk-SK" dirty="0"/>
+          </a:p>
+          <a:p>
+            <a:r>
+              <a:rPr lang="sk-SK" dirty="0">
+                <a:hlinkClick r:id="rId7"/>
+              </a:rPr>
+              <a:t>https://machinelearningmastery.com/standardscaler-and-minmaxscaler-transforms-in-python/</a:t>
+            </a:r>
+            <a:endParaRPr lang="sk-SK" dirty="0"/>
+          </a:p>
+          <a:p>
+            <a:r>
+              <a:rPr lang="sk-SK" dirty="0">
+                <a:hlinkClick r:id="rId8"/>
+              </a:rPr>
+              <a:t>https://machinelearningmastery.com/rectified-linear-activation-function-for-deep-learning-neural-networks/</a:t>
+            </a:r>
+            <a:endParaRPr lang="sk-SK" dirty="0"/>
+          </a:p>
+          <a:p>
+            <a:endParaRPr lang="sk-SK" dirty="0"/>
+          </a:p>
+          <a:p>
+            <a:endParaRPr lang="sk-SK" dirty="0"/>
+          </a:p>
+          <a:p>
+            <a:endParaRPr lang="sk-SK" dirty="0"/>
           </a:p>
         </p:txBody>
       </p:sp>
@@ -5845,7 +6874,7 @@
           <p:nvPr>
             <p:extLst>
               <p:ext uri="{D42A27DB-BD31-4B8C-83A1-F6EECF244321}">
-                <p14:modId xmlns:p14="http://schemas.microsoft.com/office/powerpoint/2010/main" val="659293472"/>
+                <p14:modId xmlns:p14="http://schemas.microsoft.com/office/powerpoint/2010/main" val="903703441"/>
               </p:ext>
             </p:extLst>
           </p:nvPr>
@@ -6242,7 +7271,7 @@
                     <a:p>
                       <a:r>
                         <a:rPr lang="sk-SK" sz="1200" dirty="0"/>
-                        <a:t>Výška enzýmu CPK v krvi (</a:t>
+                        <a:t>Hodnota enzýmu CPK v krvi (</a:t>
                       </a:r>
                       <a:r>
                         <a:rPr lang="sk-SK" sz="1200" dirty="0" err="1"/>
@@ -6703,7 +7732,7 @@
                           <a:ea typeface="+mn-ea"/>
                           <a:cs typeface="+mn-cs"/>
                         </a:rPr>
-                        <a:t>Výška kreatinínu v krvi (mg/</a:t>
+                        <a:t>Hodnota kreatinínu v krvi (mg/</a:t>
                       </a:r>
                       <a:r>
                         <a:rPr lang="sk-SK" sz="1200" kern="1200" dirty="0" err="1">
@@ -6800,7 +7829,7 @@
                     <a:p>
                       <a:r>
                         <a:rPr lang="sk-SK" sz="1200" dirty="0"/>
-                        <a:t>Výška sodíku v krvi (</a:t>
+                        <a:t>Hodnota sodíku v krvi (</a:t>
                       </a:r>
                       <a:r>
                         <a:rPr lang="sk-SK" sz="1200" dirty="0" err="1"/>
@@ -7186,6 +8215,212 @@
           <p:cNvPr id="2" name="Nadpis 1">
             <a:extLst>
               <a:ext uri="{FF2B5EF4-FFF2-40B4-BE49-F238E27FC236}">
+                <a16:creationId xmlns:a16="http://schemas.microsoft.com/office/drawing/2014/main" id="{9849911F-1977-4765-A6A3-3F05182E8058}"/>
+              </a:ext>
+            </a:extLst>
+          </p:cNvPr>
+          <p:cNvSpPr>
+            <a:spLocks noGrp="1"/>
+          </p:cNvSpPr>
+          <p:nvPr>
+            <p:ph type="title"/>
+          </p:nvPr>
+        </p:nvSpPr>
+        <p:spPr/>
+        <p:txBody>
+          <a:bodyPr/>
+          <a:lstStyle/>
+          <a:p>
+            <a:r>
+              <a:rPr lang="sk-SK"/>
+              <a:t>Heatmapa</a:t>
+            </a:r>
+          </a:p>
+        </p:txBody>
+      </p:sp>
+      <p:sp>
+        <p:nvSpPr>
+          <p:cNvPr id="3" name="Zástupný objekt pre obsah 2">
+            <a:extLst>
+              <a:ext uri="{FF2B5EF4-FFF2-40B4-BE49-F238E27FC236}">
+                <a16:creationId xmlns:a16="http://schemas.microsoft.com/office/drawing/2014/main" id="{64BDB5DC-326B-450C-856D-1088EBE3BCCD}"/>
+              </a:ext>
+            </a:extLst>
+          </p:cNvPr>
+          <p:cNvSpPr>
+            <a:spLocks noGrp="1"/>
+          </p:cNvSpPr>
+          <p:nvPr>
+            <p:ph idx="1"/>
+          </p:nvPr>
+        </p:nvSpPr>
+        <p:spPr>
+          <a:xfrm>
+            <a:off x="1261872" y="1828800"/>
+            <a:ext cx="3209460" cy="4351337"/>
+          </a:xfrm>
+        </p:spPr>
+        <p:txBody>
+          <a:bodyPr/>
+          <a:lstStyle/>
+          <a:p>
+            <a:r>
+              <a:rPr lang="sk-SK" dirty="0" err="1"/>
+              <a:t>Zaujímave</a:t>
+            </a:r>
+            <a:r>
+              <a:rPr lang="sk-SK" dirty="0"/>
+              <a:t> korelácie so smrťou:</a:t>
+            </a:r>
+          </a:p>
+          <a:p>
+            <a:r>
+              <a:rPr lang="sk-SK" dirty="0" err="1"/>
+              <a:t>Time</a:t>
+            </a:r>
+            <a:r>
+              <a:rPr lang="sk-SK" dirty="0"/>
+              <a:t> - čas</a:t>
+            </a:r>
+          </a:p>
+          <a:p>
+            <a:r>
+              <a:rPr lang="sk-SK" dirty="0" err="1"/>
+              <a:t>Ejection_fraction</a:t>
+            </a:r>
+            <a:r>
+              <a:rPr lang="sk-SK" dirty="0"/>
+              <a:t> – </a:t>
+            </a:r>
+            <a:r>
+              <a:rPr lang="sk-SK" dirty="0" err="1"/>
+              <a:t>ejekčná</a:t>
+            </a:r>
+            <a:r>
+              <a:rPr lang="sk-SK" dirty="0"/>
+              <a:t> frakcia</a:t>
+            </a:r>
+          </a:p>
+          <a:p>
+            <a:r>
+              <a:rPr lang="sk-SK" dirty="0" err="1"/>
+              <a:t>Serum_sodium</a:t>
+            </a:r>
+            <a:r>
+              <a:rPr lang="sk-SK" dirty="0"/>
+              <a:t> - sodík</a:t>
+            </a:r>
+          </a:p>
+          <a:p>
+            <a:r>
+              <a:rPr lang="sk-SK" dirty="0"/>
+              <a:t>Lineárna korelácia:</a:t>
+            </a:r>
+          </a:p>
+          <a:p>
+            <a:r>
+              <a:rPr lang="sk-SK" dirty="0" err="1"/>
+              <a:t>Age</a:t>
+            </a:r>
+            <a:r>
+              <a:rPr lang="sk-SK" dirty="0"/>
+              <a:t> – vek</a:t>
+            </a:r>
+          </a:p>
+          <a:p>
+            <a:r>
+              <a:rPr lang="sk-SK" dirty="0" err="1"/>
+              <a:t>Serum_creatinine</a:t>
+            </a:r>
+            <a:r>
+              <a:rPr lang="sk-SK" dirty="0"/>
+              <a:t>: kreatinín</a:t>
+            </a:r>
+          </a:p>
+        </p:txBody>
+      </p:sp>
+      <p:pic>
+        <p:nvPicPr>
+          <p:cNvPr id="1026" name="Picture 2">
+            <a:extLst>
+              <a:ext uri="{FF2B5EF4-FFF2-40B4-BE49-F238E27FC236}">
+                <a16:creationId xmlns:a16="http://schemas.microsoft.com/office/drawing/2014/main" id="{B208695D-7CF5-4788-9A16-D007FFE2D211}"/>
+              </a:ext>
+            </a:extLst>
+          </p:cNvPr>
+          <p:cNvPicPr>
+            <a:picLocks noChangeAspect="1" noChangeArrowheads="1"/>
+          </p:cNvPicPr>
+          <p:nvPr/>
+        </p:nvPicPr>
+        <p:blipFill>
+          <a:blip r:embed="rId2">
+            <a:extLst>
+              <a:ext uri="{28A0092B-C50C-407E-A947-70E740481C1C}">
+                <a14:useLocalDpi xmlns:a14="http://schemas.microsoft.com/office/drawing/2010/main" val="0"/>
+              </a:ext>
+            </a:extLst>
+          </a:blip>
+          <a:srcRect/>
+          <a:stretch>
+            <a:fillRect/>
+          </a:stretch>
+        </p:blipFill>
+        <p:spPr bwMode="auto">
+          <a:xfrm>
+            <a:off x="4594659" y="415255"/>
+            <a:ext cx="6593172" cy="6237215"/>
+          </a:xfrm>
+          <a:prstGeom prst="rect">
+            <a:avLst/>
+          </a:prstGeom>
+          <a:noFill/>
+          <a:extLst>
+            <a:ext uri="{909E8E84-426E-40DD-AFC4-6F175D3DCCD1}">
+              <a14:hiddenFill xmlns:a14="http://schemas.microsoft.com/office/drawing/2010/main">
+                <a:solidFill>
+                  <a:srgbClr val="FFFFFF"/>
+                </a:solidFill>
+              </a14:hiddenFill>
+            </a:ext>
+          </a:extLst>
+        </p:spPr>
+      </p:pic>
+    </p:spTree>
+    <p:extLst>
+      <p:ext uri="{BB962C8B-B14F-4D97-AF65-F5344CB8AC3E}">
+        <p14:creationId xmlns:p14="http://schemas.microsoft.com/office/powerpoint/2010/main" val="861572118"/>
+      </p:ext>
+    </p:extLst>
+  </p:cSld>
+  <p:clrMapOvr>
+    <a:masterClrMapping/>
+  </p:clrMapOvr>
+</p:sld>
+</file>
+
+<file path=ppt/slides/slide6.xml><?xml version="1.0" encoding="utf-8"?>
+<p:sld xmlns:a="http://schemas.openxmlformats.org/drawingml/2006/main" xmlns:r="http://schemas.openxmlformats.org/officeDocument/2006/relationships" xmlns:p="http://schemas.openxmlformats.org/presentationml/2006/main">
+  <p:cSld>
+    <p:spTree>
+      <p:nvGrpSpPr>
+        <p:cNvPr id="1" name=""/>
+        <p:cNvGrpSpPr/>
+        <p:nvPr/>
+      </p:nvGrpSpPr>
+      <p:grpSpPr>
+        <a:xfrm>
+          <a:off x="0" y="0"/>
+          <a:ext cx="0" cy="0"/>
+          <a:chOff x="0" y="0"/>
+          <a:chExt cx="0" cy="0"/>
+        </a:xfrm>
+      </p:grpSpPr>
+      <p:sp>
+        <p:nvSpPr>
+          <p:cNvPr id="2" name="Nadpis 1">
+            <a:extLst>
+              <a:ext uri="{FF2B5EF4-FFF2-40B4-BE49-F238E27FC236}">
                 <a16:creationId xmlns:a16="http://schemas.microsoft.com/office/drawing/2014/main" id="{1C25EA97-5109-49C5-ACE7-FD32F9D5D21F}"/>
               </a:ext>
             </a:extLst>
@@ -7204,7 +8439,7 @@
           <a:p>
             <a:r>
               <a:rPr lang="sk-SK" dirty="0"/>
-              <a:t>Vizualizácia dát: Pohlavie</a:t>
+              <a:t>Vizualizácia dát:</a:t>
             </a:r>
           </a:p>
         </p:txBody>
@@ -7231,7 +8466,7 @@
         </p:blipFill>
         <p:spPr>
           <a:xfrm>
-            <a:off x="3365270" y="1872000"/>
+            <a:off x="78607" y="1656340"/>
             <a:ext cx="3515216" cy="3829584"/>
           </a:xfrm>
           <a:prstGeom prst="rect">
@@ -7261,7 +8496,7 @@
         </p:blipFill>
         <p:spPr>
           <a:xfrm>
-            <a:off x="7469391" y="2796773"/>
+            <a:off x="240455" y="6005799"/>
             <a:ext cx="1867161" cy="543001"/>
           </a:xfrm>
           <a:prstGeom prst="rect">
@@ -7283,7 +8518,7 @@
         </p:nvSpPr>
         <p:spPr>
           <a:xfrm>
-            <a:off x="7382312" y="3456264"/>
+            <a:off x="4018010" y="1860377"/>
             <a:ext cx="2306971" cy="923330"/>
           </a:xfrm>
           <a:prstGeom prst="rect">
@@ -7353,70 +8588,12 @@
           </a:p>
         </p:txBody>
       </p:sp>
-    </p:spTree>
-    <p:extLst>
-      <p:ext uri="{BB962C8B-B14F-4D97-AF65-F5344CB8AC3E}">
-        <p14:creationId xmlns:p14="http://schemas.microsoft.com/office/powerpoint/2010/main" val="2545984711"/>
-      </p:ext>
-    </p:extLst>
-  </p:cSld>
-  <p:clrMapOvr>
-    <a:masterClrMapping/>
-  </p:clrMapOvr>
-</p:sld>
-</file>
-
-<file path=ppt/slides/slide6.xml><?xml version="1.0" encoding="utf-8"?>
-<p:sld xmlns:a="http://schemas.openxmlformats.org/drawingml/2006/main" xmlns:r="http://schemas.openxmlformats.org/officeDocument/2006/relationships" xmlns:p="http://schemas.openxmlformats.org/presentationml/2006/main">
-  <p:cSld>
-    <p:spTree>
-      <p:nvGrpSpPr>
-        <p:cNvPr id="1" name=""/>
-        <p:cNvGrpSpPr/>
-        <p:nvPr/>
-      </p:nvGrpSpPr>
-      <p:grpSpPr>
-        <a:xfrm>
-          <a:off x="0" y="0"/>
-          <a:ext cx="0" cy="0"/>
-          <a:chOff x="0" y="0"/>
-          <a:chExt cx="0" cy="0"/>
-        </a:xfrm>
-      </p:grpSpPr>
-      <p:sp>
-        <p:nvSpPr>
-          <p:cNvPr id="2" name="Nadpis 1">
+      <p:pic>
+        <p:nvPicPr>
+          <p:cNvPr id="6" name="Obrázok 5">
             <a:extLst>
               <a:ext uri="{FF2B5EF4-FFF2-40B4-BE49-F238E27FC236}">
-                <a16:creationId xmlns:a16="http://schemas.microsoft.com/office/drawing/2014/main" id="{3DC89DCA-D4F3-4D99-ABBF-FB23701F36DA}"/>
-              </a:ext>
-            </a:extLst>
-          </p:cNvPr>
-          <p:cNvSpPr>
-            <a:spLocks noGrp="1"/>
-          </p:cNvSpPr>
-          <p:nvPr>
-            <p:ph type="title"/>
-          </p:nvPr>
-        </p:nvSpPr>
-        <p:spPr/>
-        <p:txBody>
-          <a:bodyPr/>
-          <a:lstStyle/>
-          <a:p>
-            <a:r>
-              <a:rPr lang="sk-SK" dirty="0"/>
-              <a:t>Vizualizácia dát: Úmrtia </a:t>
-            </a:r>
-          </a:p>
-        </p:txBody>
-      </p:sp>
-      <p:pic>
-        <p:nvPicPr>
-          <p:cNvPr id="5" name="Obrázok 4">
-            <a:extLst>
-              <a:ext uri="{FF2B5EF4-FFF2-40B4-BE49-F238E27FC236}">
-                <a16:creationId xmlns:a16="http://schemas.microsoft.com/office/drawing/2014/main" id="{020D6072-CACA-42E9-9B25-C0FA9C4C018C}"/>
+                <a16:creationId xmlns:a16="http://schemas.microsoft.com/office/drawing/2014/main" id="{CC9134F6-B77B-4638-BF32-C21F8E22A75A}"/>
               </a:ext>
             </a:extLst>
           </p:cNvPr>
@@ -7426,14 +8603,14 @@
           <p:nvPr/>
         </p:nvPicPr>
         <p:blipFill>
-          <a:blip r:embed="rId2"/>
+          <a:blip r:embed="rId4"/>
           <a:stretch>
             <a:fillRect/>
           </a:stretch>
         </p:blipFill>
         <p:spPr>
           <a:xfrm>
-            <a:off x="3366000" y="1872000"/>
+            <a:off x="6704424" y="1846122"/>
             <a:ext cx="3572374" cy="3743847"/>
           </a:xfrm>
           <a:prstGeom prst="rect">
@@ -7443,10 +8620,10 @@
       </p:pic>
       <p:pic>
         <p:nvPicPr>
-          <p:cNvPr id="7" name="Obrázok 6">
+          <p:cNvPr id="9" name="Obrázok 8">
             <a:extLst>
               <a:ext uri="{FF2B5EF4-FFF2-40B4-BE49-F238E27FC236}">
-                <a16:creationId xmlns:a16="http://schemas.microsoft.com/office/drawing/2014/main" id="{4A5FA2B3-43DB-4EBA-8703-89774F8C8806}"/>
+                <a16:creationId xmlns:a16="http://schemas.microsoft.com/office/drawing/2014/main" id="{AF8A4337-2E9C-4A09-99D1-CA6FA2AF2EA0}"/>
               </a:ext>
             </a:extLst>
           </p:cNvPr>
@@ -7456,14 +8633,14 @@
           <p:nvPr/>
         </p:nvPicPr>
         <p:blipFill>
-          <a:blip r:embed="rId3"/>
+          <a:blip r:embed="rId5"/>
           <a:stretch>
             <a:fillRect/>
           </a:stretch>
         </p:blipFill>
         <p:spPr>
           <a:xfrm>
-            <a:off x="7588976" y="2331753"/>
+            <a:off x="6855731" y="5877209"/>
             <a:ext cx="2534004" cy="533474"/>
           </a:xfrm>
           <a:prstGeom prst="rect">
@@ -7473,10 +8650,10 @@
       </p:pic>
       <p:sp>
         <p:nvSpPr>
-          <p:cNvPr id="8" name="BlokTextu 7">
+          <p:cNvPr id="10" name="BlokTextu 9">
             <a:extLst>
               <a:ext uri="{FF2B5EF4-FFF2-40B4-BE49-F238E27FC236}">
-                <a16:creationId xmlns:a16="http://schemas.microsoft.com/office/drawing/2014/main" id="{F7930D6C-A051-4386-A33F-9442B6EE4EAC}"/>
+                <a16:creationId xmlns:a16="http://schemas.microsoft.com/office/drawing/2014/main" id="{3DAA478C-A8D8-497F-9992-F37B0EE92CD9}"/>
               </a:ext>
             </a:extLst>
           </p:cNvPr>
@@ -7485,7 +8662,7 @@
         </p:nvSpPr>
         <p:spPr>
           <a:xfrm>
-            <a:off x="7600426" y="3137483"/>
+            <a:off x="3968705" y="4474577"/>
             <a:ext cx="2634143" cy="923330"/>
           </a:xfrm>
           <a:prstGeom prst="rect">
@@ -7547,7 +8724,7 @@
     </p:spTree>
     <p:extLst>
       <p:ext uri="{BB962C8B-B14F-4D97-AF65-F5344CB8AC3E}">
-        <p14:creationId xmlns:p14="http://schemas.microsoft.com/office/powerpoint/2010/main" val="974336754"/>
+        <p14:creationId xmlns:p14="http://schemas.microsoft.com/office/powerpoint/2010/main" val="2545984711"/>
       </p:ext>
     </p:extLst>
   </p:cSld>
@@ -7597,7 +8774,7 @@
           <a:p>
             <a:r>
               <a:rPr lang="sk-SK" dirty="0"/>
-              <a:t>Vizualizácia dát: Fajčenie</a:t>
+              <a:t>Vizualizácia dát:</a:t>
             </a:r>
           </a:p>
         </p:txBody>
@@ -7624,7 +8801,7 @@
         </p:blipFill>
         <p:spPr>
           <a:xfrm>
-            <a:off x="3366000" y="1872000"/>
+            <a:off x="217358" y="2010023"/>
             <a:ext cx="3610479" cy="3667637"/>
           </a:xfrm>
           <a:prstGeom prst="rect">
@@ -7654,7 +8831,7 @@
         </p:blipFill>
         <p:spPr>
           <a:xfrm>
-            <a:off x="7133764" y="2191414"/>
+            <a:off x="284391" y="6081927"/>
             <a:ext cx="2219635" cy="495369"/>
           </a:xfrm>
           <a:prstGeom prst="rect">
@@ -7676,7 +8853,7 @@
         </p:nvSpPr>
         <p:spPr>
           <a:xfrm>
-            <a:off x="7130642" y="2978092"/>
+            <a:off x="3982001" y="1873911"/>
             <a:ext cx="3045204" cy="923330"/>
           </a:xfrm>
           <a:prstGeom prst="rect">
@@ -7721,6 +8898,113 @@
               <a:t>Fajčiari ≐ 32,1%</a:t>
             </a:r>
             <a:endParaRPr lang="sk-SK" dirty="0"/>
+          </a:p>
+        </p:txBody>
+      </p:sp>
+      <p:pic>
+        <p:nvPicPr>
+          <p:cNvPr id="6" name="Obrázok 5">
+            <a:extLst>
+              <a:ext uri="{FF2B5EF4-FFF2-40B4-BE49-F238E27FC236}">
+                <a16:creationId xmlns:a16="http://schemas.microsoft.com/office/drawing/2014/main" id="{14A936C8-D477-452D-8DF5-9871955E838A}"/>
+              </a:ext>
+            </a:extLst>
+          </p:cNvPr>
+          <p:cNvPicPr>
+            <a:picLocks noChangeAspect="1"/>
+          </p:cNvPicPr>
+          <p:nvPr/>
+        </p:nvPicPr>
+        <p:blipFill>
+          <a:blip r:embed="rId4"/>
+          <a:stretch>
+            <a:fillRect/>
+          </a:stretch>
+        </p:blipFill>
+        <p:spPr>
+          <a:xfrm>
+            <a:off x="6557774" y="1949637"/>
+            <a:ext cx="3696216" cy="3905795"/>
+          </a:xfrm>
+          <a:prstGeom prst="rect">
+            <a:avLst/>
+          </a:prstGeom>
+        </p:spPr>
+      </p:pic>
+      <p:pic>
+        <p:nvPicPr>
+          <p:cNvPr id="9" name="Obrázok 8">
+            <a:extLst>
+              <a:ext uri="{FF2B5EF4-FFF2-40B4-BE49-F238E27FC236}">
+                <a16:creationId xmlns:a16="http://schemas.microsoft.com/office/drawing/2014/main" id="{2BB98EA2-D61D-4491-84FD-20C8D266217C}"/>
+              </a:ext>
+            </a:extLst>
+          </p:cNvPr>
+          <p:cNvPicPr>
+            <a:picLocks noChangeAspect="1"/>
+          </p:cNvPicPr>
+          <p:nvPr/>
+        </p:nvPicPr>
+        <p:blipFill>
+          <a:blip r:embed="rId5"/>
+          <a:stretch>
+            <a:fillRect/>
+          </a:stretch>
+        </p:blipFill>
+        <p:spPr>
+          <a:xfrm>
+            <a:off x="7157647" y="6110369"/>
+            <a:ext cx="2333951" cy="476316"/>
+          </a:xfrm>
+          <a:prstGeom prst="rect">
+            <a:avLst/>
+          </a:prstGeom>
+        </p:spPr>
+      </p:pic>
+      <p:sp>
+        <p:nvSpPr>
+          <p:cNvPr id="10" name="BlokTextu 9">
+            <a:extLst>
+              <a:ext uri="{FF2B5EF4-FFF2-40B4-BE49-F238E27FC236}">
+                <a16:creationId xmlns:a16="http://schemas.microsoft.com/office/drawing/2014/main" id="{681470F4-8902-4EE5-A852-D6A9C399FB4D}"/>
+              </a:ext>
+            </a:extLst>
+          </p:cNvPr>
+          <p:cNvSpPr txBox="1"/>
+          <p:nvPr/>
+        </p:nvSpPr>
+        <p:spPr>
+          <a:xfrm>
+            <a:off x="3909664" y="4784337"/>
+            <a:ext cx="2818702" cy="923330"/>
+          </a:xfrm>
+          <a:prstGeom prst="rect">
+            <a:avLst/>
+          </a:prstGeom>
+          <a:noFill/>
+        </p:spPr>
+        <p:txBody>
+          <a:bodyPr wrap="square" rtlCol="0">
+            <a:spAutoFit/>
+          </a:bodyPr>
+          <a:lstStyle/>
+          <a:p>
+            <a:r>
+              <a:rPr lang="sk-SK" dirty="0"/>
+              <a:t>Pacienti s cukrovkou:</a:t>
+            </a:r>
+          </a:p>
+          <a:p>
+            <a:r>
+              <a:rPr lang="sk-SK" dirty="0"/>
+              <a:t>Má cukrovku ≐ 58,2%</a:t>
+            </a:r>
+          </a:p>
+          <a:p>
+            <a:r>
+              <a:rPr lang="sk-SK" dirty="0"/>
+              <a:t>Nemá cukrovku ≐ 41,8%</a:t>
+            </a:r>
           </a:p>
         </p:txBody>
       </p:sp>
@@ -7759,171 +9043,6 @@
           <p:cNvPr id="2" name="Nadpis 1">
             <a:extLst>
               <a:ext uri="{FF2B5EF4-FFF2-40B4-BE49-F238E27FC236}">
-                <a16:creationId xmlns:a16="http://schemas.microsoft.com/office/drawing/2014/main" id="{CD30759D-1BB2-47F7-87EA-1221867E19EC}"/>
-              </a:ext>
-            </a:extLst>
-          </p:cNvPr>
-          <p:cNvSpPr>
-            <a:spLocks noGrp="1"/>
-          </p:cNvSpPr>
-          <p:nvPr>
-            <p:ph type="title"/>
-          </p:nvPr>
-        </p:nvSpPr>
-        <p:spPr/>
-        <p:txBody>
-          <a:bodyPr/>
-          <a:lstStyle/>
-          <a:p>
-            <a:r>
-              <a:rPr lang="sk-SK" dirty="0"/>
-              <a:t>Vizualizácia dát: Cukrovka</a:t>
-            </a:r>
-          </a:p>
-        </p:txBody>
-      </p:sp>
-      <p:pic>
-        <p:nvPicPr>
-          <p:cNvPr id="5" name="Obrázok 4">
-            <a:extLst>
-              <a:ext uri="{FF2B5EF4-FFF2-40B4-BE49-F238E27FC236}">
-                <a16:creationId xmlns:a16="http://schemas.microsoft.com/office/drawing/2014/main" id="{20998CC6-0E8C-4C13-8F8E-EEE4CD031549}"/>
-              </a:ext>
-            </a:extLst>
-          </p:cNvPr>
-          <p:cNvPicPr>
-            <a:picLocks noChangeAspect="1"/>
-          </p:cNvPicPr>
-          <p:nvPr/>
-        </p:nvPicPr>
-        <p:blipFill>
-          <a:blip r:embed="rId2"/>
-          <a:stretch>
-            <a:fillRect/>
-          </a:stretch>
-        </p:blipFill>
-        <p:spPr>
-          <a:xfrm>
-            <a:off x="3366000" y="1872000"/>
-            <a:ext cx="3696216" cy="3905795"/>
-          </a:xfrm>
-          <a:prstGeom prst="rect">
-            <a:avLst/>
-          </a:prstGeom>
-        </p:spPr>
-      </p:pic>
-      <p:pic>
-        <p:nvPicPr>
-          <p:cNvPr id="7" name="Obrázok 6">
-            <a:extLst>
-              <a:ext uri="{FF2B5EF4-FFF2-40B4-BE49-F238E27FC236}">
-                <a16:creationId xmlns:a16="http://schemas.microsoft.com/office/drawing/2014/main" id="{8CFE63CF-C94E-4FBD-9508-5E69BBEFD9AD}"/>
-              </a:ext>
-            </a:extLst>
-          </p:cNvPr>
-          <p:cNvPicPr>
-            <a:picLocks noChangeAspect="1"/>
-          </p:cNvPicPr>
-          <p:nvPr/>
-        </p:nvPicPr>
-        <p:blipFill>
-          <a:blip r:embed="rId3"/>
-          <a:stretch>
-            <a:fillRect/>
-          </a:stretch>
-        </p:blipFill>
-        <p:spPr>
-          <a:xfrm>
-            <a:off x="7261164" y="2142218"/>
-            <a:ext cx="2333951" cy="476316"/>
-          </a:xfrm>
-          <a:prstGeom prst="rect">
-            <a:avLst/>
-          </a:prstGeom>
-        </p:spPr>
-      </p:pic>
-      <p:sp>
-        <p:nvSpPr>
-          <p:cNvPr id="9" name="BlokTextu 8">
-            <a:extLst>
-              <a:ext uri="{FF2B5EF4-FFF2-40B4-BE49-F238E27FC236}">
-                <a16:creationId xmlns:a16="http://schemas.microsoft.com/office/drawing/2014/main" id="{8033DBEC-26C3-462F-BF47-AF8660FF2E51}"/>
-              </a:ext>
-            </a:extLst>
-          </p:cNvPr>
-          <p:cNvSpPr txBox="1"/>
-          <p:nvPr/>
-        </p:nvSpPr>
-        <p:spPr>
-          <a:xfrm>
-            <a:off x="7248087" y="2860646"/>
-            <a:ext cx="2818702" cy="923330"/>
-          </a:xfrm>
-          <a:prstGeom prst="rect">
-            <a:avLst/>
-          </a:prstGeom>
-          <a:noFill/>
-        </p:spPr>
-        <p:txBody>
-          <a:bodyPr wrap="square" rtlCol="0">
-            <a:spAutoFit/>
-          </a:bodyPr>
-          <a:lstStyle/>
-          <a:p>
-            <a:r>
-              <a:rPr lang="sk-SK" dirty="0"/>
-              <a:t>Pacienti s cukrovkou:</a:t>
-            </a:r>
-          </a:p>
-          <a:p>
-            <a:r>
-              <a:rPr lang="sk-SK" dirty="0"/>
-              <a:t>Má cukrovku ≐ 58,2%</a:t>
-            </a:r>
-          </a:p>
-          <a:p>
-            <a:r>
-              <a:rPr lang="sk-SK" dirty="0"/>
-              <a:t>Nemá cukrovku ≐ 41,8%</a:t>
-            </a:r>
-          </a:p>
-        </p:txBody>
-      </p:sp>
-    </p:spTree>
-    <p:extLst>
-      <p:ext uri="{BB962C8B-B14F-4D97-AF65-F5344CB8AC3E}">
-        <p14:creationId xmlns:p14="http://schemas.microsoft.com/office/powerpoint/2010/main" val="3228357685"/>
-      </p:ext>
-    </p:extLst>
-  </p:cSld>
-  <p:clrMapOvr>
-    <a:masterClrMapping/>
-  </p:clrMapOvr>
-</p:sld>
-</file>
-
-<file path=ppt/slides/slide9.xml><?xml version="1.0" encoding="utf-8"?>
-<p:sld xmlns:a="http://schemas.openxmlformats.org/drawingml/2006/main" xmlns:r="http://schemas.openxmlformats.org/officeDocument/2006/relationships" xmlns:p="http://schemas.openxmlformats.org/presentationml/2006/main">
-  <p:cSld>
-    <p:spTree>
-      <p:nvGrpSpPr>
-        <p:cNvPr id="1" name=""/>
-        <p:cNvGrpSpPr/>
-        <p:nvPr/>
-      </p:nvGrpSpPr>
-      <p:grpSpPr>
-        <a:xfrm>
-          <a:off x="0" y="0"/>
-          <a:ext cx="0" cy="0"/>
-          <a:chOff x="0" y="0"/>
-          <a:chExt cx="0" cy="0"/>
-        </a:xfrm>
-      </p:grpSpPr>
-      <p:sp>
-        <p:nvSpPr>
-          <p:cNvPr id="2" name="Nadpis 1">
-            <a:extLst>
-              <a:ext uri="{FF2B5EF4-FFF2-40B4-BE49-F238E27FC236}">
                 <a16:creationId xmlns:a16="http://schemas.microsoft.com/office/drawing/2014/main" id="{9E2AB213-05FD-4202-BF52-C4DACAD0FBB7}"/>
               </a:ext>
             </a:extLst>
@@ -7942,7 +9061,7 @@
           <a:p>
             <a:r>
               <a:rPr lang="sk-SK" dirty="0"/>
-              <a:t>Vizualizácia dát: Vysoký krvný tlak</a:t>
+              <a:t>Vizualizácia dát:</a:t>
             </a:r>
           </a:p>
         </p:txBody>
@@ -7969,7 +9088,7 @@
         </p:blipFill>
         <p:spPr>
           <a:xfrm>
-            <a:off x="3366000" y="1872000"/>
+            <a:off x="832525" y="1872000"/>
             <a:ext cx="3524742" cy="3715268"/>
           </a:xfrm>
           <a:prstGeom prst="rect">
@@ -7999,7 +9118,7 @@
         </p:blipFill>
         <p:spPr>
           <a:xfrm>
-            <a:off x="7446936" y="2265778"/>
+            <a:off x="710576" y="5914989"/>
             <a:ext cx="3086531" cy="514422"/>
           </a:xfrm>
           <a:prstGeom prst="rect">
@@ -8021,7 +9140,7 @@
         </p:nvSpPr>
         <p:spPr>
           <a:xfrm>
-            <a:off x="7415868" y="3045204"/>
+            <a:off x="5419288" y="3204595"/>
             <a:ext cx="3489820" cy="923330"/>
           </a:xfrm>
           <a:prstGeom prst="rect">
@@ -8058,6 +9177,129 @@
     <p:extLst>
       <p:ext uri="{BB962C8B-B14F-4D97-AF65-F5344CB8AC3E}">
         <p14:creationId xmlns:p14="http://schemas.microsoft.com/office/powerpoint/2010/main" val="3833575052"/>
+      </p:ext>
+    </p:extLst>
+  </p:cSld>
+  <p:clrMapOvr>
+    <a:masterClrMapping/>
+  </p:clrMapOvr>
+</p:sld>
+</file>
+
+<file path=ppt/slides/slide9.xml><?xml version="1.0" encoding="utf-8"?>
+<p:sld xmlns:a="http://schemas.openxmlformats.org/drawingml/2006/main" xmlns:r="http://schemas.openxmlformats.org/officeDocument/2006/relationships" xmlns:p="http://schemas.openxmlformats.org/presentationml/2006/main">
+  <p:cSld>
+    <p:spTree>
+      <p:nvGrpSpPr>
+        <p:cNvPr id="1" name=""/>
+        <p:cNvGrpSpPr/>
+        <p:nvPr/>
+      </p:nvGrpSpPr>
+      <p:grpSpPr>
+        <a:xfrm>
+          <a:off x="0" y="0"/>
+          <a:ext cx="0" cy="0"/>
+          <a:chOff x="0" y="0"/>
+          <a:chExt cx="0" cy="0"/>
+        </a:xfrm>
+      </p:grpSpPr>
+      <p:sp>
+        <p:nvSpPr>
+          <p:cNvPr id="2" name="Nadpis 1">
+            <a:extLst>
+              <a:ext uri="{FF2B5EF4-FFF2-40B4-BE49-F238E27FC236}">
+                <a16:creationId xmlns:a16="http://schemas.microsoft.com/office/drawing/2014/main" id="{5F013DF0-133A-4CD2-8CF0-7D47E817A283}"/>
+              </a:ext>
+            </a:extLst>
+          </p:cNvPr>
+          <p:cNvSpPr>
+            <a:spLocks noGrp="1"/>
+          </p:cNvSpPr>
+          <p:nvPr>
+            <p:ph type="title"/>
+          </p:nvPr>
+        </p:nvSpPr>
+        <p:spPr/>
+        <p:txBody>
+          <a:bodyPr/>
+          <a:lstStyle/>
+          <a:p>
+            <a:r>
+              <a:rPr lang="sk-SK" dirty="0"/>
+              <a:t>Vizualizácia dát: Pohlavie-Úmrtie</a:t>
+            </a:r>
+          </a:p>
+        </p:txBody>
+      </p:sp>
+      <p:pic>
+        <p:nvPicPr>
+          <p:cNvPr id="5" name="Obrázok 4">
+            <a:extLst>
+              <a:ext uri="{FF2B5EF4-FFF2-40B4-BE49-F238E27FC236}">
+                <a16:creationId xmlns:a16="http://schemas.microsoft.com/office/drawing/2014/main" id="{C9EA3971-B19D-4F7A-B40D-5768160CF160}"/>
+              </a:ext>
+            </a:extLst>
+          </p:cNvPr>
+          <p:cNvPicPr>
+            <a:picLocks noChangeAspect="1"/>
+          </p:cNvPicPr>
+          <p:nvPr/>
+        </p:nvPicPr>
+        <p:blipFill>
+          <a:blip r:embed="rId2"/>
+          <a:stretch>
+            <a:fillRect/>
+          </a:stretch>
+        </p:blipFill>
+        <p:spPr>
+          <a:xfrm>
+            <a:off x="710167" y="1879416"/>
+            <a:ext cx="5201376" cy="4105848"/>
+          </a:xfrm>
+          <a:prstGeom prst="rect">
+            <a:avLst/>
+          </a:prstGeom>
+        </p:spPr>
+      </p:pic>
+      <p:sp>
+        <p:nvSpPr>
+          <p:cNvPr id="6" name="BlokTextu 5">
+            <a:extLst>
+              <a:ext uri="{FF2B5EF4-FFF2-40B4-BE49-F238E27FC236}">
+                <a16:creationId xmlns:a16="http://schemas.microsoft.com/office/drawing/2014/main" id="{947EED39-3756-43CF-828D-4A44FCA2E9B3}"/>
+              </a:ext>
+            </a:extLst>
+          </p:cNvPr>
+          <p:cNvSpPr txBox="1"/>
+          <p:nvPr/>
+        </p:nvSpPr>
+        <p:spPr>
+          <a:xfrm>
+            <a:off x="6390968" y="2054942"/>
+            <a:ext cx="4100051" cy="646331"/>
+          </a:xfrm>
+          <a:prstGeom prst="rect">
+            <a:avLst/>
+          </a:prstGeom>
+          <a:noFill/>
+        </p:spPr>
+        <p:txBody>
+          <a:bodyPr wrap="square" rtlCol="0">
+            <a:spAutoFit/>
+          </a:bodyPr>
+          <a:lstStyle/>
+          <a:p>
+            <a:r>
+              <a:rPr lang="sk-SK" dirty="0"/>
+              <a:t>Väčšina pacientov, ktorý zomreli boli muži. </a:t>
+            </a:r>
+          </a:p>
+        </p:txBody>
+      </p:sp>
+    </p:spTree>
+    <p:extLst>
+      <p:ext uri="{BB962C8B-B14F-4D97-AF65-F5344CB8AC3E}">
+        <p14:creationId xmlns:p14="http://schemas.microsoft.com/office/powerpoint/2010/main" val="564796745"/>
       </p:ext>
     </p:extLst>
   </p:cSld>

--- a/Vanko Martin Predikcia zlyhania srdca.pptx
+++ b/Vanko Martin Predikcia zlyhania srdca.pptx
@@ -24,12 +24,13 @@
     <p:sldId id="280" r:id="rId18"/>
     <p:sldId id="281" r:id="rId19"/>
     <p:sldId id="282" r:id="rId20"/>
-    <p:sldId id="284" r:id="rId21"/>
-    <p:sldId id="285" r:id="rId22"/>
-    <p:sldId id="272" r:id="rId23"/>
-    <p:sldId id="279" r:id="rId24"/>
-    <p:sldId id="259" r:id="rId25"/>
-    <p:sldId id="278" r:id="rId26"/>
+    <p:sldId id="286" r:id="rId21"/>
+    <p:sldId id="284" r:id="rId22"/>
+    <p:sldId id="285" r:id="rId23"/>
+    <p:sldId id="272" r:id="rId24"/>
+    <p:sldId id="279" r:id="rId25"/>
+    <p:sldId id="259" r:id="rId26"/>
+    <p:sldId id="278" r:id="rId27"/>
   </p:sldIdLst>
   <p:sldSz cx="12192000" cy="6858000"/>
   <p:notesSz cx="6858000" cy="9144000"/>
@@ -304,7 +305,7 @@
           <a:p>
             <a:fld id="{D6558542-6885-4348-8962-46B0F24B88CC}" type="datetimeFigureOut">
               <a:rPr lang="sk-SK" smtClean="0"/>
-              <a:t>6. 5. 2021</a:t>
+              <a:t>7. 5. 2021</a:t>
             </a:fld>
             <a:endParaRPr lang="sk-SK"/>
           </a:p>
@@ -532,7 +533,7 @@
           <a:p>
             <a:fld id="{D6558542-6885-4348-8962-46B0F24B88CC}" type="datetimeFigureOut">
               <a:rPr lang="sk-SK" smtClean="0"/>
-              <a:t>6. 5. 2021</a:t>
+              <a:t>7. 5. 2021</a:t>
             </a:fld>
             <a:endParaRPr lang="sk-SK"/>
           </a:p>
@@ -712,7 +713,7 @@
           <a:p>
             <a:fld id="{D6558542-6885-4348-8962-46B0F24B88CC}" type="datetimeFigureOut">
               <a:rPr lang="sk-SK" smtClean="0"/>
-              <a:t>6. 5. 2021</a:t>
+              <a:t>7. 5. 2021</a:t>
             </a:fld>
             <a:endParaRPr lang="sk-SK"/>
           </a:p>
@@ -882,7 +883,7 @@
           <a:p>
             <a:fld id="{D6558542-6885-4348-8962-46B0F24B88CC}" type="datetimeFigureOut">
               <a:rPr lang="sk-SK" smtClean="0"/>
-              <a:t>6. 5. 2021</a:t>
+              <a:t>7. 5. 2021</a:t>
             </a:fld>
             <a:endParaRPr lang="sk-SK"/>
           </a:p>
@@ -1136,7 +1137,7 @@
           <a:p>
             <a:fld id="{D6558542-6885-4348-8962-46B0F24B88CC}" type="datetimeFigureOut">
               <a:rPr lang="sk-SK" smtClean="0"/>
-              <a:t>6. 5. 2021</a:t>
+              <a:t>7. 5. 2021</a:t>
             </a:fld>
             <a:endParaRPr lang="sk-SK"/>
           </a:p>
@@ -1462,7 +1463,7 @@
           <a:p>
             <a:fld id="{D6558542-6885-4348-8962-46B0F24B88CC}" type="datetimeFigureOut">
               <a:rPr lang="sk-SK" smtClean="0"/>
-              <a:t>6. 5. 2021</a:t>
+              <a:t>7. 5. 2021</a:t>
             </a:fld>
             <a:endParaRPr lang="sk-SK"/>
           </a:p>
@@ -1913,7 +1914,7 @@
           <a:p>
             <a:fld id="{D6558542-6885-4348-8962-46B0F24B88CC}" type="datetimeFigureOut">
               <a:rPr lang="sk-SK" smtClean="0"/>
-              <a:t>6. 5. 2021</a:t>
+              <a:t>7. 5. 2021</a:t>
             </a:fld>
             <a:endParaRPr lang="sk-SK"/>
           </a:p>
@@ -2031,7 +2032,7 @@
           <a:p>
             <a:fld id="{D6558542-6885-4348-8962-46B0F24B88CC}" type="datetimeFigureOut">
               <a:rPr lang="sk-SK" smtClean="0"/>
-              <a:t>6. 5. 2021</a:t>
+              <a:t>7. 5. 2021</a:t>
             </a:fld>
             <a:endParaRPr lang="sk-SK"/>
           </a:p>
@@ -2126,7 +2127,7 @@
           <a:p>
             <a:fld id="{D6558542-6885-4348-8962-46B0F24B88CC}" type="datetimeFigureOut">
               <a:rPr lang="sk-SK" smtClean="0"/>
-              <a:t>6. 5. 2021</a:t>
+              <a:t>7. 5. 2021</a:t>
             </a:fld>
             <a:endParaRPr lang="sk-SK"/>
           </a:p>
@@ -2413,7 +2414,7 @@
           <a:p>
             <a:fld id="{D6558542-6885-4348-8962-46B0F24B88CC}" type="datetimeFigureOut">
               <a:rPr lang="sk-SK" smtClean="0"/>
-              <a:t>6. 5. 2021</a:t>
+              <a:t>7. 5. 2021</a:t>
             </a:fld>
             <a:endParaRPr lang="sk-SK"/>
           </a:p>
@@ -2738,7 +2739,7 @@
           <a:p>
             <a:fld id="{D6558542-6885-4348-8962-46B0F24B88CC}" type="datetimeFigureOut">
               <a:rPr lang="sk-SK" smtClean="0"/>
-              <a:t>6. 5. 2021</a:t>
+              <a:t>7. 5. 2021</a:t>
             </a:fld>
             <a:endParaRPr lang="sk-SK"/>
           </a:p>
@@ -2992,7 +2993,7 @@
           <a:p>
             <a:fld id="{D6558542-6885-4348-8962-46B0F24B88CC}" type="datetimeFigureOut">
               <a:rPr lang="sk-SK" smtClean="0"/>
-              <a:t>6. 5. 2021</a:t>
+              <a:t>7. 5. 2021</a:t>
             </a:fld>
             <a:endParaRPr lang="sk-SK"/>
           </a:p>
@@ -5055,7 +5056,9 @@
         </p:nvSpPr>
         <p:spPr/>
         <p:txBody>
-          <a:bodyPr/>
+          <a:bodyPr>
+            <a:normAutofit/>
+          </a:bodyPr>
           <a:lstStyle/>
           <a:p>
             <a:r>
@@ -5114,25 +5117,41 @@
           <a:p>
             <a:r>
               <a:rPr lang="sk-SK" dirty="0"/>
-              <a:t>1. vrstva s výstupom 500</a:t>
-            </a:r>
-          </a:p>
-          <a:p>
-            <a:r>
-              <a:rPr lang="sk-SK" dirty="0"/>
-              <a:t>2.vrstva s výstupom 200</a:t>
-            </a:r>
-          </a:p>
-          <a:p>
-            <a:r>
-              <a:rPr lang="sk-SK" dirty="0"/>
-              <a:t>3.vrstva s výstupom 50</a:t>
-            </a:r>
-          </a:p>
-          <a:p>
-            <a:r>
-              <a:rPr lang="sk-SK" dirty="0"/>
-              <a:t>4.vrstva s výstupom 2</a:t>
+              <a:t>1. vrstva je vstupná s 500 neurónmi</a:t>
+            </a:r>
+          </a:p>
+          <a:p>
+            <a:r>
+              <a:rPr lang="sk-SK" dirty="0"/>
+              <a:t>2.vrstva je </a:t>
+            </a:r>
+            <a:r>
+              <a:rPr lang="sk-SK" dirty="0" err="1"/>
+              <a:t>hidden</a:t>
+            </a:r>
+            <a:r>
+              <a:rPr lang="sk-SK" dirty="0"/>
+              <a:t>/skrytá s 200 neurónmi</a:t>
+            </a:r>
+          </a:p>
+          <a:p>
+            <a:r>
+              <a:rPr lang="sk-SK" dirty="0"/>
+              <a:t>3.vrstva je </a:t>
+            </a:r>
+            <a:r>
+              <a:rPr lang="sk-SK" dirty="0" err="1"/>
+              <a:t>hidden</a:t>
+            </a:r>
+            <a:r>
+              <a:rPr lang="sk-SK" dirty="0"/>
+              <a:t>/skrytá s 50 neurónmi</a:t>
+            </a:r>
+          </a:p>
+          <a:p>
+            <a:r>
+              <a:rPr lang="sk-SK" dirty="0"/>
+              <a:t>4.vrstva je výstupná s 2 neurónmi</a:t>
             </a:r>
           </a:p>
           <a:p>
@@ -5261,6 +5280,132 @@
 </file>
 
 <file path=ppt/slides/slide20.xml><?xml version="1.0" encoding="utf-8"?>
+<p:sld xmlns:a="http://schemas.openxmlformats.org/drawingml/2006/main" xmlns:r="http://schemas.openxmlformats.org/officeDocument/2006/relationships" xmlns:p="http://schemas.openxmlformats.org/presentationml/2006/main">
+  <p:cSld>
+    <p:spTree>
+      <p:nvGrpSpPr>
+        <p:cNvPr id="1" name=""/>
+        <p:cNvGrpSpPr/>
+        <p:nvPr/>
+      </p:nvGrpSpPr>
+      <p:grpSpPr>
+        <a:xfrm>
+          <a:off x="0" y="0"/>
+          <a:ext cx="0" cy="0"/>
+          <a:chOff x="0" y="0"/>
+          <a:chExt cx="0" cy="0"/>
+        </a:xfrm>
+      </p:grpSpPr>
+      <p:sp>
+        <p:nvSpPr>
+          <p:cNvPr id="2" name="Nadpis 1">
+            <a:extLst>
+              <a:ext uri="{FF2B5EF4-FFF2-40B4-BE49-F238E27FC236}">
+                <a16:creationId xmlns:a16="http://schemas.microsoft.com/office/drawing/2014/main" id="{3C2D1CC1-92BF-4A26-A220-CF4036621031}"/>
+              </a:ext>
+            </a:extLst>
+          </p:cNvPr>
+          <p:cNvSpPr>
+            <a:spLocks noGrp="1"/>
+          </p:cNvSpPr>
+          <p:nvPr>
+            <p:ph type="title"/>
+          </p:nvPr>
+        </p:nvSpPr>
+        <p:spPr/>
+        <p:txBody>
+          <a:bodyPr/>
+          <a:lstStyle/>
+          <a:p>
+            <a:r>
+              <a:rPr lang="sk-SK" dirty="0" err="1"/>
+              <a:t>Keras</a:t>
+            </a:r>
+            <a:r>
+              <a:rPr lang="sk-SK"/>
+              <a:t> konfigurácia:</a:t>
+            </a:r>
+            <a:endParaRPr lang="sk-SK" dirty="0"/>
+          </a:p>
+        </p:txBody>
+      </p:sp>
+      <p:sp>
+        <p:nvSpPr>
+          <p:cNvPr id="3" name="Zástupný objekt pre obsah 2">
+            <a:extLst>
+              <a:ext uri="{FF2B5EF4-FFF2-40B4-BE49-F238E27FC236}">
+                <a16:creationId xmlns:a16="http://schemas.microsoft.com/office/drawing/2014/main" id="{B6678FC4-CB10-4B94-8510-518ED8B4C3A9}"/>
+              </a:ext>
+            </a:extLst>
+          </p:cNvPr>
+          <p:cNvSpPr>
+            <a:spLocks noGrp="1"/>
+          </p:cNvSpPr>
+          <p:nvPr>
+            <p:ph idx="1"/>
+          </p:nvPr>
+        </p:nvSpPr>
+        <p:spPr/>
+        <p:txBody>
+          <a:bodyPr/>
+          <a:lstStyle/>
+          <a:p>
+            <a:r>
+              <a:rPr lang="sk-SK" dirty="0" err="1"/>
+              <a:t>adam</a:t>
+            </a:r>
+            <a:r>
+              <a:rPr lang="sk-SK" dirty="0"/>
+              <a:t> = optimalizačná metóda </a:t>
+            </a:r>
+            <a:r>
+              <a:rPr lang="sk-SK" dirty="0" err="1"/>
+              <a:t>stochastického</a:t>
+            </a:r>
+            <a:r>
+              <a:rPr lang="sk-SK" dirty="0"/>
+              <a:t> gradientového zostupu, založená na adaptívnom odhade momentov 1. a 2. rádu</a:t>
+            </a:r>
+          </a:p>
+          <a:p>
+            <a:r>
+              <a:rPr lang="sk-SK" dirty="0" err="1"/>
+              <a:t>categorical_crossentropy</a:t>
+            </a:r>
+            <a:r>
+              <a:rPr lang="sk-SK" dirty="0"/>
+              <a:t> = vypočíta stratu pomocou krížovej entropie medzi poskytnutými dátami a predikciami, využíva sa vtedy ak používame viacej než 2 triedy v predikcií</a:t>
+            </a:r>
+          </a:p>
+          <a:p>
+            <a:r>
+              <a:rPr lang="sk-SK" dirty="0" err="1"/>
+              <a:t>accuracy</a:t>
+            </a:r>
+            <a:r>
+              <a:rPr lang="sk-SK" dirty="0"/>
+              <a:t> = metrika vypočítavajúca ako často sa predikcia = poskytnutým dátam, navracia binárnu presnosť modelu</a:t>
+            </a:r>
+          </a:p>
+          <a:p>
+            <a:endParaRPr lang="sk-SK" dirty="0"/>
+          </a:p>
+        </p:txBody>
+      </p:sp>
+    </p:spTree>
+    <p:extLst>
+      <p:ext uri="{BB962C8B-B14F-4D97-AF65-F5344CB8AC3E}">
+        <p14:creationId xmlns:p14="http://schemas.microsoft.com/office/powerpoint/2010/main" val="463911066"/>
+      </p:ext>
+    </p:extLst>
+  </p:cSld>
+  <p:clrMapOvr>
+    <a:masterClrMapping/>
+  </p:clrMapOvr>
+</p:sld>
+</file>
+
+<file path=ppt/slides/slide21.xml><?xml version="1.0" encoding="utf-8"?>
 <p:sld xmlns:a="http://schemas.openxmlformats.org/drawingml/2006/main" xmlns:r="http://schemas.openxmlformats.org/officeDocument/2006/relationships" xmlns:p="http://schemas.openxmlformats.org/presentationml/2006/main">
   <p:cSld>
     <p:spTree>
@@ -5352,7 +5497,7 @@
 </p:sld>
 </file>
 
-<file path=ppt/slides/slide21.xml><?xml version="1.0" encoding="utf-8"?>
+<file path=ppt/slides/slide22.xml><?xml version="1.0" encoding="utf-8"?>
 <p:sld xmlns:a="http://schemas.openxmlformats.org/drawingml/2006/main" xmlns:r="http://schemas.openxmlformats.org/officeDocument/2006/relationships" xmlns:p="http://schemas.openxmlformats.org/presentationml/2006/main">
   <p:cSld>
     <p:spTree>
@@ -5502,7 +5647,7 @@
 </p:sld>
 </file>
 
-<file path=ppt/slides/slide22.xml><?xml version="1.0" encoding="utf-8"?>
+<file path=ppt/slides/slide23.xml><?xml version="1.0" encoding="utf-8"?>
 <p:sld xmlns:a="http://schemas.openxmlformats.org/drawingml/2006/main" xmlns:r="http://schemas.openxmlformats.org/officeDocument/2006/relationships" xmlns:p="http://schemas.openxmlformats.org/presentationml/2006/main">
   <p:cSld>
     <p:spTree>
@@ -5547,8 +5692,8 @@
           </a:p>
         </p:txBody>
       </p:sp>
-      <mc:AlternateContent xmlns:mc="http://schemas.openxmlformats.org/markup-compatibility/2006">
-        <mc:Choice xmlns:a14="http://schemas.microsoft.com/office/drawing/2010/main" Requires="a14">
+      <mc:AlternateContent xmlns:mc="http://schemas.openxmlformats.org/markup-compatibility/2006" xmlns:a14="http://schemas.microsoft.com/office/drawing/2010/main">
+        <mc:Choice Requires="a14">
           <p:sp>
             <p:nvSpPr>
               <p:cNvPr id="3" name="Zástupný objekt pre obsah 2">
@@ -5597,7 +5742,7 @@
                         <m:begChr m:val="["/>
                         <m:endChr m:val="]"/>
                         <m:ctrlPr>
-                          <a:rPr lang="sk-SK" b="0" i="0" smtClean="0">
+                          <a:rPr lang="sk-SK" b="0" i="1" smtClean="0">
                             <a:latin typeface="Cambria Math" panose="02040503050406030204" pitchFamily="18" charset="0"/>
                           </a:rPr>
                         </m:ctrlPr>
@@ -5615,7 +5760,7 @@
                         <m:d>
                           <m:dPr>
                             <m:ctrlPr>
-                              <a:rPr lang="sk-SK" b="0" i="0" smtClean="0">
+                              <a:rPr lang="sk-SK" b="0" i="1" smtClean="0">
                                 <a:latin typeface="Cambria Math" panose="02040503050406030204" pitchFamily="18" charset="0"/>
                               </a:rPr>
                             </m:ctrlPr>
@@ -6123,7 +6268,7 @@
             </p:txBody>
           </p:sp>
         </mc:Choice>
-        <mc:Fallback>
+        <mc:Fallback xmlns="">
           <p:sp>
             <p:nvSpPr>
               <p:cNvPr id="3" name="Zástupný objekt pre obsah 2">
@@ -6180,7 +6325,7 @@
 </p:sld>
 </file>
 
-<file path=ppt/slides/slide23.xml><?xml version="1.0" encoding="utf-8"?>
+<file path=ppt/slides/slide24.xml><?xml version="1.0" encoding="utf-8"?>
 <p:sld xmlns:a="http://schemas.openxmlformats.org/drawingml/2006/main" xmlns:r="http://schemas.openxmlformats.org/officeDocument/2006/relationships" xmlns:p="http://schemas.openxmlformats.org/presentationml/2006/main">
   <p:cSld>
     <p:spTree>
@@ -6225,8 +6370,8 @@
           </a:p>
         </p:txBody>
       </p:sp>
-      <mc:AlternateContent xmlns:mc="http://schemas.openxmlformats.org/markup-compatibility/2006">
-        <mc:Choice xmlns:a14="http://schemas.microsoft.com/office/drawing/2010/main" Requires="a14">
+      <mc:AlternateContent xmlns:mc="http://schemas.openxmlformats.org/markup-compatibility/2006" xmlns:a14="http://schemas.microsoft.com/office/drawing/2010/main">
+        <mc:Choice Requires="a14">
           <p:sp>
             <p:nvSpPr>
               <p:cNvPr id="3" name="Zástupný objekt pre obsah 2">
@@ -6442,7 +6587,7 @@
             </p:txBody>
           </p:sp>
         </mc:Choice>
-        <mc:Fallback>
+        <mc:Fallback xmlns="">
           <p:sp>
             <p:nvSpPr>
               <p:cNvPr id="3" name="Zástupný objekt pre obsah 2">
@@ -6495,7 +6640,7 @@
 </p:sld>
 </file>
 
-<file path=ppt/slides/slide24.xml><?xml version="1.0" encoding="utf-8"?>
+<file path=ppt/slides/slide25.xml><?xml version="1.0" encoding="utf-8"?>
 <p:sld xmlns:a="http://schemas.openxmlformats.org/drawingml/2006/main" xmlns:r="http://schemas.openxmlformats.org/officeDocument/2006/relationships" xmlns:p="http://schemas.openxmlformats.org/presentationml/2006/main">
   <p:cSld>
     <p:spTree>
@@ -6573,7 +6718,7 @@
 </p:sld>
 </file>
 
-<file path=ppt/slides/slide25.xml><?xml version="1.0" encoding="utf-8"?>
+<file path=ppt/slides/slide26.xml><?xml version="1.0" encoding="utf-8"?>
 <p:sld xmlns:a="http://schemas.openxmlformats.org/drawingml/2006/main" xmlns:r="http://schemas.openxmlformats.org/officeDocument/2006/relationships" xmlns:p="http://schemas.openxmlformats.org/presentationml/2006/main">
   <p:cSld>
     <p:spTree>
